--- a/01_ModelisationPiecesDeformables/Fiche/images/Figures.pptx
+++ b/01_ModelisationPiecesDeformables/Fiche/images/Figures.pptx
@@ -4918,8 +4918,8 @@
           </a:fontRef>
         </p:style>
       </p:cxnSp>
-      <mc:AlternateContent xmlns:mc="http://schemas.openxmlformats.org/markup-compatibility/2006">
-        <mc:Choice xmlns:a14="http://schemas.microsoft.com/office/drawing/2010/main" Requires="a14">
+      <mc:AlternateContent xmlns:mc="http://schemas.openxmlformats.org/markup-compatibility/2006" xmlns:a14="http://schemas.microsoft.com/office/drawing/2010/main">
+        <mc:Choice Requires="a14">
           <p:sp>
             <p:nvSpPr>
               <p:cNvPr id="90" name="ZoneTexte 89"/>
@@ -4963,7 +4963,7 @@
             </p:txBody>
           </p:sp>
         </mc:Choice>
-        <mc:Fallback>
+        <mc:Fallback xmlns="">
           <p:sp>
             <p:nvSpPr>
               <p:cNvPr id="90" name="ZoneTexte 89"/>
@@ -5104,8 +5104,8 @@
           </a:p>
         </p:txBody>
       </p:sp>
-      <mc:AlternateContent xmlns:mc="http://schemas.openxmlformats.org/markup-compatibility/2006">
-        <mc:Choice xmlns:a14="http://schemas.microsoft.com/office/drawing/2010/main" Requires="a14">
+      <mc:AlternateContent xmlns:mc="http://schemas.openxmlformats.org/markup-compatibility/2006" xmlns:a14="http://schemas.microsoft.com/office/drawing/2010/main">
+        <mc:Choice Requires="a14">
           <p:sp>
             <p:nvSpPr>
               <p:cNvPr id="93" name="ZoneTexte 92"/>
@@ -5149,7 +5149,7 @@
             </p:txBody>
           </p:sp>
         </mc:Choice>
-        <mc:Fallback>
+        <mc:Fallback xmlns="">
           <p:sp>
             <p:nvSpPr>
               <p:cNvPr id="93" name="ZoneTexte 92"/>
@@ -5334,8 +5334,8 @@
           </a:fontRef>
         </p:style>
       </p:cxnSp>
-      <mc:AlternateContent xmlns:mc="http://schemas.openxmlformats.org/markup-compatibility/2006">
-        <mc:Choice xmlns:a14="http://schemas.microsoft.com/office/drawing/2010/main" Requires="a14">
+      <mc:AlternateContent xmlns:mc="http://schemas.openxmlformats.org/markup-compatibility/2006" xmlns:a14="http://schemas.microsoft.com/office/drawing/2010/main">
+        <mc:Choice Requires="a14">
           <p:sp>
             <p:nvSpPr>
               <p:cNvPr id="100" name="ZoneTexte 99"/>
@@ -5385,7 +5385,7 @@
             </p:txBody>
           </p:sp>
         </mc:Choice>
-        <mc:Fallback>
+        <mc:Fallback xmlns="">
           <p:sp>
             <p:nvSpPr>
               <p:cNvPr id="100" name="ZoneTexte 99"/>
@@ -7649,6 +7649,2246 @@
           <a:chExt cx="0" cy="0"/>
         </a:xfrm>
       </p:grpSpPr>
+      <p:sp>
+        <p:nvSpPr>
+          <p:cNvPr id="12" name="Forme libre 11"/>
+          <p:cNvSpPr/>
+          <p:nvPr/>
+        </p:nvSpPr>
+        <p:spPr>
+          <a:xfrm>
+            <a:off x="3659793" y="2356939"/>
+            <a:ext cx="1035439" cy="1065919"/>
+          </a:xfrm>
+          <a:custGeom>
+            <a:avLst/>
+            <a:gdLst>
+              <a:gd name="connsiteX0" fmla="*/ 689368 w 1195867"/>
+              <a:gd name="connsiteY0" fmla="*/ 0 h 1814779"/>
+              <a:gd name="connsiteX1" fmla="*/ 1195804 w 1195867"/>
+              <a:gd name="connsiteY1" fmla="*/ 745588 h 1814779"/>
+              <a:gd name="connsiteX2" fmla="*/ 661232 w 1195867"/>
+              <a:gd name="connsiteY2" fmla="*/ 1814732 h 1814779"/>
+              <a:gd name="connsiteX3" fmla="*/ 51 w 1195867"/>
+              <a:gd name="connsiteY3" fmla="*/ 703385 h 1814779"/>
+              <a:gd name="connsiteX4" fmla="*/ 633097 w 1195867"/>
+              <a:gd name="connsiteY4" fmla="*/ 14068 h 1814779"/>
+              <a:gd name="connsiteX0" fmla="*/ 689368 w 1195867"/>
+              <a:gd name="connsiteY0" fmla="*/ 0 h 1814779"/>
+              <a:gd name="connsiteX1" fmla="*/ 1195804 w 1195867"/>
+              <a:gd name="connsiteY1" fmla="*/ 745588 h 1814779"/>
+              <a:gd name="connsiteX2" fmla="*/ 661232 w 1195867"/>
+              <a:gd name="connsiteY2" fmla="*/ 1814732 h 1814779"/>
+              <a:gd name="connsiteX3" fmla="*/ 51 w 1195867"/>
+              <a:gd name="connsiteY3" fmla="*/ 703385 h 1814779"/>
+              <a:gd name="connsiteX4" fmla="*/ 633097 w 1195867"/>
+              <a:gd name="connsiteY4" fmla="*/ 14068 h 1814779"/>
+              <a:gd name="connsiteX5" fmla="*/ 689368 w 1195867"/>
+              <a:gd name="connsiteY5" fmla="*/ 0 h 1814779"/>
+              <a:gd name="connsiteX0" fmla="*/ 692618 w 1199117"/>
+              <a:gd name="connsiteY0" fmla="*/ 0 h 1814779"/>
+              <a:gd name="connsiteX1" fmla="*/ 1199054 w 1199117"/>
+              <a:gd name="connsiteY1" fmla="*/ 745588 h 1814779"/>
+              <a:gd name="connsiteX2" fmla="*/ 664482 w 1199117"/>
+              <a:gd name="connsiteY2" fmla="*/ 1814732 h 1814779"/>
+              <a:gd name="connsiteX3" fmla="*/ 3301 w 1199117"/>
+              <a:gd name="connsiteY3" fmla="*/ 703385 h 1814779"/>
+              <a:gd name="connsiteX4" fmla="*/ 479185 w 1199117"/>
+              <a:gd name="connsiteY4" fmla="*/ 40262 h 1814779"/>
+              <a:gd name="connsiteX5" fmla="*/ 692618 w 1199117"/>
+              <a:gd name="connsiteY5" fmla="*/ 0 h 1814779"/>
+              <a:gd name="connsiteX0" fmla="*/ 868830 w 1205140"/>
+              <a:gd name="connsiteY0" fmla="*/ 0 h 1793348"/>
+              <a:gd name="connsiteX1" fmla="*/ 1199054 w 1205140"/>
+              <a:gd name="connsiteY1" fmla="*/ 724157 h 1793348"/>
+              <a:gd name="connsiteX2" fmla="*/ 664482 w 1205140"/>
+              <a:gd name="connsiteY2" fmla="*/ 1793301 h 1793348"/>
+              <a:gd name="connsiteX3" fmla="*/ 3301 w 1205140"/>
+              <a:gd name="connsiteY3" fmla="*/ 681954 h 1793348"/>
+              <a:gd name="connsiteX4" fmla="*/ 479185 w 1205140"/>
+              <a:gd name="connsiteY4" fmla="*/ 18831 h 1793348"/>
+              <a:gd name="connsiteX5" fmla="*/ 868830 w 1205140"/>
+              <a:gd name="connsiteY5" fmla="*/ 0 h 1793348"/>
+              <a:gd name="connsiteX0" fmla="*/ 868830 w 1202396"/>
+              <a:gd name="connsiteY0" fmla="*/ 67 h 1793415"/>
+              <a:gd name="connsiteX1" fmla="*/ 1199054 w 1202396"/>
+              <a:gd name="connsiteY1" fmla="*/ 724224 h 1793415"/>
+              <a:gd name="connsiteX2" fmla="*/ 664482 w 1202396"/>
+              <a:gd name="connsiteY2" fmla="*/ 1793368 h 1793415"/>
+              <a:gd name="connsiteX3" fmla="*/ 3301 w 1202396"/>
+              <a:gd name="connsiteY3" fmla="*/ 682021 h 1793415"/>
+              <a:gd name="connsiteX4" fmla="*/ 479185 w 1202396"/>
+              <a:gd name="connsiteY4" fmla="*/ 18898 h 1793415"/>
+              <a:gd name="connsiteX5" fmla="*/ 868830 w 1202396"/>
+              <a:gd name="connsiteY5" fmla="*/ 67 h 1793415"/>
+              <a:gd name="connsiteX0" fmla="*/ 869816 w 1203382"/>
+              <a:gd name="connsiteY0" fmla="*/ 67 h 1793415"/>
+              <a:gd name="connsiteX1" fmla="*/ 1200040 w 1203382"/>
+              <a:gd name="connsiteY1" fmla="*/ 724224 h 1793415"/>
+              <a:gd name="connsiteX2" fmla="*/ 665468 w 1203382"/>
+              <a:gd name="connsiteY2" fmla="*/ 1793368 h 1793415"/>
+              <a:gd name="connsiteX3" fmla="*/ 4287 w 1203382"/>
+              <a:gd name="connsiteY3" fmla="*/ 682021 h 1793415"/>
+              <a:gd name="connsiteX4" fmla="*/ 480171 w 1203382"/>
+              <a:gd name="connsiteY4" fmla="*/ 18898 h 1793415"/>
+              <a:gd name="connsiteX5" fmla="*/ 869816 w 1203382"/>
+              <a:gd name="connsiteY5" fmla="*/ 67 h 1793415"/>
+              <a:gd name="connsiteX0" fmla="*/ 869816 w 1203924"/>
+              <a:gd name="connsiteY0" fmla="*/ 112 h 1793460"/>
+              <a:gd name="connsiteX1" fmla="*/ 1200040 w 1203924"/>
+              <a:gd name="connsiteY1" fmla="*/ 724269 h 1793460"/>
+              <a:gd name="connsiteX2" fmla="*/ 665468 w 1203924"/>
+              <a:gd name="connsiteY2" fmla="*/ 1793413 h 1793460"/>
+              <a:gd name="connsiteX3" fmla="*/ 4287 w 1203924"/>
+              <a:gd name="connsiteY3" fmla="*/ 682066 h 1793460"/>
+              <a:gd name="connsiteX4" fmla="*/ 480171 w 1203924"/>
+              <a:gd name="connsiteY4" fmla="*/ 18943 h 1793460"/>
+              <a:gd name="connsiteX5" fmla="*/ 869816 w 1203924"/>
+              <a:gd name="connsiteY5" fmla="*/ 112 h 1793460"/>
+              <a:gd name="connsiteX0" fmla="*/ 869816 w 1203846"/>
+              <a:gd name="connsiteY0" fmla="*/ 11377 h 1804725"/>
+              <a:gd name="connsiteX1" fmla="*/ 1200040 w 1203846"/>
+              <a:gd name="connsiteY1" fmla="*/ 735534 h 1804725"/>
+              <a:gd name="connsiteX2" fmla="*/ 665468 w 1203846"/>
+              <a:gd name="connsiteY2" fmla="*/ 1804678 h 1804725"/>
+              <a:gd name="connsiteX3" fmla="*/ 4287 w 1203846"/>
+              <a:gd name="connsiteY3" fmla="*/ 693331 h 1804725"/>
+              <a:gd name="connsiteX4" fmla="*/ 480171 w 1203846"/>
+              <a:gd name="connsiteY4" fmla="*/ 30208 h 1804725"/>
+              <a:gd name="connsiteX5" fmla="*/ 869816 w 1203846"/>
+              <a:gd name="connsiteY5" fmla="*/ 11377 h 1804725"/>
+              <a:gd name="connsiteX0" fmla="*/ 866940 w 1204197"/>
+              <a:gd name="connsiteY0" fmla="*/ 11377 h 1239647"/>
+              <a:gd name="connsiteX1" fmla="*/ 1197164 w 1204197"/>
+              <a:gd name="connsiteY1" fmla="*/ 735534 h 1239647"/>
+              <a:gd name="connsiteX2" fmla="*/ 573692 w 1204197"/>
+              <a:gd name="connsiteY2" fmla="*/ 1239528 h 1239647"/>
+              <a:gd name="connsiteX3" fmla="*/ 1411 w 1204197"/>
+              <a:gd name="connsiteY3" fmla="*/ 693331 h 1239647"/>
+              <a:gd name="connsiteX4" fmla="*/ 477295 w 1204197"/>
+              <a:gd name="connsiteY4" fmla="*/ 30208 h 1239647"/>
+              <a:gd name="connsiteX5" fmla="*/ 866940 w 1204197"/>
+              <a:gd name="connsiteY5" fmla="*/ 11377 h 1239647"/>
+            </a:gdLst>
+            <a:ahLst/>
+            <a:cxnLst>
+              <a:cxn ang="0">
+                <a:pos x="connsiteX0" y="connsiteY0"/>
+              </a:cxn>
+              <a:cxn ang="0">
+                <a:pos x="connsiteX1" y="connsiteY1"/>
+              </a:cxn>
+              <a:cxn ang="0">
+                <a:pos x="connsiteX2" y="connsiteY2"/>
+              </a:cxn>
+              <a:cxn ang="0">
+                <a:pos x="connsiteX3" y="connsiteY3"/>
+              </a:cxn>
+              <a:cxn ang="0">
+                <a:pos x="connsiteX4" y="connsiteY4"/>
+              </a:cxn>
+              <a:cxn ang="0">
+                <a:pos x="connsiteX5" y="connsiteY5"/>
+              </a:cxn>
+            </a:cxnLst>
+            <a:rect l="l" t="t" r="r" b="b"/>
+            <a:pathLst>
+              <a:path w="1204197" h="1239647">
+                <a:moveTo>
+                  <a:pt x="866940" y="11377"/>
+                </a:moveTo>
+                <a:cubicBezTo>
+                  <a:pt x="1029909" y="52053"/>
+                  <a:pt x="1246039" y="530842"/>
+                  <a:pt x="1197164" y="735534"/>
+                </a:cubicBezTo>
+                <a:cubicBezTo>
+                  <a:pt x="1148289" y="940226"/>
+                  <a:pt x="772984" y="1246562"/>
+                  <a:pt x="573692" y="1239528"/>
+                </a:cubicBezTo>
+                <a:cubicBezTo>
+                  <a:pt x="374400" y="1232494"/>
+                  <a:pt x="17477" y="894884"/>
+                  <a:pt x="1411" y="693331"/>
+                </a:cubicBezTo>
+                <a:cubicBezTo>
+                  <a:pt x="-14655" y="491778"/>
+                  <a:pt x="104170" y="48241"/>
+                  <a:pt x="477295" y="30208"/>
+                </a:cubicBezTo>
+                <a:cubicBezTo>
+                  <a:pt x="607177" y="23931"/>
+                  <a:pt x="739439" y="-20446"/>
+                  <a:pt x="866940" y="11377"/>
+                </a:cubicBezTo>
+                <a:close/>
+              </a:path>
+            </a:pathLst>
+          </a:custGeom>
+          <a:ln w="19050">
+            <a:solidFill>
+              <a:schemeClr val="accent5">
+                <a:lumMod val="50000"/>
+              </a:schemeClr>
+            </a:solidFill>
+          </a:ln>
+        </p:spPr>
+        <p:style>
+          <a:lnRef idx="1">
+            <a:schemeClr val="accent1"/>
+          </a:lnRef>
+          <a:fillRef idx="0">
+            <a:schemeClr val="accent1"/>
+          </a:fillRef>
+          <a:effectRef idx="0">
+            <a:schemeClr val="accent1"/>
+          </a:effectRef>
+          <a:fontRef idx="minor">
+            <a:schemeClr val="tx1"/>
+          </a:fontRef>
+        </p:style>
+        <p:txBody>
+          <a:bodyPr rtlCol="0" anchor="ctr"/>
+          <a:lstStyle/>
+          <a:p>
+            <a:pPr algn="ctr"/>
+            <a:endParaRPr lang="fr-FR" dirty="0"/>
+          </a:p>
+        </p:txBody>
+      </p:sp>
+      <p:sp>
+        <p:nvSpPr>
+          <p:cNvPr id="2" name="Forme libre 1"/>
+          <p:cNvSpPr/>
+          <p:nvPr/>
+        </p:nvSpPr>
+        <p:spPr>
+          <a:xfrm>
+            <a:off x="1799255" y="1979530"/>
+            <a:ext cx="1204197" cy="1239647"/>
+          </a:xfrm>
+          <a:custGeom>
+            <a:avLst/>
+            <a:gdLst>
+              <a:gd name="connsiteX0" fmla="*/ 689368 w 1195867"/>
+              <a:gd name="connsiteY0" fmla="*/ 0 h 1814779"/>
+              <a:gd name="connsiteX1" fmla="*/ 1195804 w 1195867"/>
+              <a:gd name="connsiteY1" fmla="*/ 745588 h 1814779"/>
+              <a:gd name="connsiteX2" fmla="*/ 661232 w 1195867"/>
+              <a:gd name="connsiteY2" fmla="*/ 1814732 h 1814779"/>
+              <a:gd name="connsiteX3" fmla="*/ 51 w 1195867"/>
+              <a:gd name="connsiteY3" fmla="*/ 703385 h 1814779"/>
+              <a:gd name="connsiteX4" fmla="*/ 633097 w 1195867"/>
+              <a:gd name="connsiteY4" fmla="*/ 14068 h 1814779"/>
+              <a:gd name="connsiteX0" fmla="*/ 689368 w 1195867"/>
+              <a:gd name="connsiteY0" fmla="*/ 0 h 1814779"/>
+              <a:gd name="connsiteX1" fmla="*/ 1195804 w 1195867"/>
+              <a:gd name="connsiteY1" fmla="*/ 745588 h 1814779"/>
+              <a:gd name="connsiteX2" fmla="*/ 661232 w 1195867"/>
+              <a:gd name="connsiteY2" fmla="*/ 1814732 h 1814779"/>
+              <a:gd name="connsiteX3" fmla="*/ 51 w 1195867"/>
+              <a:gd name="connsiteY3" fmla="*/ 703385 h 1814779"/>
+              <a:gd name="connsiteX4" fmla="*/ 633097 w 1195867"/>
+              <a:gd name="connsiteY4" fmla="*/ 14068 h 1814779"/>
+              <a:gd name="connsiteX5" fmla="*/ 689368 w 1195867"/>
+              <a:gd name="connsiteY5" fmla="*/ 0 h 1814779"/>
+              <a:gd name="connsiteX0" fmla="*/ 692618 w 1199117"/>
+              <a:gd name="connsiteY0" fmla="*/ 0 h 1814779"/>
+              <a:gd name="connsiteX1" fmla="*/ 1199054 w 1199117"/>
+              <a:gd name="connsiteY1" fmla="*/ 745588 h 1814779"/>
+              <a:gd name="connsiteX2" fmla="*/ 664482 w 1199117"/>
+              <a:gd name="connsiteY2" fmla="*/ 1814732 h 1814779"/>
+              <a:gd name="connsiteX3" fmla="*/ 3301 w 1199117"/>
+              <a:gd name="connsiteY3" fmla="*/ 703385 h 1814779"/>
+              <a:gd name="connsiteX4" fmla="*/ 479185 w 1199117"/>
+              <a:gd name="connsiteY4" fmla="*/ 40262 h 1814779"/>
+              <a:gd name="connsiteX5" fmla="*/ 692618 w 1199117"/>
+              <a:gd name="connsiteY5" fmla="*/ 0 h 1814779"/>
+              <a:gd name="connsiteX0" fmla="*/ 868830 w 1205140"/>
+              <a:gd name="connsiteY0" fmla="*/ 0 h 1793348"/>
+              <a:gd name="connsiteX1" fmla="*/ 1199054 w 1205140"/>
+              <a:gd name="connsiteY1" fmla="*/ 724157 h 1793348"/>
+              <a:gd name="connsiteX2" fmla="*/ 664482 w 1205140"/>
+              <a:gd name="connsiteY2" fmla="*/ 1793301 h 1793348"/>
+              <a:gd name="connsiteX3" fmla="*/ 3301 w 1205140"/>
+              <a:gd name="connsiteY3" fmla="*/ 681954 h 1793348"/>
+              <a:gd name="connsiteX4" fmla="*/ 479185 w 1205140"/>
+              <a:gd name="connsiteY4" fmla="*/ 18831 h 1793348"/>
+              <a:gd name="connsiteX5" fmla="*/ 868830 w 1205140"/>
+              <a:gd name="connsiteY5" fmla="*/ 0 h 1793348"/>
+              <a:gd name="connsiteX0" fmla="*/ 868830 w 1202396"/>
+              <a:gd name="connsiteY0" fmla="*/ 67 h 1793415"/>
+              <a:gd name="connsiteX1" fmla="*/ 1199054 w 1202396"/>
+              <a:gd name="connsiteY1" fmla="*/ 724224 h 1793415"/>
+              <a:gd name="connsiteX2" fmla="*/ 664482 w 1202396"/>
+              <a:gd name="connsiteY2" fmla="*/ 1793368 h 1793415"/>
+              <a:gd name="connsiteX3" fmla="*/ 3301 w 1202396"/>
+              <a:gd name="connsiteY3" fmla="*/ 682021 h 1793415"/>
+              <a:gd name="connsiteX4" fmla="*/ 479185 w 1202396"/>
+              <a:gd name="connsiteY4" fmla="*/ 18898 h 1793415"/>
+              <a:gd name="connsiteX5" fmla="*/ 868830 w 1202396"/>
+              <a:gd name="connsiteY5" fmla="*/ 67 h 1793415"/>
+              <a:gd name="connsiteX0" fmla="*/ 869816 w 1203382"/>
+              <a:gd name="connsiteY0" fmla="*/ 67 h 1793415"/>
+              <a:gd name="connsiteX1" fmla="*/ 1200040 w 1203382"/>
+              <a:gd name="connsiteY1" fmla="*/ 724224 h 1793415"/>
+              <a:gd name="connsiteX2" fmla="*/ 665468 w 1203382"/>
+              <a:gd name="connsiteY2" fmla="*/ 1793368 h 1793415"/>
+              <a:gd name="connsiteX3" fmla="*/ 4287 w 1203382"/>
+              <a:gd name="connsiteY3" fmla="*/ 682021 h 1793415"/>
+              <a:gd name="connsiteX4" fmla="*/ 480171 w 1203382"/>
+              <a:gd name="connsiteY4" fmla="*/ 18898 h 1793415"/>
+              <a:gd name="connsiteX5" fmla="*/ 869816 w 1203382"/>
+              <a:gd name="connsiteY5" fmla="*/ 67 h 1793415"/>
+              <a:gd name="connsiteX0" fmla="*/ 869816 w 1203924"/>
+              <a:gd name="connsiteY0" fmla="*/ 112 h 1793460"/>
+              <a:gd name="connsiteX1" fmla="*/ 1200040 w 1203924"/>
+              <a:gd name="connsiteY1" fmla="*/ 724269 h 1793460"/>
+              <a:gd name="connsiteX2" fmla="*/ 665468 w 1203924"/>
+              <a:gd name="connsiteY2" fmla="*/ 1793413 h 1793460"/>
+              <a:gd name="connsiteX3" fmla="*/ 4287 w 1203924"/>
+              <a:gd name="connsiteY3" fmla="*/ 682066 h 1793460"/>
+              <a:gd name="connsiteX4" fmla="*/ 480171 w 1203924"/>
+              <a:gd name="connsiteY4" fmla="*/ 18943 h 1793460"/>
+              <a:gd name="connsiteX5" fmla="*/ 869816 w 1203924"/>
+              <a:gd name="connsiteY5" fmla="*/ 112 h 1793460"/>
+              <a:gd name="connsiteX0" fmla="*/ 869816 w 1203846"/>
+              <a:gd name="connsiteY0" fmla="*/ 11377 h 1804725"/>
+              <a:gd name="connsiteX1" fmla="*/ 1200040 w 1203846"/>
+              <a:gd name="connsiteY1" fmla="*/ 735534 h 1804725"/>
+              <a:gd name="connsiteX2" fmla="*/ 665468 w 1203846"/>
+              <a:gd name="connsiteY2" fmla="*/ 1804678 h 1804725"/>
+              <a:gd name="connsiteX3" fmla="*/ 4287 w 1203846"/>
+              <a:gd name="connsiteY3" fmla="*/ 693331 h 1804725"/>
+              <a:gd name="connsiteX4" fmla="*/ 480171 w 1203846"/>
+              <a:gd name="connsiteY4" fmla="*/ 30208 h 1804725"/>
+              <a:gd name="connsiteX5" fmla="*/ 869816 w 1203846"/>
+              <a:gd name="connsiteY5" fmla="*/ 11377 h 1804725"/>
+              <a:gd name="connsiteX0" fmla="*/ 866940 w 1204197"/>
+              <a:gd name="connsiteY0" fmla="*/ 11377 h 1239647"/>
+              <a:gd name="connsiteX1" fmla="*/ 1197164 w 1204197"/>
+              <a:gd name="connsiteY1" fmla="*/ 735534 h 1239647"/>
+              <a:gd name="connsiteX2" fmla="*/ 573692 w 1204197"/>
+              <a:gd name="connsiteY2" fmla="*/ 1239528 h 1239647"/>
+              <a:gd name="connsiteX3" fmla="*/ 1411 w 1204197"/>
+              <a:gd name="connsiteY3" fmla="*/ 693331 h 1239647"/>
+              <a:gd name="connsiteX4" fmla="*/ 477295 w 1204197"/>
+              <a:gd name="connsiteY4" fmla="*/ 30208 h 1239647"/>
+              <a:gd name="connsiteX5" fmla="*/ 866940 w 1204197"/>
+              <a:gd name="connsiteY5" fmla="*/ 11377 h 1239647"/>
+            </a:gdLst>
+            <a:ahLst/>
+            <a:cxnLst>
+              <a:cxn ang="0">
+                <a:pos x="connsiteX0" y="connsiteY0"/>
+              </a:cxn>
+              <a:cxn ang="0">
+                <a:pos x="connsiteX1" y="connsiteY1"/>
+              </a:cxn>
+              <a:cxn ang="0">
+                <a:pos x="connsiteX2" y="connsiteY2"/>
+              </a:cxn>
+              <a:cxn ang="0">
+                <a:pos x="connsiteX3" y="connsiteY3"/>
+              </a:cxn>
+              <a:cxn ang="0">
+                <a:pos x="connsiteX4" y="connsiteY4"/>
+              </a:cxn>
+              <a:cxn ang="0">
+                <a:pos x="connsiteX5" y="connsiteY5"/>
+              </a:cxn>
+            </a:cxnLst>
+            <a:rect l="l" t="t" r="r" b="b"/>
+            <a:pathLst>
+              <a:path w="1204197" h="1239647">
+                <a:moveTo>
+                  <a:pt x="866940" y="11377"/>
+                </a:moveTo>
+                <a:cubicBezTo>
+                  <a:pt x="1029909" y="52053"/>
+                  <a:pt x="1246039" y="530842"/>
+                  <a:pt x="1197164" y="735534"/>
+                </a:cubicBezTo>
+                <a:cubicBezTo>
+                  <a:pt x="1148289" y="940226"/>
+                  <a:pt x="772984" y="1246562"/>
+                  <a:pt x="573692" y="1239528"/>
+                </a:cubicBezTo>
+                <a:cubicBezTo>
+                  <a:pt x="374400" y="1232494"/>
+                  <a:pt x="17477" y="894884"/>
+                  <a:pt x="1411" y="693331"/>
+                </a:cubicBezTo>
+                <a:cubicBezTo>
+                  <a:pt x="-14655" y="491778"/>
+                  <a:pt x="104170" y="48241"/>
+                  <a:pt x="477295" y="30208"/>
+                </a:cubicBezTo>
+                <a:cubicBezTo>
+                  <a:pt x="607177" y="23931"/>
+                  <a:pt x="739439" y="-20446"/>
+                  <a:pt x="866940" y="11377"/>
+                </a:cubicBezTo>
+                <a:close/>
+              </a:path>
+            </a:pathLst>
+          </a:custGeom>
+          <a:ln w="19050">
+            <a:solidFill>
+              <a:schemeClr val="accent5">
+                <a:lumMod val="50000"/>
+              </a:schemeClr>
+            </a:solidFill>
+          </a:ln>
+        </p:spPr>
+        <p:style>
+          <a:lnRef idx="1">
+            <a:schemeClr val="accent1"/>
+          </a:lnRef>
+          <a:fillRef idx="0">
+            <a:schemeClr val="accent1"/>
+          </a:fillRef>
+          <a:effectRef idx="0">
+            <a:schemeClr val="accent1"/>
+          </a:effectRef>
+          <a:fontRef idx="minor">
+            <a:schemeClr val="tx1"/>
+          </a:fontRef>
+        </p:style>
+        <p:txBody>
+          <a:bodyPr rtlCol="0" anchor="ctr"/>
+          <a:lstStyle/>
+          <a:p>
+            <a:pPr algn="ctr"/>
+            <a:endParaRPr lang="fr-FR" dirty="0"/>
+          </a:p>
+        </p:txBody>
+      </p:sp>
+      <p:sp>
+        <p:nvSpPr>
+          <p:cNvPr id="4" name="Forme libre 3"/>
+          <p:cNvSpPr/>
+          <p:nvPr/>
+        </p:nvSpPr>
+        <p:spPr>
+          <a:xfrm>
+            <a:off x="5951984" y="3011001"/>
+            <a:ext cx="784504" cy="807599"/>
+          </a:xfrm>
+          <a:custGeom>
+            <a:avLst/>
+            <a:gdLst>
+              <a:gd name="connsiteX0" fmla="*/ 689368 w 1195867"/>
+              <a:gd name="connsiteY0" fmla="*/ 0 h 1814779"/>
+              <a:gd name="connsiteX1" fmla="*/ 1195804 w 1195867"/>
+              <a:gd name="connsiteY1" fmla="*/ 745588 h 1814779"/>
+              <a:gd name="connsiteX2" fmla="*/ 661232 w 1195867"/>
+              <a:gd name="connsiteY2" fmla="*/ 1814732 h 1814779"/>
+              <a:gd name="connsiteX3" fmla="*/ 51 w 1195867"/>
+              <a:gd name="connsiteY3" fmla="*/ 703385 h 1814779"/>
+              <a:gd name="connsiteX4" fmla="*/ 633097 w 1195867"/>
+              <a:gd name="connsiteY4" fmla="*/ 14068 h 1814779"/>
+              <a:gd name="connsiteX0" fmla="*/ 689368 w 1195867"/>
+              <a:gd name="connsiteY0" fmla="*/ 0 h 1814779"/>
+              <a:gd name="connsiteX1" fmla="*/ 1195804 w 1195867"/>
+              <a:gd name="connsiteY1" fmla="*/ 745588 h 1814779"/>
+              <a:gd name="connsiteX2" fmla="*/ 661232 w 1195867"/>
+              <a:gd name="connsiteY2" fmla="*/ 1814732 h 1814779"/>
+              <a:gd name="connsiteX3" fmla="*/ 51 w 1195867"/>
+              <a:gd name="connsiteY3" fmla="*/ 703385 h 1814779"/>
+              <a:gd name="connsiteX4" fmla="*/ 633097 w 1195867"/>
+              <a:gd name="connsiteY4" fmla="*/ 14068 h 1814779"/>
+              <a:gd name="connsiteX5" fmla="*/ 689368 w 1195867"/>
+              <a:gd name="connsiteY5" fmla="*/ 0 h 1814779"/>
+              <a:gd name="connsiteX0" fmla="*/ 692618 w 1199117"/>
+              <a:gd name="connsiteY0" fmla="*/ 0 h 1814779"/>
+              <a:gd name="connsiteX1" fmla="*/ 1199054 w 1199117"/>
+              <a:gd name="connsiteY1" fmla="*/ 745588 h 1814779"/>
+              <a:gd name="connsiteX2" fmla="*/ 664482 w 1199117"/>
+              <a:gd name="connsiteY2" fmla="*/ 1814732 h 1814779"/>
+              <a:gd name="connsiteX3" fmla="*/ 3301 w 1199117"/>
+              <a:gd name="connsiteY3" fmla="*/ 703385 h 1814779"/>
+              <a:gd name="connsiteX4" fmla="*/ 479185 w 1199117"/>
+              <a:gd name="connsiteY4" fmla="*/ 40262 h 1814779"/>
+              <a:gd name="connsiteX5" fmla="*/ 692618 w 1199117"/>
+              <a:gd name="connsiteY5" fmla="*/ 0 h 1814779"/>
+              <a:gd name="connsiteX0" fmla="*/ 868830 w 1205140"/>
+              <a:gd name="connsiteY0" fmla="*/ 0 h 1793348"/>
+              <a:gd name="connsiteX1" fmla="*/ 1199054 w 1205140"/>
+              <a:gd name="connsiteY1" fmla="*/ 724157 h 1793348"/>
+              <a:gd name="connsiteX2" fmla="*/ 664482 w 1205140"/>
+              <a:gd name="connsiteY2" fmla="*/ 1793301 h 1793348"/>
+              <a:gd name="connsiteX3" fmla="*/ 3301 w 1205140"/>
+              <a:gd name="connsiteY3" fmla="*/ 681954 h 1793348"/>
+              <a:gd name="connsiteX4" fmla="*/ 479185 w 1205140"/>
+              <a:gd name="connsiteY4" fmla="*/ 18831 h 1793348"/>
+              <a:gd name="connsiteX5" fmla="*/ 868830 w 1205140"/>
+              <a:gd name="connsiteY5" fmla="*/ 0 h 1793348"/>
+              <a:gd name="connsiteX0" fmla="*/ 868830 w 1202396"/>
+              <a:gd name="connsiteY0" fmla="*/ 67 h 1793415"/>
+              <a:gd name="connsiteX1" fmla="*/ 1199054 w 1202396"/>
+              <a:gd name="connsiteY1" fmla="*/ 724224 h 1793415"/>
+              <a:gd name="connsiteX2" fmla="*/ 664482 w 1202396"/>
+              <a:gd name="connsiteY2" fmla="*/ 1793368 h 1793415"/>
+              <a:gd name="connsiteX3" fmla="*/ 3301 w 1202396"/>
+              <a:gd name="connsiteY3" fmla="*/ 682021 h 1793415"/>
+              <a:gd name="connsiteX4" fmla="*/ 479185 w 1202396"/>
+              <a:gd name="connsiteY4" fmla="*/ 18898 h 1793415"/>
+              <a:gd name="connsiteX5" fmla="*/ 868830 w 1202396"/>
+              <a:gd name="connsiteY5" fmla="*/ 67 h 1793415"/>
+              <a:gd name="connsiteX0" fmla="*/ 869816 w 1203382"/>
+              <a:gd name="connsiteY0" fmla="*/ 67 h 1793415"/>
+              <a:gd name="connsiteX1" fmla="*/ 1200040 w 1203382"/>
+              <a:gd name="connsiteY1" fmla="*/ 724224 h 1793415"/>
+              <a:gd name="connsiteX2" fmla="*/ 665468 w 1203382"/>
+              <a:gd name="connsiteY2" fmla="*/ 1793368 h 1793415"/>
+              <a:gd name="connsiteX3" fmla="*/ 4287 w 1203382"/>
+              <a:gd name="connsiteY3" fmla="*/ 682021 h 1793415"/>
+              <a:gd name="connsiteX4" fmla="*/ 480171 w 1203382"/>
+              <a:gd name="connsiteY4" fmla="*/ 18898 h 1793415"/>
+              <a:gd name="connsiteX5" fmla="*/ 869816 w 1203382"/>
+              <a:gd name="connsiteY5" fmla="*/ 67 h 1793415"/>
+              <a:gd name="connsiteX0" fmla="*/ 869816 w 1203924"/>
+              <a:gd name="connsiteY0" fmla="*/ 112 h 1793460"/>
+              <a:gd name="connsiteX1" fmla="*/ 1200040 w 1203924"/>
+              <a:gd name="connsiteY1" fmla="*/ 724269 h 1793460"/>
+              <a:gd name="connsiteX2" fmla="*/ 665468 w 1203924"/>
+              <a:gd name="connsiteY2" fmla="*/ 1793413 h 1793460"/>
+              <a:gd name="connsiteX3" fmla="*/ 4287 w 1203924"/>
+              <a:gd name="connsiteY3" fmla="*/ 682066 h 1793460"/>
+              <a:gd name="connsiteX4" fmla="*/ 480171 w 1203924"/>
+              <a:gd name="connsiteY4" fmla="*/ 18943 h 1793460"/>
+              <a:gd name="connsiteX5" fmla="*/ 869816 w 1203924"/>
+              <a:gd name="connsiteY5" fmla="*/ 112 h 1793460"/>
+              <a:gd name="connsiteX0" fmla="*/ 869816 w 1203846"/>
+              <a:gd name="connsiteY0" fmla="*/ 11377 h 1804725"/>
+              <a:gd name="connsiteX1" fmla="*/ 1200040 w 1203846"/>
+              <a:gd name="connsiteY1" fmla="*/ 735534 h 1804725"/>
+              <a:gd name="connsiteX2" fmla="*/ 665468 w 1203846"/>
+              <a:gd name="connsiteY2" fmla="*/ 1804678 h 1804725"/>
+              <a:gd name="connsiteX3" fmla="*/ 4287 w 1203846"/>
+              <a:gd name="connsiteY3" fmla="*/ 693331 h 1804725"/>
+              <a:gd name="connsiteX4" fmla="*/ 480171 w 1203846"/>
+              <a:gd name="connsiteY4" fmla="*/ 30208 h 1804725"/>
+              <a:gd name="connsiteX5" fmla="*/ 869816 w 1203846"/>
+              <a:gd name="connsiteY5" fmla="*/ 11377 h 1804725"/>
+              <a:gd name="connsiteX0" fmla="*/ 866940 w 1204197"/>
+              <a:gd name="connsiteY0" fmla="*/ 11377 h 1239647"/>
+              <a:gd name="connsiteX1" fmla="*/ 1197164 w 1204197"/>
+              <a:gd name="connsiteY1" fmla="*/ 735534 h 1239647"/>
+              <a:gd name="connsiteX2" fmla="*/ 573692 w 1204197"/>
+              <a:gd name="connsiteY2" fmla="*/ 1239528 h 1239647"/>
+              <a:gd name="connsiteX3" fmla="*/ 1411 w 1204197"/>
+              <a:gd name="connsiteY3" fmla="*/ 693331 h 1239647"/>
+              <a:gd name="connsiteX4" fmla="*/ 477295 w 1204197"/>
+              <a:gd name="connsiteY4" fmla="*/ 30208 h 1239647"/>
+              <a:gd name="connsiteX5" fmla="*/ 866940 w 1204197"/>
+              <a:gd name="connsiteY5" fmla="*/ 11377 h 1239647"/>
+            </a:gdLst>
+            <a:ahLst/>
+            <a:cxnLst>
+              <a:cxn ang="0">
+                <a:pos x="connsiteX0" y="connsiteY0"/>
+              </a:cxn>
+              <a:cxn ang="0">
+                <a:pos x="connsiteX1" y="connsiteY1"/>
+              </a:cxn>
+              <a:cxn ang="0">
+                <a:pos x="connsiteX2" y="connsiteY2"/>
+              </a:cxn>
+              <a:cxn ang="0">
+                <a:pos x="connsiteX3" y="connsiteY3"/>
+              </a:cxn>
+              <a:cxn ang="0">
+                <a:pos x="connsiteX4" y="connsiteY4"/>
+              </a:cxn>
+              <a:cxn ang="0">
+                <a:pos x="connsiteX5" y="connsiteY5"/>
+              </a:cxn>
+            </a:cxnLst>
+            <a:rect l="l" t="t" r="r" b="b"/>
+            <a:pathLst>
+              <a:path w="1204197" h="1239647">
+                <a:moveTo>
+                  <a:pt x="866940" y="11377"/>
+                </a:moveTo>
+                <a:cubicBezTo>
+                  <a:pt x="1029909" y="52053"/>
+                  <a:pt x="1246039" y="530842"/>
+                  <a:pt x="1197164" y="735534"/>
+                </a:cubicBezTo>
+                <a:cubicBezTo>
+                  <a:pt x="1148289" y="940226"/>
+                  <a:pt x="772984" y="1246562"/>
+                  <a:pt x="573692" y="1239528"/>
+                </a:cubicBezTo>
+                <a:cubicBezTo>
+                  <a:pt x="374400" y="1232494"/>
+                  <a:pt x="17477" y="894884"/>
+                  <a:pt x="1411" y="693331"/>
+                </a:cubicBezTo>
+                <a:cubicBezTo>
+                  <a:pt x="-14655" y="491778"/>
+                  <a:pt x="104170" y="48241"/>
+                  <a:pt x="477295" y="30208"/>
+                </a:cubicBezTo>
+                <a:cubicBezTo>
+                  <a:pt x="607177" y="23931"/>
+                  <a:pt x="739439" y="-20446"/>
+                  <a:pt x="866940" y="11377"/>
+                </a:cubicBezTo>
+                <a:close/>
+              </a:path>
+            </a:pathLst>
+          </a:custGeom>
+          <a:ln w="19050">
+            <a:solidFill>
+              <a:schemeClr val="accent5">
+                <a:lumMod val="50000"/>
+              </a:schemeClr>
+            </a:solidFill>
+          </a:ln>
+        </p:spPr>
+        <p:style>
+          <a:lnRef idx="1">
+            <a:schemeClr val="accent1"/>
+          </a:lnRef>
+          <a:fillRef idx="0">
+            <a:schemeClr val="accent1"/>
+          </a:fillRef>
+          <a:effectRef idx="0">
+            <a:schemeClr val="accent1"/>
+          </a:effectRef>
+          <a:fontRef idx="minor">
+            <a:schemeClr val="tx1"/>
+          </a:fontRef>
+        </p:style>
+        <p:txBody>
+          <a:bodyPr rtlCol="0" anchor="ctr"/>
+          <a:lstStyle/>
+          <a:p>
+            <a:pPr algn="ctr"/>
+            <a:endParaRPr lang="fr-FR" dirty="0"/>
+          </a:p>
+        </p:txBody>
+      </p:sp>
+      <p:sp>
+        <p:nvSpPr>
+          <p:cNvPr id="3" name="Rectangle 2"/>
+          <p:cNvSpPr/>
+          <p:nvPr/>
+        </p:nvSpPr>
+        <p:spPr>
+          <a:xfrm rot="759252">
+            <a:off x="5853395" y="2732103"/>
+            <a:ext cx="527791" cy="1152128"/>
+          </a:xfrm>
+          <a:prstGeom prst="rect">
+            <a:avLst/>
+          </a:prstGeom>
+          <a:solidFill>
+            <a:schemeClr val="bg1"/>
+          </a:solidFill>
+          <a:ln>
+            <a:noFill/>
+          </a:ln>
+        </p:spPr>
+        <p:style>
+          <a:lnRef idx="2">
+            <a:schemeClr val="accent1">
+              <a:shade val="50000"/>
+            </a:schemeClr>
+          </a:lnRef>
+          <a:fillRef idx="1">
+            <a:schemeClr val="accent1"/>
+          </a:fillRef>
+          <a:effectRef idx="0">
+            <a:schemeClr val="accent1"/>
+          </a:effectRef>
+          <a:fontRef idx="minor">
+            <a:schemeClr val="lt1"/>
+          </a:fontRef>
+        </p:style>
+        <p:txBody>
+          <a:bodyPr rtlCol="0" anchor="ctr"/>
+          <a:lstStyle/>
+          <a:p>
+            <a:pPr algn="ctr"/>
+            <a:endParaRPr lang="fr-FR"/>
+          </a:p>
+        </p:txBody>
+      </p:sp>
+      <p:sp>
+        <p:nvSpPr>
+          <p:cNvPr id="8" name="Forme libre 7"/>
+          <p:cNvSpPr/>
+          <p:nvPr/>
+        </p:nvSpPr>
+        <p:spPr>
+          <a:xfrm>
+            <a:off x="5951984" y="3011000"/>
+            <a:ext cx="784504" cy="807599"/>
+          </a:xfrm>
+          <a:custGeom>
+            <a:avLst/>
+            <a:gdLst>
+              <a:gd name="connsiteX0" fmla="*/ 689368 w 1195867"/>
+              <a:gd name="connsiteY0" fmla="*/ 0 h 1814779"/>
+              <a:gd name="connsiteX1" fmla="*/ 1195804 w 1195867"/>
+              <a:gd name="connsiteY1" fmla="*/ 745588 h 1814779"/>
+              <a:gd name="connsiteX2" fmla="*/ 661232 w 1195867"/>
+              <a:gd name="connsiteY2" fmla="*/ 1814732 h 1814779"/>
+              <a:gd name="connsiteX3" fmla="*/ 51 w 1195867"/>
+              <a:gd name="connsiteY3" fmla="*/ 703385 h 1814779"/>
+              <a:gd name="connsiteX4" fmla="*/ 633097 w 1195867"/>
+              <a:gd name="connsiteY4" fmla="*/ 14068 h 1814779"/>
+              <a:gd name="connsiteX0" fmla="*/ 689368 w 1195867"/>
+              <a:gd name="connsiteY0" fmla="*/ 0 h 1814779"/>
+              <a:gd name="connsiteX1" fmla="*/ 1195804 w 1195867"/>
+              <a:gd name="connsiteY1" fmla="*/ 745588 h 1814779"/>
+              <a:gd name="connsiteX2" fmla="*/ 661232 w 1195867"/>
+              <a:gd name="connsiteY2" fmla="*/ 1814732 h 1814779"/>
+              <a:gd name="connsiteX3" fmla="*/ 51 w 1195867"/>
+              <a:gd name="connsiteY3" fmla="*/ 703385 h 1814779"/>
+              <a:gd name="connsiteX4" fmla="*/ 633097 w 1195867"/>
+              <a:gd name="connsiteY4" fmla="*/ 14068 h 1814779"/>
+              <a:gd name="connsiteX5" fmla="*/ 689368 w 1195867"/>
+              <a:gd name="connsiteY5" fmla="*/ 0 h 1814779"/>
+              <a:gd name="connsiteX0" fmla="*/ 692618 w 1199117"/>
+              <a:gd name="connsiteY0" fmla="*/ 0 h 1814779"/>
+              <a:gd name="connsiteX1" fmla="*/ 1199054 w 1199117"/>
+              <a:gd name="connsiteY1" fmla="*/ 745588 h 1814779"/>
+              <a:gd name="connsiteX2" fmla="*/ 664482 w 1199117"/>
+              <a:gd name="connsiteY2" fmla="*/ 1814732 h 1814779"/>
+              <a:gd name="connsiteX3" fmla="*/ 3301 w 1199117"/>
+              <a:gd name="connsiteY3" fmla="*/ 703385 h 1814779"/>
+              <a:gd name="connsiteX4" fmla="*/ 479185 w 1199117"/>
+              <a:gd name="connsiteY4" fmla="*/ 40262 h 1814779"/>
+              <a:gd name="connsiteX5" fmla="*/ 692618 w 1199117"/>
+              <a:gd name="connsiteY5" fmla="*/ 0 h 1814779"/>
+              <a:gd name="connsiteX0" fmla="*/ 868830 w 1205140"/>
+              <a:gd name="connsiteY0" fmla="*/ 0 h 1793348"/>
+              <a:gd name="connsiteX1" fmla="*/ 1199054 w 1205140"/>
+              <a:gd name="connsiteY1" fmla="*/ 724157 h 1793348"/>
+              <a:gd name="connsiteX2" fmla="*/ 664482 w 1205140"/>
+              <a:gd name="connsiteY2" fmla="*/ 1793301 h 1793348"/>
+              <a:gd name="connsiteX3" fmla="*/ 3301 w 1205140"/>
+              <a:gd name="connsiteY3" fmla="*/ 681954 h 1793348"/>
+              <a:gd name="connsiteX4" fmla="*/ 479185 w 1205140"/>
+              <a:gd name="connsiteY4" fmla="*/ 18831 h 1793348"/>
+              <a:gd name="connsiteX5" fmla="*/ 868830 w 1205140"/>
+              <a:gd name="connsiteY5" fmla="*/ 0 h 1793348"/>
+              <a:gd name="connsiteX0" fmla="*/ 868830 w 1202396"/>
+              <a:gd name="connsiteY0" fmla="*/ 67 h 1793415"/>
+              <a:gd name="connsiteX1" fmla="*/ 1199054 w 1202396"/>
+              <a:gd name="connsiteY1" fmla="*/ 724224 h 1793415"/>
+              <a:gd name="connsiteX2" fmla="*/ 664482 w 1202396"/>
+              <a:gd name="connsiteY2" fmla="*/ 1793368 h 1793415"/>
+              <a:gd name="connsiteX3" fmla="*/ 3301 w 1202396"/>
+              <a:gd name="connsiteY3" fmla="*/ 682021 h 1793415"/>
+              <a:gd name="connsiteX4" fmla="*/ 479185 w 1202396"/>
+              <a:gd name="connsiteY4" fmla="*/ 18898 h 1793415"/>
+              <a:gd name="connsiteX5" fmla="*/ 868830 w 1202396"/>
+              <a:gd name="connsiteY5" fmla="*/ 67 h 1793415"/>
+              <a:gd name="connsiteX0" fmla="*/ 869816 w 1203382"/>
+              <a:gd name="connsiteY0" fmla="*/ 67 h 1793415"/>
+              <a:gd name="connsiteX1" fmla="*/ 1200040 w 1203382"/>
+              <a:gd name="connsiteY1" fmla="*/ 724224 h 1793415"/>
+              <a:gd name="connsiteX2" fmla="*/ 665468 w 1203382"/>
+              <a:gd name="connsiteY2" fmla="*/ 1793368 h 1793415"/>
+              <a:gd name="connsiteX3" fmla="*/ 4287 w 1203382"/>
+              <a:gd name="connsiteY3" fmla="*/ 682021 h 1793415"/>
+              <a:gd name="connsiteX4" fmla="*/ 480171 w 1203382"/>
+              <a:gd name="connsiteY4" fmla="*/ 18898 h 1793415"/>
+              <a:gd name="connsiteX5" fmla="*/ 869816 w 1203382"/>
+              <a:gd name="connsiteY5" fmla="*/ 67 h 1793415"/>
+              <a:gd name="connsiteX0" fmla="*/ 869816 w 1203924"/>
+              <a:gd name="connsiteY0" fmla="*/ 112 h 1793460"/>
+              <a:gd name="connsiteX1" fmla="*/ 1200040 w 1203924"/>
+              <a:gd name="connsiteY1" fmla="*/ 724269 h 1793460"/>
+              <a:gd name="connsiteX2" fmla="*/ 665468 w 1203924"/>
+              <a:gd name="connsiteY2" fmla="*/ 1793413 h 1793460"/>
+              <a:gd name="connsiteX3" fmla="*/ 4287 w 1203924"/>
+              <a:gd name="connsiteY3" fmla="*/ 682066 h 1793460"/>
+              <a:gd name="connsiteX4" fmla="*/ 480171 w 1203924"/>
+              <a:gd name="connsiteY4" fmla="*/ 18943 h 1793460"/>
+              <a:gd name="connsiteX5" fmla="*/ 869816 w 1203924"/>
+              <a:gd name="connsiteY5" fmla="*/ 112 h 1793460"/>
+              <a:gd name="connsiteX0" fmla="*/ 869816 w 1203846"/>
+              <a:gd name="connsiteY0" fmla="*/ 11377 h 1804725"/>
+              <a:gd name="connsiteX1" fmla="*/ 1200040 w 1203846"/>
+              <a:gd name="connsiteY1" fmla="*/ 735534 h 1804725"/>
+              <a:gd name="connsiteX2" fmla="*/ 665468 w 1203846"/>
+              <a:gd name="connsiteY2" fmla="*/ 1804678 h 1804725"/>
+              <a:gd name="connsiteX3" fmla="*/ 4287 w 1203846"/>
+              <a:gd name="connsiteY3" fmla="*/ 693331 h 1804725"/>
+              <a:gd name="connsiteX4" fmla="*/ 480171 w 1203846"/>
+              <a:gd name="connsiteY4" fmla="*/ 30208 h 1804725"/>
+              <a:gd name="connsiteX5" fmla="*/ 869816 w 1203846"/>
+              <a:gd name="connsiteY5" fmla="*/ 11377 h 1804725"/>
+              <a:gd name="connsiteX0" fmla="*/ 866940 w 1204197"/>
+              <a:gd name="connsiteY0" fmla="*/ 11377 h 1239647"/>
+              <a:gd name="connsiteX1" fmla="*/ 1197164 w 1204197"/>
+              <a:gd name="connsiteY1" fmla="*/ 735534 h 1239647"/>
+              <a:gd name="connsiteX2" fmla="*/ 573692 w 1204197"/>
+              <a:gd name="connsiteY2" fmla="*/ 1239528 h 1239647"/>
+              <a:gd name="connsiteX3" fmla="*/ 1411 w 1204197"/>
+              <a:gd name="connsiteY3" fmla="*/ 693331 h 1239647"/>
+              <a:gd name="connsiteX4" fmla="*/ 477295 w 1204197"/>
+              <a:gd name="connsiteY4" fmla="*/ 30208 h 1239647"/>
+              <a:gd name="connsiteX5" fmla="*/ 866940 w 1204197"/>
+              <a:gd name="connsiteY5" fmla="*/ 11377 h 1239647"/>
+            </a:gdLst>
+            <a:ahLst/>
+            <a:cxnLst>
+              <a:cxn ang="0">
+                <a:pos x="connsiteX0" y="connsiteY0"/>
+              </a:cxn>
+              <a:cxn ang="0">
+                <a:pos x="connsiteX1" y="connsiteY1"/>
+              </a:cxn>
+              <a:cxn ang="0">
+                <a:pos x="connsiteX2" y="connsiteY2"/>
+              </a:cxn>
+              <a:cxn ang="0">
+                <a:pos x="connsiteX3" y="connsiteY3"/>
+              </a:cxn>
+              <a:cxn ang="0">
+                <a:pos x="connsiteX4" y="connsiteY4"/>
+              </a:cxn>
+              <a:cxn ang="0">
+                <a:pos x="connsiteX5" y="connsiteY5"/>
+              </a:cxn>
+            </a:cxnLst>
+            <a:rect l="l" t="t" r="r" b="b"/>
+            <a:pathLst>
+              <a:path w="1204197" h="1239647">
+                <a:moveTo>
+                  <a:pt x="866940" y="11377"/>
+                </a:moveTo>
+                <a:cubicBezTo>
+                  <a:pt x="1029909" y="52053"/>
+                  <a:pt x="1246039" y="530842"/>
+                  <a:pt x="1197164" y="735534"/>
+                </a:cubicBezTo>
+                <a:cubicBezTo>
+                  <a:pt x="1148289" y="940226"/>
+                  <a:pt x="772984" y="1246562"/>
+                  <a:pt x="573692" y="1239528"/>
+                </a:cubicBezTo>
+                <a:cubicBezTo>
+                  <a:pt x="374400" y="1232494"/>
+                  <a:pt x="17477" y="894884"/>
+                  <a:pt x="1411" y="693331"/>
+                </a:cubicBezTo>
+                <a:cubicBezTo>
+                  <a:pt x="-14655" y="491778"/>
+                  <a:pt x="104170" y="48241"/>
+                  <a:pt x="477295" y="30208"/>
+                </a:cubicBezTo>
+                <a:cubicBezTo>
+                  <a:pt x="607177" y="23931"/>
+                  <a:pt x="739439" y="-20446"/>
+                  <a:pt x="866940" y="11377"/>
+                </a:cubicBezTo>
+                <a:close/>
+              </a:path>
+            </a:pathLst>
+          </a:custGeom>
+          <a:ln w="9525">
+            <a:solidFill>
+              <a:schemeClr val="accent5">
+                <a:lumMod val="50000"/>
+              </a:schemeClr>
+            </a:solidFill>
+            <a:prstDash val="dash"/>
+          </a:ln>
+        </p:spPr>
+        <p:style>
+          <a:lnRef idx="1">
+            <a:schemeClr val="accent1"/>
+          </a:lnRef>
+          <a:fillRef idx="0">
+            <a:schemeClr val="accent1"/>
+          </a:fillRef>
+          <a:effectRef idx="0">
+            <a:schemeClr val="accent1"/>
+          </a:effectRef>
+          <a:fontRef idx="minor">
+            <a:schemeClr val="tx1"/>
+          </a:fontRef>
+        </p:style>
+        <p:txBody>
+          <a:bodyPr rtlCol="0" anchor="ctr"/>
+          <a:lstStyle/>
+          <a:p>
+            <a:pPr algn="ctr"/>
+            <a:endParaRPr lang="fr-FR" dirty="0"/>
+          </a:p>
+        </p:txBody>
+      </p:sp>
+      <p:sp>
+        <p:nvSpPr>
+          <p:cNvPr id="9" name="Rectangle 8"/>
+          <p:cNvSpPr/>
+          <p:nvPr/>
+        </p:nvSpPr>
+        <p:spPr>
+          <a:xfrm rot="759252">
+            <a:off x="3518894" y="2039910"/>
+            <a:ext cx="727284" cy="1587604"/>
+          </a:xfrm>
+          <a:prstGeom prst="rect">
+            <a:avLst/>
+          </a:prstGeom>
+          <a:solidFill>
+            <a:schemeClr val="bg1"/>
+          </a:solidFill>
+          <a:ln>
+            <a:noFill/>
+          </a:ln>
+        </p:spPr>
+        <p:style>
+          <a:lnRef idx="2">
+            <a:schemeClr val="accent1">
+              <a:shade val="50000"/>
+            </a:schemeClr>
+          </a:lnRef>
+          <a:fillRef idx="1">
+            <a:schemeClr val="accent1"/>
+          </a:fillRef>
+          <a:effectRef idx="0">
+            <a:schemeClr val="accent1"/>
+          </a:effectRef>
+          <a:fontRef idx="minor">
+            <a:schemeClr val="lt1"/>
+          </a:fontRef>
+        </p:style>
+        <p:txBody>
+          <a:bodyPr rtlCol="0" anchor="ctr"/>
+          <a:lstStyle/>
+          <a:p>
+            <a:pPr algn="ctr"/>
+            <a:endParaRPr lang="fr-FR"/>
+          </a:p>
+        </p:txBody>
+      </p:sp>
+      <p:sp>
+        <p:nvSpPr>
+          <p:cNvPr id="5" name="Forme libre 4"/>
+          <p:cNvSpPr/>
+          <p:nvPr/>
+        </p:nvSpPr>
+        <p:spPr>
+          <a:xfrm>
+            <a:off x="2639616" y="1979530"/>
+            <a:ext cx="3838575" cy="1031471"/>
+          </a:xfrm>
+          <a:custGeom>
+            <a:avLst/>
+            <a:gdLst>
+              <a:gd name="connsiteX0" fmla="*/ 0 w 3838575"/>
+              <a:gd name="connsiteY0" fmla="*/ 0 h 1031471"/>
+              <a:gd name="connsiteX1" fmla="*/ 1381125 w 3838575"/>
+              <a:gd name="connsiteY1" fmla="*/ 266700 h 1031471"/>
+              <a:gd name="connsiteX2" fmla="*/ 3371850 w 3838575"/>
+              <a:gd name="connsiteY2" fmla="*/ 914400 h 1031471"/>
+              <a:gd name="connsiteX3" fmla="*/ 3838575 w 3838575"/>
+              <a:gd name="connsiteY3" fmla="*/ 1028700 h 1031471"/>
+            </a:gdLst>
+            <a:ahLst/>
+            <a:cxnLst>
+              <a:cxn ang="0">
+                <a:pos x="connsiteX0" y="connsiteY0"/>
+              </a:cxn>
+              <a:cxn ang="0">
+                <a:pos x="connsiteX1" y="connsiteY1"/>
+              </a:cxn>
+              <a:cxn ang="0">
+                <a:pos x="connsiteX2" y="connsiteY2"/>
+              </a:cxn>
+              <a:cxn ang="0">
+                <a:pos x="connsiteX3" y="connsiteY3"/>
+              </a:cxn>
+            </a:cxnLst>
+            <a:rect l="l" t="t" r="r" b="b"/>
+            <a:pathLst>
+              <a:path w="3838575" h="1031471">
+                <a:moveTo>
+                  <a:pt x="0" y="0"/>
+                </a:moveTo>
+                <a:cubicBezTo>
+                  <a:pt x="409575" y="57150"/>
+                  <a:pt x="819150" y="114300"/>
+                  <a:pt x="1381125" y="266700"/>
+                </a:cubicBezTo>
+                <a:cubicBezTo>
+                  <a:pt x="1943100" y="419100"/>
+                  <a:pt x="2962275" y="787400"/>
+                  <a:pt x="3371850" y="914400"/>
+                </a:cubicBezTo>
+                <a:cubicBezTo>
+                  <a:pt x="3781425" y="1041400"/>
+                  <a:pt x="3810000" y="1035050"/>
+                  <a:pt x="3838575" y="1028700"/>
+                </a:cubicBezTo>
+              </a:path>
+            </a:pathLst>
+          </a:custGeom>
+          <a:ln w="19050">
+            <a:solidFill>
+              <a:schemeClr val="accent5">
+                <a:lumMod val="50000"/>
+              </a:schemeClr>
+            </a:solidFill>
+          </a:ln>
+        </p:spPr>
+        <p:style>
+          <a:lnRef idx="1">
+            <a:schemeClr val="accent1"/>
+          </a:lnRef>
+          <a:fillRef idx="0">
+            <a:schemeClr val="accent1"/>
+          </a:fillRef>
+          <a:effectRef idx="0">
+            <a:schemeClr val="accent1"/>
+          </a:effectRef>
+          <a:fontRef idx="minor">
+            <a:schemeClr val="tx1"/>
+          </a:fontRef>
+        </p:style>
+        <p:txBody>
+          <a:bodyPr rtlCol="0" anchor="ctr"/>
+          <a:lstStyle/>
+          <a:p>
+            <a:pPr algn="ctr"/>
+            <a:endParaRPr lang="fr-FR"/>
+          </a:p>
+        </p:txBody>
+      </p:sp>
+      <p:sp>
+        <p:nvSpPr>
+          <p:cNvPr id="6" name="Forme libre 5"/>
+          <p:cNvSpPr/>
+          <p:nvPr/>
+        </p:nvSpPr>
+        <p:spPr>
+          <a:xfrm>
+            <a:off x="2427274" y="3219177"/>
+            <a:ext cx="3884750" cy="599423"/>
+          </a:xfrm>
+          <a:custGeom>
+            <a:avLst/>
+            <a:gdLst>
+              <a:gd name="connsiteX0" fmla="*/ 0 w 3838575"/>
+              <a:gd name="connsiteY0" fmla="*/ 0 h 1031471"/>
+              <a:gd name="connsiteX1" fmla="*/ 1381125 w 3838575"/>
+              <a:gd name="connsiteY1" fmla="*/ 266700 h 1031471"/>
+              <a:gd name="connsiteX2" fmla="*/ 3371850 w 3838575"/>
+              <a:gd name="connsiteY2" fmla="*/ 914400 h 1031471"/>
+              <a:gd name="connsiteX3" fmla="*/ 3838575 w 3838575"/>
+              <a:gd name="connsiteY3" fmla="*/ 1028700 h 1031471"/>
+            </a:gdLst>
+            <a:ahLst/>
+            <a:cxnLst>
+              <a:cxn ang="0">
+                <a:pos x="connsiteX0" y="connsiteY0"/>
+              </a:cxn>
+              <a:cxn ang="0">
+                <a:pos x="connsiteX1" y="connsiteY1"/>
+              </a:cxn>
+              <a:cxn ang="0">
+                <a:pos x="connsiteX2" y="connsiteY2"/>
+              </a:cxn>
+              <a:cxn ang="0">
+                <a:pos x="connsiteX3" y="connsiteY3"/>
+              </a:cxn>
+            </a:cxnLst>
+            <a:rect l="l" t="t" r="r" b="b"/>
+            <a:pathLst>
+              <a:path w="3838575" h="1031471">
+                <a:moveTo>
+                  <a:pt x="0" y="0"/>
+                </a:moveTo>
+                <a:cubicBezTo>
+                  <a:pt x="409575" y="57150"/>
+                  <a:pt x="819150" y="114300"/>
+                  <a:pt x="1381125" y="266700"/>
+                </a:cubicBezTo>
+                <a:cubicBezTo>
+                  <a:pt x="1943100" y="419100"/>
+                  <a:pt x="2962275" y="787400"/>
+                  <a:pt x="3371850" y="914400"/>
+                </a:cubicBezTo>
+                <a:cubicBezTo>
+                  <a:pt x="3781425" y="1041400"/>
+                  <a:pt x="3810000" y="1035050"/>
+                  <a:pt x="3838575" y="1028700"/>
+                </a:cubicBezTo>
+              </a:path>
+            </a:pathLst>
+          </a:custGeom>
+          <a:ln w="19050">
+            <a:solidFill>
+              <a:schemeClr val="accent5">
+                <a:lumMod val="50000"/>
+              </a:schemeClr>
+            </a:solidFill>
+          </a:ln>
+        </p:spPr>
+        <p:style>
+          <a:lnRef idx="1">
+            <a:schemeClr val="accent1"/>
+          </a:lnRef>
+          <a:fillRef idx="0">
+            <a:schemeClr val="accent1"/>
+          </a:fillRef>
+          <a:effectRef idx="0">
+            <a:schemeClr val="accent1"/>
+          </a:effectRef>
+          <a:fontRef idx="minor">
+            <a:schemeClr val="tx1"/>
+          </a:fontRef>
+        </p:style>
+        <p:txBody>
+          <a:bodyPr rtlCol="0" anchor="ctr"/>
+          <a:lstStyle/>
+          <a:p>
+            <a:pPr algn="ctr"/>
+            <a:endParaRPr lang="fr-FR"/>
+          </a:p>
+        </p:txBody>
+      </p:sp>
+      <p:sp>
+        <p:nvSpPr>
+          <p:cNvPr id="13" name="Forme libre 12"/>
+          <p:cNvSpPr/>
+          <p:nvPr/>
+        </p:nvSpPr>
+        <p:spPr>
+          <a:xfrm>
+            <a:off x="3640282" y="2348558"/>
+            <a:ext cx="1035439" cy="1065919"/>
+          </a:xfrm>
+          <a:custGeom>
+            <a:avLst/>
+            <a:gdLst>
+              <a:gd name="connsiteX0" fmla="*/ 689368 w 1195867"/>
+              <a:gd name="connsiteY0" fmla="*/ 0 h 1814779"/>
+              <a:gd name="connsiteX1" fmla="*/ 1195804 w 1195867"/>
+              <a:gd name="connsiteY1" fmla="*/ 745588 h 1814779"/>
+              <a:gd name="connsiteX2" fmla="*/ 661232 w 1195867"/>
+              <a:gd name="connsiteY2" fmla="*/ 1814732 h 1814779"/>
+              <a:gd name="connsiteX3" fmla="*/ 51 w 1195867"/>
+              <a:gd name="connsiteY3" fmla="*/ 703385 h 1814779"/>
+              <a:gd name="connsiteX4" fmla="*/ 633097 w 1195867"/>
+              <a:gd name="connsiteY4" fmla="*/ 14068 h 1814779"/>
+              <a:gd name="connsiteX0" fmla="*/ 689368 w 1195867"/>
+              <a:gd name="connsiteY0" fmla="*/ 0 h 1814779"/>
+              <a:gd name="connsiteX1" fmla="*/ 1195804 w 1195867"/>
+              <a:gd name="connsiteY1" fmla="*/ 745588 h 1814779"/>
+              <a:gd name="connsiteX2" fmla="*/ 661232 w 1195867"/>
+              <a:gd name="connsiteY2" fmla="*/ 1814732 h 1814779"/>
+              <a:gd name="connsiteX3" fmla="*/ 51 w 1195867"/>
+              <a:gd name="connsiteY3" fmla="*/ 703385 h 1814779"/>
+              <a:gd name="connsiteX4" fmla="*/ 633097 w 1195867"/>
+              <a:gd name="connsiteY4" fmla="*/ 14068 h 1814779"/>
+              <a:gd name="connsiteX5" fmla="*/ 689368 w 1195867"/>
+              <a:gd name="connsiteY5" fmla="*/ 0 h 1814779"/>
+              <a:gd name="connsiteX0" fmla="*/ 692618 w 1199117"/>
+              <a:gd name="connsiteY0" fmla="*/ 0 h 1814779"/>
+              <a:gd name="connsiteX1" fmla="*/ 1199054 w 1199117"/>
+              <a:gd name="connsiteY1" fmla="*/ 745588 h 1814779"/>
+              <a:gd name="connsiteX2" fmla="*/ 664482 w 1199117"/>
+              <a:gd name="connsiteY2" fmla="*/ 1814732 h 1814779"/>
+              <a:gd name="connsiteX3" fmla="*/ 3301 w 1199117"/>
+              <a:gd name="connsiteY3" fmla="*/ 703385 h 1814779"/>
+              <a:gd name="connsiteX4" fmla="*/ 479185 w 1199117"/>
+              <a:gd name="connsiteY4" fmla="*/ 40262 h 1814779"/>
+              <a:gd name="connsiteX5" fmla="*/ 692618 w 1199117"/>
+              <a:gd name="connsiteY5" fmla="*/ 0 h 1814779"/>
+              <a:gd name="connsiteX0" fmla="*/ 868830 w 1205140"/>
+              <a:gd name="connsiteY0" fmla="*/ 0 h 1793348"/>
+              <a:gd name="connsiteX1" fmla="*/ 1199054 w 1205140"/>
+              <a:gd name="connsiteY1" fmla="*/ 724157 h 1793348"/>
+              <a:gd name="connsiteX2" fmla="*/ 664482 w 1205140"/>
+              <a:gd name="connsiteY2" fmla="*/ 1793301 h 1793348"/>
+              <a:gd name="connsiteX3" fmla="*/ 3301 w 1205140"/>
+              <a:gd name="connsiteY3" fmla="*/ 681954 h 1793348"/>
+              <a:gd name="connsiteX4" fmla="*/ 479185 w 1205140"/>
+              <a:gd name="connsiteY4" fmla="*/ 18831 h 1793348"/>
+              <a:gd name="connsiteX5" fmla="*/ 868830 w 1205140"/>
+              <a:gd name="connsiteY5" fmla="*/ 0 h 1793348"/>
+              <a:gd name="connsiteX0" fmla="*/ 868830 w 1202396"/>
+              <a:gd name="connsiteY0" fmla="*/ 67 h 1793415"/>
+              <a:gd name="connsiteX1" fmla="*/ 1199054 w 1202396"/>
+              <a:gd name="connsiteY1" fmla="*/ 724224 h 1793415"/>
+              <a:gd name="connsiteX2" fmla="*/ 664482 w 1202396"/>
+              <a:gd name="connsiteY2" fmla="*/ 1793368 h 1793415"/>
+              <a:gd name="connsiteX3" fmla="*/ 3301 w 1202396"/>
+              <a:gd name="connsiteY3" fmla="*/ 682021 h 1793415"/>
+              <a:gd name="connsiteX4" fmla="*/ 479185 w 1202396"/>
+              <a:gd name="connsiteY4" fmla="*/ 18898 h 1793415"/>
+              <a:gd name="connsiteX5" fmla="*/ 868830 w 1202396"/>
+              <a:gd name="connsiteY5" fmla="*/ 67 h 1793415"/>
+              <a:gd name="connsiteX0" fmla="*/ 869816 w 1203382"/>
+              <a:gd name="connsiteY0" fmla="*/ 67 h 1793415"/>
+              <a:gd name="connsiteX1" fmla="*/ 1200040 w 1203382"/>
+              <a:gd name="connsiteY1" fmla="*/ 724224 h 1793415"/>
+              <a:gd name="connsiteX2" fmla="*/ 665468 w 1203382"/>
+              <a:gd name="connsiteY2" fmla="*/ 1793368 h 1793415"/>
+              <a:gd name="connsiteX3" fmla="*/ 4287 w 1203382"/>
+              <a:gd name="connsiteY3" fmla="*/ 682021 h 1793415"/>
+              <a:gd name="connsiteX4" fmla="*/ 480171 w 1203382"/>
+              <a:gd name="connsiteY4" fmla="*/ 18898 h 1793415"/>
+              <a:gd name="connsiteX5" fmla="*/ 869816 w 1203382"/>
+              <a:gd name="connsiteY5" fmla="*/ 67 h 1793415"/>
+              <a:gd name="connsiteX0" fmla="*/ 869816 w 1203924"/>
+              <a:gd name="connsiteY0" fmla="*/ 112 h 1793460"/>
+              <a:gd name="connsiteX1" fmla="*/ 1200040 w 1203924"/>
+              <a:gd name="connsiteY1" fmla="*/ 724269 h 1793460"/>
+              <a:gd name="connsiteX2" fmla="*/ 665468 w 1203924"/>
+              <a:gd name="connsiteY2" fmla="*/ 1793413 h 1793460"/>
+              <a:gd name="connsiteX3" fmla="*/ 4287 w 1203924"/>
+              <a:gd name="connsiteY3" fmla="*/ 682066 h 1793460"/>
+              <a:gd name="connsiteX4" fmla="*/ 480171 w 1203924"/>
+              <a:gd name="connsiteY4" fmla="*/ 18943 h 1793460"/>
+              <a:gd name="connsiteX5" fmla="*/ 869816 w 1203924"/>
+              <a:gd name="connsiteY5" fmla="*/ 112 h 1793460"/>
+              <a:gd name="connsiteX0" fmla="*/ 869816 w 1203846"/>
+              <a:gd name="connsiteY0" fmla="*/ 11377 h 1804725"/>
+              <a:gd name="connsiteX1" fmla="*/ 1200040 w 1203846"/>
+              <a:gd name="connsiteY1" fmla="*/ 735534 h 1804725"/>
+              <a:gd name="connsiteX2" fmla="*/ 665468 w 1203846"/>
+              <a:gd name="connsiteY2" fmla="*/ 1804678 h 1804725"/>
+              <a:gd name="connsiteX3" fmla="*/ 4287 w 1203846"/>
+              <a:gd name="connsiteY3" fmla="*/ 693331 h 1804725"/>
+              <a:gd name="connsiteX4" fmla="*/ 480171 w 1203846"/>
+              <a:gd name="connsiteY4" fmla="*/ 30208 h 1804725"/>
+              <a:gd name="connsiteX5" fmla="*/ 869816 w 1203846"/>
+              <a:gd name="connsiteY5" fmla="*/ 11377 h 1804725"/>
+              <a:gd name="connsiteX0" fmla="*/ 866940 w 1204197"/>
+              <a:gd name="connsiteY0" fmla="*/ 11377 h 1239647"/>
+              <a:gd name="connsiteX1" fmla="*/ 1197164 w 1204197"/>
+              <a:gd name="connsiteY1" fmla="*/ 735534 h 1239647"/>
+              <a:gd name="connsiteX2" fmla="*/ 573692 w 1204197"/>
+              <a:gd name="connsiteY2" fmla="*/ 1239528 h 1239647"/>
+              <a:gd name="connsiteX3" fmla="*/ 1411 w 1204197"/>
+              <a:gd name="connsiteY3" fmla="*/ 693331 h 1239647"/>
+              <a:gd name="connsiteX4" fmla="*/ 477295 w 1204197"/>
+              <a:gd name="connsiteY4" fmla="*/ 30208 h 1239647"/>
+              <a:gd name="connsiteX5" fmla="*/ 866940 w 1204197"/>
+              <a:gd name="connsiteY5" fmla="*/ 11377 h 1239647"/>
+            </a:gdLst>
+            <a:ahLst/>
+            <a:cxnLst>
+              <a:cxn ang="0">
+                <a:pos x="connsiteX0" y="connsiteY0"/>
+              </a:cxn>
+              <a:cxn ang="0">
+                <a:pos x="connsiteX1" y="connsiteY1"/>
+              </a:cxn>
+              <a:cxn ang="0">
+                <a:pos x="connsiteX2" y="connsiteY2"/>
+              </a:cxn>
+              <a:cxn ang="0">
+                <a:pos x="connsiteX3" y="connsiteY3"/>
+              </a:cxn>
+              <a:cxn ang="0">
+                <a:pos x="connsiteX4" y="connsiteY4"/>
+              </a:cxn>
+              <a:cxn ang="0">
+                <a:pos x="connsiteX5" y="connsiteY5"/>
+              </a:cxn>
+            </a:cxnLst>
+            <a:rect l="l" t="t" r="r" b="b"/>
+            <a:pathLst>
+              <a:path w="1204197" h="1239647">
+                <a:moveTo>
+                  <a:pt x="866940" y="11377"/>
+                </a:moveTo>
+                <a:cubicBezTo>
+                  <a:pt x="1029909" y="52053"/>
+                  <a:pt x="1246039" y="530842"/>
+                  <a:pt x="1197164" y="735534"/>
+                </a:cubicBezTo>
+                <a:cubicBezTo>
+                  <a:pt x="1148289" y="940226"/>
+                  <a:pt x="772984" y="1246562"/>
+                  <a:pt x="573692" y="1239528"/>
+                </a:cubicBezTo>
+                <a:cubicBezTo>
+                  <a:pt x="374400" y="1232494"/>
+                  <a:pt x="17477" y="894884"/>
+                  <a:pt x="1411" y="693331"/>
+                </a:cubicBezTo>
+                <a:cubicBezTo>
+                  <a:pt x="-14655" y="491778"/>
+                  <a:pt x="104170" y="48241"/>
+                  <a:pt x="477295" y="30208"/>
+                </a:cubicBezTo>
+                <a:cubicBezTo>
+                  <a:pt x="607177" y="23931"/>
+                  <a:pt x="739439" y="-20446"/>
+                  <a:pt x="866940" y="11377"/>
+                </a:cubicBezTo>
+                <a:close/>
+              </a:path>
+            </a:pathLst>
+          </a:custGeom>
+          <a:solidFill>
+            <a:schemeClr val="accent5">
+              <a:lumMod val="20000"/>
+              <a:lumOff val="80000"/>
+            </a:schemeClr>
+          </a:solidFill>
+          <a:ln w="9525">
+            <a:noFill/>
+            <a:prstDash val="dash"/>
+          </a:ln>
+        </p:spPr>
+        <p:style>
+          <a:lnRef idx="1">
+            <a:schemeClr val="accent1"/>
+          </a:lnRef>
+          <a:fillRef idx="0">
+            <a:schemeClr val="accent1"/>
+          </a:fillRef>
+          <a:effectRef idx="0">
+            <a:schemeClr val="accent1"/>
+          </a:effectRef>
+          <a:fontRef idx="minor">
+            <a:schemeClr val="tx1"/>
+          </a:fontRef>
+        </p:style>
+        <p:txBody>
+          <a:bodyPr rtlCol="0" anchor="ctr"/>
+          <a:lstStyle/>
+          <a:p>
+            <a:pPr algn="ctr"/>
+            <a:endParaRPr lang="fr-FR" dirty="0"/>
+          </a:p>
+        </p:txBody>
+      </p:sp>
+      <p:sp>
+        <p:nvSpPr>
+          <p:cNvPr id="10" name="Forme libre 9"/>
+          <p:cNvSpPr/>
+          <p:nvPr/>
+        </p:nvSpPr>
+        <p:spPr>
+          <a:xfrm>
+            <a:off x="3662284" y="2356939"/>
+            <a:ext cx="1035439" cy="1065919"/>
+          </a:xfrm>
+          <a:custGeom>
+            <a:avLst/>
+            <a:gdLst>
+              <a:gd name="connsiteX0" fmla="*/ 689368 w 1195867"/>
+              <a:gd name="connsiteY0" fmla="*/ 0 h 1814779"/>
+              <a:gd name="connsiteX1" fmla="*/ 1195804 w 1195867"/>
+              <a:gd name="connsiteY1" fmla="*/ 745588 h 1814779"/>
+              <a:gd name="connsiteX2" fmla="*/ 661232 w 1195867"/>
+              <a:gd name="connsiteY2" fmla="*/ 1814732 h 1814779"/>
+              <a:gd name="connsiteX3" fmla="*/ 51 w 1195867"/>
+              <a:gd name="connsiteY3" fmla="*/ 703385 h 1814779"/>
+              <a:gd name="connsiteX4" fmla="*/ 633097 w 1195867"/>
+              <a:gd name="connsiteY4" fmla="*/ 14068 h 1814779"/>
+              <a:gd name="connsiteX0" fmla="*/ 689368 w 1195867"/>
+              <a:gd name="connsiteY0" fmla="*/ 0 h 1814779"/>
+              <a:gd name="connsiteX1" fmla="*/ 1195804 w 1195867"/>
+              <a:gd name="connsiteY1" fmla="*/ 745588 h 1814779"/>
+              <a:gd name="connsiteX2" fmla="*/ 661232 w 1195867"/>
+              <a:gd name="connsiteY2" fmla="*/ 1814732 h 1814779"/>
+              <a:gd name="connsiteX3" fmla="*/ 51 w 1195867"/>
+              <a:gd name="connsiteY3" fmla="*/ 703385 h 1814779"/>
+              <a:gd name="connsiteX4" fmla="*/ 633097 w 1195867"/>
+              <a:gd name="connsiteY4" fmla="*/ 14068 h 1814779"/>
+              <a:gd name="connsiteX5" fmla="*/ 689368 w 1195867"/>
+              <a:gd name="connsiteY5" fmla="*/ 0 h 1814779"/>
+              <a:gd name="connsiteX0" fmla="*/ 692618 w 1199117"/>
+              <a:gd name="connsiteY0" fmla="*/ 0 h 1814779"/>
+              <a:gd name="connsiteX1" fmla="*/ 1199054 w 1199117"/>
+              <a:gd name="connsiteY1" fmla="*/ 745588 h 1814779"/>
+              <a:gd name="connsiteX2" fmla="*/ 664482 w 1199117"/>
+              <a:gd name="connsiteY2" fmla="*/ 1814732 h 1814779"/>
+              <a:gd name="connsiteX3" fmla="*/ 3301 w 1199117"/>
+              <a:gd name="connsiteY3" fmla="*/ 703385 h 1814779"/>
+              <a:gd name="connsiteX4" fmla="*/ 479185 w 1199117"/>
+              <a:gd name="connsiteY4" fmla="*/ 40262 h 1814779"/>
+              <a:gd name="connsiteX5" fmla="*/ 692618 w 1199117"/>
+              <a:gd name="connsiteY5" fmla="*/ 0 h 1814779"/>
+              <a:gd name="connsiteX0" fmla="*/ 868830 w 1205140"/>
+              <a:gd name="connsiteY0" fmla="*/ 0 h 1793348"/>
+              <a:gd name="connsiteX1" fmla="*/ 1199054 w 1205140"/>
+              <a:gd name="connsiteY1" fmla="*/ 724157 h 1793348"/>
+              <a:gd name="connsiteX2" fmla="*/ 664482 w 1205140"/>
+              <a:gd name="connsiteY2" fmla="*/ 1793301 h 1793348"/>
+              <a:gd name="connsiteX3" fmla="*/ 3301 w 1205140"/>
+              <a:gd name="connsiteY3" fmla="*/ 681954 h 1793348"/>
+              <a:gd name="connsiteX4" fmla="*/ 479185 w 1205140"/>
+              <a:gd name="connsiteY4" fmla="*/ 18831 h 1793348"/>
+              <a:gd name="connsiteX5" fmla="*/ 868830 w 1205140"/>
+              <a:gd name="connsiteY5" fmla="*/ 0 h 1793348"/>
+              <a:gd name="connsiteX0" fmla="*/ 868830 w 1202396"/>
+              <a:gd name="connsiteY0" fmla="*/ 67 h 1793415"/>
+              <a:gd name="connsiteX1" fmla="*/ 1199054 w 1202396"/>
+              <a:gd name="connsiteY1" fmla="*/ 724224 h 1793415"/>
+              <a:gd name="connsiteX2" fmla="*/ 664482 w 1202396"/>
+              <a:gd name="connsiteY2" fmla="*/ 1793368 h 1793415"/>
+              <a:gd name="connsiteX3" fmla="*/ 3301 w 1202396"/>
+              <a:gd name="connsiteY3" fmla="*/ 682021 h 1793415"/>
+              <a:gd name="connsiteX4" fmla="*/ 479185 w 1202396"/>
+              <a:gd name="connsiteY4" fmla="*/ 18898 h 1793415"/>
+              <a:gd name="connsiteX5" fmla="*/ 868830 w 1202396"/>
+              <a:gd name="connsiteY5" fmla="*/ 67 h 1793415"/>
+              <a:gd name="connsiteX0" fmla="*/ 869816 w 1203382"/>
+              <a:gd name="connsiteY0" fmla="*/ 67 h 1793415"/>
+              <a:gd name="connsiteX1" fmla="*/ 1200040 w 1203382"/>
+              <a:gd name="connsiteY1" fmla="*/ 724224 h 1793415"/>
+              <a:gd name="connsiteX2" fmla="*/ 665468 w 1203382"/>
+              <a:gd name="connsiteY2" fmla="*/ 1793368 h 1793415"/>
+              <a:gd name="connsiteX3" fmla="*/ 4287 w 1203382"/>
+              <a:gd name="connsiteY3" fmla="*/ 682021 h 1793415"/>
+              <a:gd name="connsiteX4" fmla="*/ 480171 w 1203382"/>
+              <a:gd name="connsiteY4" fmla="*/ 18898 h 1793415"/>
+              <a:gd name="connsiteX5" fmla="*/ 869816 w 1203382"/>
+              <a:gd name="connsiteY5" fmla="*/ 67 h 1793415"/>
+              <a:gd name="connsiteX0" fmla="*/ 869816 w 1203924"/>
+              <a:gd name="connsiteY0" fmla="*/ 112 h 1793460"/>
+              <a:gd name="connsiteX1" fmla="*/ 1200040 w 1203924"/>
+              <a:gd name="connsiteY1" fmla="*/ 724269 h 1793460"/>
+              <a:gd name="connsiteX2" fmla="*/ 665468 w 1203924"/>
+              <a:gd name="connsiteY2" fmla="*/ 1793413 h 1793460"/>
+              <a:gd name="connsiteX3" fmla="*/ 4287 w 1203924"/>
+              <a:gd name="connsiteY3" fmla="*/ 682066 h 1793460"/>
+              <a:gd name="connsiteX4" fmla="*/ 480171 w 1203924"/>
+              <a:gd name="connsiteY4" fmla="*/ 18943 h 1793460"/>
+              <a:gd name="connsiteX5" fmla="*/ 869816 w 1203924"/>
+              <a:gd name="connsiteY5" fmla="*/ 112 h 1793460"/>
+              <a:gd name="connsiteX0" fmla="*/ 869816 w 1203846"/>
+              <a:gd name="connsiteY0" fmla="*/ 11377 h 1804725"/>
+              <a:gd name="connsiteX1" fmla="*/ 1200040 w 1203846"/>
+              <a:gd name="connsiteY1" fmla="*/ 735534 h 1804725"/>
+              <a:gd name="connsiteX2" fmla="*/ 665468 w 1203846"/>
+              <a:gd name="connsiteY2" fmla="*/ 1804678 h 1804725"/>
+              <a:gd name="connsiteX3" fmla="*/ 4287 w 1203846"/>
+              <a:gd name="connsiteY3" fmla="*/ 693331 h 1804725"/>
+              <a:gd name="connsiteX4" fmla="*/ 480171 w 1203846"/>
+              <a:gd name="connsiteY4" fmla="*/ 30208 h 1804725"/>
+              <a:gd name="connsiteX5" fmla="*/ 869816 w 1203846"/>
+              <a:gd name="connsiteY5" fmla="*/ 11377 h 1804725"/>
+              <a:gd name="connsiteX0" fmla="*/ 866940 w 1204197"/>
+              <a:gd name="connsiteY0" fmla="*/ 11377 h 1239647"/>
+              <a:gd name="connsiteX1" fmla="*/ 1197164 w 1204197"/>
+              <a:gd name="connsiteY1" fmla="*/ 735534 h 1239647"/>
+              <a:gd name="connsiteX2" fmla="*/ 573692 w 1204197"/>
+              <a:gd name="connsiteY2" fmla="*/ 1239528 h 1239647"/>
+              <a:gd name="connsiteX3" fmla="*/ 1411 w 1204197"/>
+              <a:gd name="connsiteY3" fmla="*/ 693331 h 1239647"/>
+              <a:gd name="connsiteX4" fmla="*/ 477295 w 1204197"/>
+              <a:gd name="connsiteY4" fmla="*/ 30208 h 1239647"/>
+              <a:gd name="connsiteX5" fmla="*/ 866940 w 1204197"/>
+              <a:gd name="connsiteY5" fmla="*/ 11377 h 1239647"/>
+            </a:gdLst>
+            <a:ahLst/>
+            <a:cxnLst>
+              <a:cxn ang="0">
+                <a:pos x="connsiteX0" y="connsiteY0"/>
+              </a:cxn>
+              <a:cxn ang="0">
+                <a:pos x="connsiteX1" y="connsiteY1"/>
+              </a:cxn>
+              <a:cxn ang="0">
+                <a:pos x="connsiteX2" y="connsiteY2"/>
+              </a:cxn>
+              <a:cxn ang="0">
+                <a:pos x="connsiteX3" y="connsiteY3"/>
+              </a:cxn>
+              <a:cxn ang="0">
+                <a:pos x="connsiteX4" y="connsiteY4"/>
+              </a:cxn>
+              <a:cxn ang="0">
+                <a:pos x="connsiteX5" y="connsiteY5"/>
+              </a:cxn>
+            </a:cxnLst>
+            <a:rect l="l" t="t" r="r" b="b"/>
+            <a:pathLst>
+              <a:path w="1204197" h="1239647">
+                <a:moveTo>
+                  <a:pt x="866940" y="11377"/>
+                </a:moveTo>
+                <a:cubicBezTo>
+                  <a:pt x="1029909" y="52053"/>
+                  <a:pt x="1246039" y="530842"/>
+                  <a:pt x="1197164" y="735534"/>
+                </a:cubicBezTo>
+                <a:cubicBezTo>
+                  <a:pt x="1148289" y="940226"/>
+                  <a:pt x="772984" y="1246562"/>
+                  <a:pt x="573692" y="1239528"/>
+                </a:cubicBezTo>
+                <a:cubicBezTo>
+                  <a:pt x="374400" y="1232494"/>
+                  <a:pt x="17477" y="894884"/>
+                  <a:pt x="1411" y="693331"/>
+                </a:cubicBezTo>
+                <a:cubicBezTo>
+                  <a:pt x="-14655" y="491778"/>
+                  <a:pt x="104170" y="48241"/>
+                  <a:pt x="477295" y="30208"/>
+                </a:cubicBezTo>
+                <a:cubicBezTo>
+                  <a:pt x="607177" y="23931"/>
+                  <a:pt x="739439" y="-20446"/>
+                  <a:pt x="866940" y="11377"/>
+                </a:cubicBezTo>
+                <a:close/>
+              </a:path>
+            </a:pathLst>
+          </a:custGeom>
+          <a:noFill/>
+          <a:ln w="9525">
+            <a:solidFill>
+              <a:schemeClr val="accent5">
+                <a:lumMod val="50000"/>
+              </a:schemeClr>
+            </a:solidFill>
+            <a:prstDash val="dash"/>
+          </a:ln>
+        </p:spPr>
+        <p:style>
+          <a:lnRef idx="1">
+            <a:schemeClr val="accent1"/>
+          </a:lnRef>
+          <a:fillRef idx="0">
+            <a:schemeClr val="accent1"/>
+          </a:fillRef>
+          <a:effectRef idx="0">
+            <a:schemeClr val="accent1"/>
+          </a:effectRef>
+          <a:fontRef idx="minor">
+            <a:schemeClr val="tx1"/>
+          </a:fontRef>
+        </p:style>
+        <p:txBody>
+          <a:bodyPr rtlCol="0" anchor="ctr"/>
+          <a:lstStyle/>
+          <a:p>
+            <a:pPr algn="ctr"/>
+            <a:endParaRPr lang="fr-FR" dirty="0"/>
+          </a:p>
+        </p:txBody>
+      </p:sp>
+      <p:sp>
+        <p:nvSpPr>
+          <p:cNvPr id="7" name="Forme libre 6"/>
+          <p:cNvSpPr/>
+          <p:nvPr/>
+        </p:nvSpPr>
+        <p:spPr>
+          <a:xfrm>
+            <a:off x="1919536" y="2543857"/>
+            <a:ext cx="4968552" cy="993193"/>
+          </a:xfrm>
+          <a:custGeom>
+            <a:avLst/>
+            <a:gdLst>
+              <a:gd name="connsiteX0" fmla="*/ 0 w 3838575"/>
+              <a:gd name="connsiteY0" fmla="*/ 0 h 1031471"/>
+              <a:gd name="connsiteX1" fmla="*/ 1381125 w 3838575"/>
+              <a:gd name="connsiteY1" fmla="*/ 266700 h 1031471"/>
+              <a:gd name="connsiteX2" fmla="*/ 3371850 w 3838575"/>
+              <a:gd name="connsiteY2" fmla="*/ 914400 h 1031471"/>
+              <a:gd name="connsiteX3" fmla="*/ 3838575 w 3838575"/>
+              <a:gd name="connsiteY3" fmla="*/ 1028700 h 1031471"/>
+            </a:gdLst>
+            <a:ahLst/>
+            <a:cxnLst>
+              <a:cxn ang="0">
+                <a:pos x="connsiteX0" y="connsiteY0"/>
+              </a:cxn>
+              <a:cxn ang="0">
+                <a:pos x="connsiteX1" y="connsiteY1"/>
+              </a:cxn>
+              <a:cxn ang="0">
+                <a:pos x="connsiteX2" y="connsiteY2"/>
+              </a:cxn>
+              <a:cxn ang="0">
+                <a:pos x="connsiteX3" y="connsiteY3"/>
+              </a:cxn>
+            </a:cxnLst>
+            <a:rect l="l" t="t" r="r" b="b"/>
+            <a:pathLst>
+              <a:path w="3838575" h="1031471">
+                <a:moveTo>
+                  <a:pt x="0" y="0"/>
+                </a:moveTo>
+                <a:cubicBezTo>
+                  <a:pt x="409575" y="57150"/>
+                  <a:pt x="819150" y="114300"/>
+                  <a:pt x="1381125" y="266700"/>
+                </a:cubicBezTo>
+                <a:cubicBezTo>
+                  <a:pt x="1943100" y="419100"/>
+                  <a:pt x="2962275" y="787400"/>
+                  <a:pt x="3371850" y="914400"/>
+                </a:cubicBezTo>
+                <a:cubicBezTo>
+                  <a:pt x="3781425" y="1041400"/>
+                  <a:pt x="3810000" y="1035050"/>
+                  <a:pt x="3838575" y="1028700"/>
+                </a:cubicBezTo>
+              </a:path>
+            </a:pathLst>
+          </a:custGeom>
+          <a:ln w="9525">
+            <a:solidFill>
+              <a:schemeClr val="accent5">
+                <a:lumMod val="50000"/>
+              </a:schemeClr>
+            </a:solidFill>
+            <a:prstDash val="lgDashDot"/>
+          </a:ln>
+        </p:spPr>
+        <p:style>
+          <a:lnRef idx="1">
+            <a:schemeClr val="accent1"/>
+          </a:lnRef>
+          <a:fillRef idx="0">
+            <a:schemeClr val="accent1"/>
+          </a:fillRef>
+          <a:effectRef idx="0">
+            <a:schemeClr val="accent1"/>
+          </a:effectRef>
+          <a:fontRef idx="minor">
+            <a:schemeClr val="tx1"/>
+          </a:fontRef>
+        </p:style>
+        <p:txBody>
+          <a:bodyPr rtlCol="0" anchor="ctr"/>
+          <a:lstStyle/>
+          <a:p>
+            <a:pPr algn="ctr"/>
+            <a:endParaRPr lang="fr-FR"/>
+          </a:p>
+        </p:txBody>
+      </p:sp>
+      <p:sp>
+        <p:nvSpPr>
+          <p:cNvPr id="14" name="Parallélogramme 13"/>
+          <p:cNvSpPr/>
+          <p:nvPr/>
+        </p:nvSpPr>
+        <p:spPr>
+          <a:xfrm rot="990713">
+            <a:off x="3408660" y="2142109"/>
+            <a:ext cx="1610567" cy="1481510"/>
+          </a:xfrm>
+          <a:prstGeom prst="parallelogram">
+            <a:avLst/>
+          </a:prstGeom>
+          <a:noFill/>
+          <a:ln w="9525">
+            <a:solidFill>
+              <a:schemeClr val="accent5">
+                <a:lumMod val="50000"/>
+              </a:schemeClr>
+            </a:solidFill>
+          </a:ln>
+        </p:spPr>
+        <p:style>
+          <a:lnRef idx="2">
+            <a:schemeClr val="accent1">
+              <a:shade val="50000"/>
+            </a:schemeClr>
+          </a:lnRef>
+          <a:fillRef idx="1">
+            <a:schemeClr val="accent1"/>
+          </a:fillRef>
+          <a:effectRef idx="0">
+            <a:schemeClr val="accent1"/>
+          </a:effectRef>
+          <a:fontRef idx="minor">
+            <a:schemeClr val="lt1"/>
+          </a:fontRef>
+        </p:style>
+        <p:txBody>
+          <a:bodyPr rtlCol="0" anchor="ctr"/>
+          <a:lstStyle/>
+          <a:p>
+            <a:pPr algn="ctr"/>
+            <a:endParaRPr lang="fr-FR"/>
+          </a:p>
+        </p:txBody>
+      </p:sp>
+      <p:grpSp>
+        <p:nvGrpSpPr>
+          <p:cNvPr id="29" name="Groupe 28"/>
+          <p:cNvGrpSpPr/>
+          <p:nvPr/>
+        </p:nvGrpSpPr>
+        <p:grpSpPr>
+          <a:xfrm>
+            <a:off x="1616224" y="1796234"/>
+            <a:ext cx="1584000" cy="1584000"/>
+            <a:chOff x="1635274" y="1834334"/>
+            <a:chExt cx="1584000" cy="1584000"/>
+          </a:xfrm>
+        </p:grpSpPr>
+        <p:cxnSp>
+          <p:nvCxnSpPr>
+            <p:cNvPr id="17" name="Connecteur droit 16"/>
+            <p:cNvCxnSpPr/>
+            <p:nvPr/>
+          </p:nvCxnSpPr>
+          <p:spPr>
+            <a:xfrm flipH="1">
+              <a:off x="2427274" y="1834334"/>
+              <a:ext cx="0" cy="1584000"/>
+            </a:xfrm>
+            <a:prstGeom prst="line">
+              <a:avLst/>
+            </a:prstGeom>
+            <a:ln w="9525">
+              <a:solidFill>
+                <a:schemeClr val="accent5">
+                  <a:lumMod val="50000"/>
+                </a:schemeClr>
+              </a:solidFill>
+              <a:prstDash val="lgDashDot"/>
+            </a:ln>
+          </p:spPr>
+          <p:style>
+            <a:lnRef idx="1">
+              <a:schemeClr val="accent1"/>
+            </a:lnRef>
+            <a:fillRef idx="0">
+              <a:schemeClr val="accent1"/>
+            </a:fillRef>
+            <a:effectRef idx="0">
+              <a:schemeClr val="accent1"/>
+            </a:effectRef>
+            <a:fontRef idx="minor">
+              <a:schemeClr val="tx1"/>
+            </a:fontRef>
+          </p:style>
+        </p:cxnSp>
+        <p:cxnSp>
+          <p:nvCxnSpPr>
+            <p:cNvPr id="21" name="Connecteur droit 20"/>
+            <p:cNvCxnSpPr/>
+            <p:nvPr/>
+          </p:nvCxnSpPr>
+          <p:spPr>
+            <a:xfrm rot="5400000" flipH="1">
+              <a:off x="2427274" y="1834334"/>
+              <a:ext cx="0" cy="1584000"/>
+            </a:xfrm>
+            <a:prstGeom prst="line">
+              <a:avLst/>
+            </a:prstGeom>
+            <a:ln w="9525">
+              <a:solidFill>
+                <a:schemeClr val="accent5">
+                  <a:lumMod val="50000"/>
+                </a:schemeClr>
+              </a:solidFill>
+              <a:prstDash val="lgDashDot"/>
+            </a:ln>
+          </p:spPr>
+          <p:style>
+            <a:lnRef idx="1">
+              <a:schemeClr val="accent1"/>
+            </a:lnRef>
+            <a:fillRef idx="0">
+              <a:schemeClr val="accent1"/>
+            </a:fillRef>
+            <a:effectRef idx="0">
+              <a:schemeClr val="accent1"/>
+            </a:effectRef>
+            <a:fontRef idx="minor">
+              <a:schemeClr val="tx1"/>
+            </a:fontRef>
+          </p:style>
+        </p:cxnSp>
+      </p:grpSp>
+      <p:grpSp>
+        <p:nvGrpSpPr>
+          <p:cNvPr id="28" name="Groupe 27"/>
+          <p:cNvGrpSpPr/>
+          <p:nvPr/>
+        </p:nvGrpSpPr>
+        <p:grpSpPr>
+          <a:xfrm>
+            <a:off x="5733608" y="2802477"/>
+            <a:ext cx="1224000" cy="1224000"/>
+            <a:chOff x="5733608" y="2802477"/>
+            <a:chExt cx="1224000" cy="1224000"/>
+          </a:xfrm>
+        </p:grpSpPr>
+        <p:cxnSp>
+          <p:nvCxnSpPr>
+            <p:cNvPr id="22" name="Connecteur droit 21"/>
+            <p:cNvCxnSpPr/>
+            <p:nvPr/>
+          </p:nvCxnSpPr>
+          <p:spPr>
+            <a:xfrm flipH="1">
+              <a:off x="6345608" y="2802477"/>
+              <a:ext cx="0" cy="1224000"/>
+            </a:xfrm>
+            <a:prstGeom prst="line">
+              <a:avLst/>
+            </a:prstGeom>
+            <a:ln w="9525">
+              <a:solidFill>
+                <a:schemeClr val="accent5">
+                  <a:lumMod val="50000"/>
+                </a:schemeClr>
+              </a:solidFill>
+              <a:prstDash val="lgDashDot"/>
+            </a:ln>
+          </p:spPr>
+          <p:style>
+            <a:lnRef idx="1">
+              <a:schemeClr val="accent1"/>
+            </a:lnRef>
+            <a:fillRef idx="0">
+              <a:schemeClr val="accent1"/>
+            </a:fillRef>
+            <a:effectRef idx="0">
+              <a:schemeClr val="accent1"/>
+            </a:effectRef>
+            <a:fontRef idx="minor">
+              <a:schemeClr val="tx1"/>
+            </a:fontRef>
+          </p:style>
+        </p:cxnSp>
+        <p:cxnSp>
+          <p:nvCxnSpPr>
+            <p:cNvPr id="23" name="Connecteur droit 22"/>
+            <p:cNvCxnSpPr/>
+            <p:nvPr/>
+          </p:nvCxnSpPr>
+          <p:spPr>
+            <a:xfrm rot="5400000" flipH="1">
+              <a:off x="6345608" y="2802477"/>
+              <a:ext cx="0" cy="1224000"/>
+            </a:xfrm>
+            <a:prstGeom prst="line">
+              <a:avLst/>
+            </a:prstGeom>
+            <a:ln w="9525">
+              <a:solidFill>
+                <a:schemeClr val="accent5">
+                  <a:lumMod val="50000"/>
+                </a:schemeClr>
+              </a:solidFill>
+              <a:prstDash val="lgDashDot"/>
+            </a:ln>
+          </p:spPr>
+          <p:style>
+            <a:lnRef idx="1">
+              <a:schemeClr val="accent1"/>
+            </a:lnRef>
+            <a:fillRef idx="0">
+              <a:schemeClr val="accent1"/>
+            </a:fillRef>
+            <a:effectRef idx="0">
+              <a:schemeClr val="accent1"/>
+            </a:effectRef>
+            <a:fontRef idx="minor">
+              <a:schemeClr val="tx1"/>
+            </a:fontRef>
+          </p:style>
+        </p:cxnSp>
+      </p:grpSp>
+      <p:sp>
+        <p:nvSpPr>
+          <p:cNvPr id="33" name="Ellipse 32"/>
+          <p:cNvSpPr/>
+          <p:nvPr/>
+        </p:nvSpPr>
+        <p:spPr>
+          <a:xfrm>
+            <a:off x="4135141" y="2878644"/>
+            <a:ext cx="45719" cy="45719"/>
+          </a:xfrm>
+          <a:prstGeom prst="ellipse">
+            <a:avLst/>
+          </a:prstGeom>
+          <a:solidFill>
+            <a:schemeClr val="accent5">
+              <a:lumMod val="50000"/>
+            </a:schemeClr>
+          </a:solidFill>
+          <a:ln>
+            <a:solidFill>
+              <a:schemeClr val="accent5">
+                <a:lumMod val="50000"/>
+              </a:schemeClr>
+            </a:solidFill>
+          </a:ln>
+        </p:spPr>
+        <p:style>
+          <a:lnRef idx="2">
+            <a:schemeClr val="accent1">
+              <a:shade val="50000"/>
+            </a:schemeClr>
+          </a:lnRef>
+          <a:fillRef idx="1">
+            <a:schemeClr val="accent1"/>
+          </a:fillRef>
+          <a:effectRef idx="0">
+            <a:schemeClr val="accent1"/>
+          </a:effectRef>
+          <a:fontRef idx="minor">
+            <a:schemeClr val="lt1"/>
+          </a:fontRef>
+        </p:style>
+        <p:txBody>
+          <a:bodyPr rtlCol="0" anchor="ctr"/>
+          <a:lstStyle/>
+          <a:p>
+            <a:pPr algn="ctr"/>
+            <a:endParaRPr lang="fr-FR"/>
+          </a:p>
+        </p:txBody>
+      </p:sp>
+      <mc:AlternateContent xmlns:mc="http://schemas.openxmlformats.org/markup-compatibility/2006">
+        <mc:Choice xmlns:a14="http://schemas.microsoft.com/office/drawing/2010/main" Requires="a14">
+          <p:sp>
+            <p:nvSpPr>
+              <p:cNvPr id="34" name="ZoneTexte 33"/>
+              <p:cNvSpPr txBox="1"/>
+              <p:nvPr/>
+            </p:nvSpPr>
+            <p:spPr>
+              <a:xfrm>
+                <a:off x="4162962" y="2702817"/>
+                <a:ext cx="138179" cy="184666"/>
+              </a:xfrm>
+              <a:prstGeom prst="rect">
+                <a:avLst/>
+              </a:prstGeom>
+              <a:noFill/>
+            </p:spPr>
+            <p:txBody>
+              <a:bodyPr wrap="none" lIns="0" tIns="0" rIns="0" bIns="0" rtlCol="0">
+                <a:spAutoFit/>
+              </a:bodyPr>
+              <a:lstStyle/>
+              <a:p>
+                <a14:m>
+                  <m:oMathPara xmlns:m="http://schemas.openxmlformats.org/officeDocument/2006/math">
+                    <m:oMathParaPr>
+                      <m:jc m:val="centerGroup"/>
+                    </m:oMathParaPr>
+                    <m:oMath xmlns:m="http://schemas.openxmlformats.org/officeDocument/2006/math">
+                      <m:r>
+                        <a:rPr lang="fr-FR" sz="1200" b="0" i="1" smtClean="0">
+                          <a:latin typeface="Cambria Math" panose="02040503050406030204" pitchFamily="18" charset="0"/>
+                        </a:rPr>
+                        <m:t>𝐺</m:t>
+                      </m:r>
+                    </m:oMath>
+                  </m:oMathPara>
+                </a14:m>
+                <a:endParaRPr lang="fr-FR" sz="1200" dirty="0"/>
+              </a:p>
+            </p:txBody>
+          </p:sp>
+        </mc:Choice>
+        <mc:Fallback>
+          <p:sp>
+            <p:nvSpPr>
+              <p:cNvPr id="34" name="ZoneTexte 33"/>
+              <p:cNvSpPr txBox="1">
+                <a:spLocks noRot="1" noChangeAspect="1" noMove="1" noResize="1" noEditPoints="1" noAdjustHandles="1" noChangeArrowheads="1" noChangeShapeType="1" noTextEdit="1"/>
+              </p:cNvSpPr>
+              <p:nvPr/>
+            </p:nvSpPr>
+            <p:spPr>
+              <a:xfrm>
+                <a:off x="4162962" y="2702817"/>
+                <a:ext cx="138179" cy="184666"/>
+              </a:xfrm>
+              <a:prstGeom prst="rect">
+                <a:avLst/>
+              </a:prstGeom>
+              <a:blipFill>
+                <a:blip r:embed="rId2"/>
+                <a:stretch>
+                  <a:fillRect l="-26087" r="-21739" b="-3226"/>
+                </a:stretch>
+              </a:blipFill>
+            </p:spPr>
+            <p:txBody>
+              <a:bodyPr/>
+              <a:lstStyle/>
+              <a:p>
+                <a:r>
+                  <a:rPr lang="fr-FR">
+                    <a:noFill/>
+                  </a:rPr>
+                  <a:t> </a:t>
+                </a:r>
+              </a:p>
+            </p:txBody>
+          </p:sp>
+        </mc:Fallback>
+      </mc:AlternateContent>
+      <mc:AlternateContent xmlns:mc="http://schemas.openxmlformats.org/markup-compatibility/2006">
+        <mc:Choice xmlns:a14="http://schemas.microsoft.com/office/drawing/2010/main" Requires="a14">
+          <p:sp>
+            <p:nvSpPr>
+              <p:cNvPr id="35" name="ZoneTexte 34"/>
+              <p:cNvSpPr txBox="1"/>
+              <p:nvPr/>
+            </p:nvSpPr>
+            <p:spPr>
+              <a:xfrm>
+                <a:off x="3954245" y="2402932"/>
+                <a:ext cx="120033" cy="184666"/>
+              </a:xfrm>
+              <a:prstGeom prst="rect">
+                <a:avLst/>
+              </a:prstGeom>
+              <a:noFill/>
+            </p:spPr>
+            <p:txBody>
+              <a:bodyPr wrap="none" lIns="0" tIns="0" rIns="0" bIns="0" rtlCol="0">
+                <a:spAutoFit/>
+              </a:bodyPr>
+              <a:lstStyle/>
+              <a:p>
+                <a14:m>
+                  <m:oMathPara xmlns:m="http://schemas.openxmlformats.org/officeDocument/2006/math">
+                    <m:oMathParaPr>
+                      <m:jc m:val="centerGroup"/>
+                    </m:oMathParaPr>
+                    <m:oMath xmlns:m="http://schemas.openxmlformats.org/officeDocument/2006/math">
+                      <m:r>
+                        <a:rPr lang="fr-FR" sz="1200" b="0" i="1" smtClean="0">
+                          <a:latin typeface="Cambria Math" panose="02040503050406030204" pitchFamily="18" charset="0"/>
+                        </a:rPr>
+                        <m:t>𝑆</m:t>
+                      </m:r>
+                    </m:oMath>
+                  </m:oMathPara>
+                </a14:m>
+                <a:endParaRPr lang="fr-FR" sz="1200" dirty="0"/>
+              </a:p>
+            </p:txBody>
+          </p:sp>
+        </mc:Choice>
+        <mc:Fallback>
+          <p:sp>
+            <p:nvSpPr>
+              <p:cNvPr id="35" name="ZoneTexte 34"/>
+              <p:cNvSpPr txBox="1">
+                <a:spLocks noRot="1" noChangeAspect="1" noMove="1" noResize="1" noEditPoints="1" noAdjustHandles="1" noChangeArrowheads="1" noChangeShapeType="1" noTextEdit="1"/>
+              </p:cNvSpPr>
+              <p:nvPr/>
+            </p:nvSpPr>
+            <p:spPr>
+              <a:xfrm>
+                <a:off x="3954245" y="2402932"/>
+                <a:ext cx="120033" cy="184666"/>
+              </a:xfrm>
+              <a:prstGeom prst="rect">
+                <a:avLst/>
+              </a:prstGeom>
+              <a:blipFill>
+                <a:blip r:embed="rId3"/>
+                <a:stretch>
+                  <a:fillRect l="-31579" r="-31579" b="-6667"/>
+                </a:stretch>
+              </a:blipFill>
+            </p:spPr>
+            <p:txBody>
+              <a:bodyPr/>
+              <a:lstStyle/>
+              <a:p>
+                <a:r>
+                  <a:rPr lang="fr-FR">
+                    <a:noFill/>
+                  </a:rPr>
+                  <a:t> </a:t>
+                </a:r>
+              </a:p>
+            </p:txBody>
+          </p:sp>
+        </mc:Fallback>
+      </mc:AlternateContent>
+      <mc:AlternateContent xmlns:mc="http://schemas.openxmlformats.org/markup-compatibility/2006">
+        <mc:Choice xmlns:a14="http://schemas.microsoft.com/office/drawing/2010/main" Requires="a14">
+          <p:sp>
+            <p:nvSpPr>
+              <p:cNvPr id="36" name="ZoneTexte 35"/>
+              <p:cNvSpPr txBox="1"/>
+              <p:nvPr/>
+            </p:nvSpPr>
+            <p:spPr>
+              <a:xfrm>
+                <a:off x="2239337" y="2365401"/>
+                <a:ext cx="134524" cy="184666"/>
+              </a:xfrm>
+              <a:prstGeom prst="rect">
+                <a:avLst/>
+              </a:prstGeom>
+              <a:noFill/>
+            </p:spPr>
+            <p:txBody>
+              <a:bodyPr wrap="none" lIns="0" tIns="0" rIns="0" bIns="0" rtlCol="0">
+                <a:spAutoFit/>
+              </a:bodyPr>
+              <a:lstStyle/>
+              <a:p>
+                <a14:m>
+                  <m:oMathPara xmlns:m="http://schemas.openxmlformats.org/officeDocument/2006/math">
+                    <m:oMathParaPr>
+                      <m:jc m:val="centerGroup"/>
+                    </m:oMathParaPr>
+                    <m:oMath xmlns:m="http://schemas.openxmlformats.org/officeDocument/2006/math">
+                      <m:r>
+                        <a:rPr lang="fr-FR" sz="1200" b="0" i="1" smtClean="0">
+                          <a:latin typeface="Cambria Math" panose="02040503050406030204" pitchFamily="18" charset="0"/>
+                        </a:rPr>
+                        <m:t>𝐴</m:t>
+                      </m:r>
+                    </m:oMath>
+                  </m:oMathPara>
+                </a14:m>
+                <a:endParaRPr lang="fr-FR" sz="1200" dirty="0"/>
+              </a:p>
+            </p:txBody>
+          </p:sp>
+        </mc:Choice>
+        <mc:Fallback>
+          <p:sp>
+            <p:nvSpPr>
+              <p:cNvPr id="36" name="ZoneTexte 35"/>
+              <p:cNvSpPr txBox="1">
+                <a:spLocks noRot="1" noChangeAspect="1" noMove="1" noResize="1" noEditPoints="1" noAdjustHandles="1" noChangeArrowheads="1" noChangeShapeType="1" noTextEdit="1"/>
+              </p:cNvSpPr>
+              <p:nvPr/>
+            </p:nvSpPr>
+            <p:spPr>
+              <a:xfrm>
+                <a:off x="2239337" y="2365401"/>
+                <a:ext cx="134524" cy="184666"/>
+              </a:xfrm>
+              <a:prstGeom prst="rect">
+                <a:avLst/>
+              </a:prstGeom>
+              <a:blipFill>
+                <a:blip r:embed="rId4"/>
+                <a:stretch>
+                  <a:fillRect l="-27273" r="-27273" b="-6667"/>
+                </a:stretch>
+              </a:blipFill>
+            </p:spPr>
+            <p:txBody>
+              <a:bodyPr/>
+              <a:lstStyle/>
+              <a:p>
+                <a:r>
+                  <a:rPr lang="fr-FR">
+                    <a:noFill/>
+                  </a:rPr>
+                  <a:t> </a:t>
+                </a:r>
+              </a:p>
+            </p:txBody>
+          </p:sp>
+        </mc:Fallback>
+      </mc:AlternateContent>
+      <mc:AlternateContent xmlns:mc="http://schemas.openxmlformats.org/markup-compatibility/2006">
+        <mc:Choice xmlns:a14="http://schemas.microsoft.com/office/drawing/2010/main" Requires="a14">
+          <p:sp>
+            <p:nvSpPr>
+              <p:cNvPr id="37" name="ZoneTexte 36"/>
+              <p:cNvSpPr txBox="1"/>
+              <p:nvPr/>
+            </p:nvSpPr>
+            <p:spPr>
+              <a:xfrm>
+                <a:off x="6325195" y="3229811"/>
+                <a:ext cx="140359" cy="184666"/>
+              </a:xfrm>
+              <a:prstGeom prst="rect">
+                <a:avLst/>
+              </a:prstGeom>
+              <a:noFill/>
+            </p:spPr>
+            <p:txBody>
+              <a:bodyPr wrap="none" lIns="0" tIns="0" rIns="0" bIns="0" rtlCol="0">
+                <a:spAutoFit/>
+              </a:bodyPr>
+              <a:lstStyle/>
+              <a:p>
+                <a14:m>
+                  <m:oMathPara xmlns:m="http://schemas.openxmlformats.org/officeDocument/2006/math">
+                    <m:oMathParaPr>
+                      <m:jc m:val="centerGroup"/>
+                    </m:oMathParaPr>
+                    <m:oMath xmlns:m="http://schemas.openxmlformats.org/officeDocument/2006/math">
+                      <m:r>
+                        <a:rPr lang="fr-FR" sz="1200" b="0" i="1" smtClean="0">
+                          <a:latin typeface="Cambria Math" panose="02040503050406030204" pitchFamily="18" charset="0"/>
+                        </a:rPr>
+                        <m:t>𝐵</m:t>
+                      </m:r>
+                    </m:oMath>
+                  </m:oMathPara>
+                </a14:m>
+                <a:endParaRPr lang="fr-FR" sz="1200" dirty="0"/>
+              </a:p>
+            </p:txBody>
+          </p:sp>
+        </mc:Choice>
+        <mc:Fallback>
+          <p:sp>
+            <p:nvSpPr>
+              <p:cNvPr id="37" name="ZoneTexte 36"/>
+              <p:cNvSpPr txBox="1">
+                <a:spLocks noRot="1" noChangeAspect="1" noMove="1" noResize="1" noEditPoints="1" noAdjustHandles="1" noChangeArrowheads="1" noChangeShapeType="1" noTextEdit="1"/>
+              </p:cNvSpPr>
+              <p:nvPr/>
+            </p:nvSpPr>
+            <p:spPr>
+              <a:xfrm>
+                <a:off x="6325195" y="3229811"/>
+                <a:ext cx="140359" cy="184666"/>
+              </a:xfrm>
+              <a:prstGeom prst="rect">
+                <a:avLst/>
+              </a:prstGeom>
+              <a:blipFill>
+                <a:blip r:embed="rId5"/>
+                <a:stretch>
+                  <a:fillRect l="-26087" r="-21739" b="-6667"/>
+                </a:stretch>
+              </a:blipFill>
+            </p:spPr>
+            <p:txBody>
+              <a:bodyPr/>
+              <a:lstStyle/>
+              <a:p>
+                <a:r>
+                  <a:rPr lang="fr-FR">
+                    <a:noFill/>
+                  </a:rPr>
+                  <a:t> </a:t>
+                </a:r>
+              </a:p>
+            </p:txBody>
+          </p:sp>
+        </mc:Fallback>
+      </mc:AlternateContent>
     </p:spTree>
     <p:extLst>
       <p:ext uri="{BB962C8B-B14F-4D97-AF65-F5344CB8AC3E}">

--- a/01_ModelisationPiecesDeformables/Fiche/images/Figures.pptx
+++ b/01_ModelisationPiecesDeformables/Fiche/images/Figures.pptx
@@ -306,7 +306,7 @@
           <a:p>
             <a:fld id="{AA309A6D-C09C-4548-B29A-6CF363A7E532}" type="datetimeFigureOut">
               <a:rPr lang="fr-FR" smtClean="0"/>
-              <a:t>16/07/2016</a:t>
+              <a:t>17/07/2016</a:t>
             </a:fld>
             <a:endParaRPr lang="fr-BE"/>
           </a:p>
@@ -471,7 +471,7 @@
           <a:p>
             <a:fld id="{AA309A6D-C09C-4548-B29A-6CF363A7E532}" type="datetimeFigureOut">
               <a:rPr lang="fr-FR" smtClean="0"/>
-              <a:t>16/07/2016</a:t>
+              <a:t>17/07/2016</a:t>
             </a:fld>
             <a:endParaRPr lang="fr-BE"/>
           </a:p>
@@ -646,7 +646,7 @@
           <a:p>
             <a:fld id="{AA309A6D-C09C-4548-B29A-6CF363A7E532}" type="datetimeFigureOut">
               <a:rPr lang="fr-FR" smtClean="0"/>
-              <a:t>16/07/2016</a:t>
+              <a:t>17/07/2016</a:t>
             </a:fld>
             <a:endParaRPr lang="fr-BE"/>
           </a:p>
@@ -811,7 +811,7 @@
           <a:p>
             <a:fld id="{AA309A6D-C09C-4548-B29A-6CF363A7E532}" type="datetimeFigureOut">
               <a:rPr lang="fr-FR" smtClean="0"/>
-              <a:t>16/07/2016</a:t>
+              <a:t>17/07/2016</a:t>
             </a:fld>
             <a:endParaRPr lang="fr-BE"/>
           </a:p>
@@ -1052,7 +1052,7 @@
           <a:p>
             <a:fld id="{AA309A6D-C09C-4548-B29A-6CF363A7E532}" type="datetimeFigureOut">
               <a:rPr lang="fr-FR" smtClean="0"/>
-              <a:t>16/07/2016</a:t>
+              <a:t>17/07/2016</a:t>
             </a:fld>
             <a:endParaRPr lang="fr-BE"/>
           </a:p>
@@ -1335,7 +1335,7 @@
           <a:p>
             <a:fld id="{AA309A6D-C09C-4548-B29A-6CF363A7E532}" type="datetimeFigureOut">
               <a:rPr lang="fr-FR" smtClean="0"/>
-              <a:t>16/07/2016</a:t>
+              <a:t>17/07/2016</a:t>
             </a:fld>
             <a:endParaRPr lang="fr-BE"/>
           </a:p>
@@ -1752,7 +1752,7 @@
           <a:p>
             <a:fld id="{AA309A6D-C09C-4548-B29A-6CF363A7E532}" type="datetimeFigureOut">
               <a:rPr lang="fr-FR" smtClean="0"/>
-              <a:t>16/07/2016</a:t>
+              <a:t>17/07/2016</a:t>
             </a:fld>
             <a:endParaRPr lang="fr-BE"/>
           </a:p>
@@ -1865,7 +1865,7 @@
           <a:p>
             <a:fld id="{AA309A6D-C09C-4548-B29A-6CF363A7E532}" type="datetimeFigureOut">
               <a:rPr lang="fr-FR" smtClean="0"/>
-              <a:t>16/07/2016</a:t>
+              <a:t>17/07/2016</a:t>
             </a:fld>
             <a:endParaRPr lang="fr-BE"/>
           </a:p>
@@ -1955,7 +1955,7 @@
           <a:p>
             <a:fld id="{AA309A6D-C09C-4548-B29A-6CF363A7E532}" type="datetimeFigureOut">
               <a:rPr lang="fr-FR" smtClean="0"/>
-              <a:t>16/07/2016</a:t>
+              <a:t>17/07/2016</a:t>
             </a:fld>
             <a:endParaRPr lang="fr-BE"/>
           </a:p>
@@ -2227,7 +2227,7 @@
           <a:p>
             <a:fld id="{AA309A6D-C09C-4548-B29A-6CF363A7E532}" type="datetimeFigureOut">
               <a:rPr lang="fr-FR" smtClean="0"/>
-              <a:t>16/07/2016</a:t>
+              <a:t>17/07/2016</a:t>
             </a:fld>
             <a:endParaRPr lang="fr-BE"/>
           </a:p>
@@ -2475,7 +2475,7 @@
           <a:p>
             <a:fld id="{AA309A6D-C09C-4548-B29A-6CF363A7E532}" type="datetimeFigureOut">
               <a:rPr lang="fr-FR" smtClean="0"/>
-              <a:t>16/07/2016</a:t>
+              <a:t>17/07/2016</a:t>
             </a:fld>
             <a:endParaRPr lang="fr-BE"/>
           </a:p>
@@ -2683,7 +2683,7 @@
           <a:p>
             <a:fld id="{AA309A6D-C09C-4548-B29A-6CF363A7E532}" type="datetimeFigureOut">
               <a:rPr lang="fr-FR" smtClean="0"/>
-              <a:t>16/07/2016</a:t>
+              <a:t>17/07/2016</a:t>
             </a:fld>
             <a:endParaRPr lang="fr-BE"/>
           </a:p>
@@ -5424,6 +5424,141 @@
           </p:sp>
         </mc:Fallback>
       </mc:AlternateContent>
+      <mc:AlternateContent xmlns:mc="http://schemas.openxmlformats.org/markup-compatibility/2006">
+        <mc:Choice xmlns:a14="http://schemas.microsoft.com/office/drawing/2010/main" Requires="a14">
+          <p:sp>
+            <p:nvSpPr>
+              <p:cNvPr id="65" name="ZoneTexte 64"/>
+              <p:cNvSpPr txBox="1"/>
+              <p:nvPr/>
+            </p:nvSpPr>
+            <p:spPr>
+              <a:xfrm>
+                <a:off x="4750581" y="517463"/>
+                <a:ext cx="156068" cy="215444"/>
+              </a:xfrm>
+              <a:prstGeom prst="rect">
+                <a:avLst/>
+              </a:prstGeom>
+              <a:noFill/>
+            </p:spPr>
+            <p:txBody>
+              <a:bodyPr wrap="none" lIns="0" tIns="0" rIns="0" bIns="0" rtlCol="0">
+                <a:spAutoFit/>
+              </a:bodyPr>
+              <a:lstStyle/>
+              <a:p>
+                <a:pPr/>
+                <a14:m>
+                  <m:oMathPara xmlns:m="http://schemas.openxmlformats.org/officeDocument/2006/math">
+                    <m:oMathParaPr>
+                      <m:jc m:val="centerGroup"/>
+                    </m:oMathParaPr>
+                    <m:oMath xmlns:m="http://schemas.openxmlformats.org/officeDocument/2006/math">
+                      <m:r>
+                        <a:rPr lang="fr-FR" sz="1400" b="0" i="1" smtClean="0">
+                          <a:latin typeface="Cambria Math" panose="02040503050406030204" pitchFamily="18" charset="0"/>
+                        </a:rPr>
+                        <m:t>𝐹</m:t>
+                      </m:r>
+                    </m:oMath>
+                  </m:oMathPara>
+                </a14:m>
+                <a:endParaRPr lang="fr-FR" sz="1400" dirty="0"/>
+              </a:p>
+            </p:txBody>
+          </p:sp>
+        </mc:Choice>
+        <mc:Fallback>
+          <p:sp>
+            <p:nvSpPr>
+              <p:cNvPr id="65" name="ZoneTexte 64"/>
+              <p:cNvSpPr txBox="1">
+                <a:spLocks noRot="1" noChangeAspect="1" noMove="1" noResize="1" noEditPoints="1" noAdjustHandles="1" noChangeArrowheads="1" noChangeShapeType="1" noTextEdit="1"/>
+              </p:cNvSpPr>
+              <p:nvPr/>
+            </p:nvSpPr>
+            <p:spPr>
+              <a:xfrm>
+                <a:off x="4750581" y="517463"/>
+                <a:ext cx="156068" cy="215444"/>
+              </a:xfrm>
+              <a:prstGeom prst="rect">
+                <a:avLst/>
+              </a:prstGeom>
+              <a:blipFill>
+                <a:blip r:embed="rId4"/>
+                <a:stretch>
+                  <a:fillRect l="-26923" r="-19231" b="-5714"/>
+                </a:stretch>
+              </a:blipFill>
+            </p:spPr>
+            <p:txBody>
+              <a:bodyPr/>
+              <a:lstStyle/>
+              <a:p>
+                <a:r>
+                  <a:rPr lang="fr-FR">
+                    <a:noFill/>
+                  </a:rPr>
+                  <a:t> </a:t>
+                </a:r>
+              </a:p>
+            </p:txBody>
+          </p:sp>
+        </mc:Fallback>
+      </mc:AlternateContent>
+      <p:sp>
+        <p:nvSpPr>
+          <p:cNvPr id="66" name="Flèche vers le bas 65"/>
+          <p:cNvSpPr/>
+          <p:nvPr/>
+        </p:nvSpPr>
+        <p:spPr>
+          <a:xfrm>
+            <a:off x="4560911" y="429312"/>
+            <a:ext cx="207582" cy="547774"/>
+          </a:xfrm>
+          <a:prstGeom prst="downArrow">
+            <a:avLst/>
+          </a:prstGeom>
+          <a:solidFill>
+            <a:schemeClr val="accent2">
+              <a:lumMod val="20000"/>
+              <a:lumOff val="80000"/>
+            </a:schemeClr>
+          </a:solidFill>
+          <a:ln w="19050">
+            <a:solidFill>
+              <a:srgbClr val="C00000"/>
+            </a:solidFill>
+          </a:ln>
+        </p:spPr>
+        <p:style>
+          <a:lnRef idx="2">
+            <a:schemeClr val="accent1">
+              <a:shade val="50000"/>
+            </a:schemeClr>
+          </a:lnRef>
+          <a:fillRef idx="1">
+            <a:schemeClr val="accent1"/>
+          </a:fillRef>
+          <a:effectRef idx="0">
+            <a:schemeClr val="accent1"/>
+          </a:effectRef>
+          <a:fontRef idx="minor">
+            <a:schemeClr val="lt1"/>
+          </a:fontRef>
+        </p:style>
+        <p:txBody>
+          <a:bodyPr rtlCol="0" anchor="ctr"/>
+          <a:lstStyle/>
+          <a:p>
+            <a:pPr algn="ctr"/>
+            <a:endParaRPr lang="fr-FR"/>
+          </a:p>
+        </p:txBody>
+      </p:sp>
     </p:spTree>
     <p:extLst>
       <p:ext uri="{BB962C8B-B14F-4D97-AF65-F5344CB8AC3E}">
@@ -7828,9 +7963,7 @@
           </a:custGeom>
           <a:ln w="19050">
             <a:solidFill>
-              <a:schemeClr val="accent5">
-                <a:lumMod val="50000"/>
-              </a:schemeClr>
+              <a:srgbClr val="C00000"/>
             </a:solidFill>
           </a:ln>
         </p:spPr>
@@ -8768,7 +8901,7 @@
         </p:nvSpPr>
         <p:spPr>
           <a:xfrm>
-            <a:off x="3640282" y="2348558"/>
+            <a:off x="3647728" y="2362626"/>
             <a:ext cx="1035439" cy="1065919"/>
           </a:xfrm>
           <a:custGeom>
@@ -8938,7 +9071,7 @@
             </a:pathLst>
           </a:custGeom>
           <a:solidFill>
-            <a:schemeClr val="accent5">
+            <a:schemeClr val="accent2">
               <a:lumMod val="20000"/>
               <a:lumOff val="80000"/>
             </a:schemeClr>
@@ -8979,7 +9112,7 @@
         </p:nvSpPr>
         <p:spPr>
           <a:xfrm>
-            <a:off x="3662284" y="2356939"/>
+            <a:off x="3661796" y="2356939"/>
             <a:ext cx="1035439" cy="1065919"/>
           </a:xfrm>
           <a:custGeom>
@@ -9151,9 +9284,7 @@
           <a:noFill/>
           <a:ln w="9525">
             <a:solidFill>
-              <a:schemeClr val="accent5">
-                <a:lumMod val="50000"/>
-              </a:schemeClr>
+              <a:srgbClr val="C00000"/>
             </a:solidFill>
             <a:prstDash val="dash"/>
           </a:ln>
@@ -9292,9 +9423,7 @@
           <a:noFill/>
           <a:ln w="9525">
             <a:solidFill>
-              <a:schemeClr val="accent5">
-                <a:lumMod val="50000"/>
-              </a:schemeClr>
+              <a:srgbClr val="C00000"/>
             </a:solidFill>
           </a:ln>
         </p:spPr>
@@ -9557,8 +9686,8 @@
           </a:p>
         </p:txBody>
       </p:sp>
-      <mc:AlternateContent xmlns:mc="http://schemas.openxmlformats.org/markup-compatibility/2006">
-        <mc:Choice xmlns:a14="http://schemas.microsoft.com/office/drawing/2010/main" Requires="a14">
+      <mc:AlternateContent xmlns:mc="http://schemas.openxmlformats.org/markup-compatibility/2006" xmlns:a14="http://schemas.microsoft.com/office/drawing/2010/main">
+        <mc:Choice Requires="a14">
           <p:sp>
             <p:nvSpPr>
               <p:cNvPr id="34" name="ZoneTexte 33"/>
@@ -9581,6 +9710,7 @@
               </a:bodyPr>
               <a:lstStyle/>
               <a:p>
+                <a:pPr/>
                 <a14:m>
                   <m:oMathPara xmlns:m="http://schemas.openxmlformats.org/officeDocument/2006/math">
                     <m:oMathParaPr>
@@ -9601,7 +9731,7 @@
             </p:txBody>
           </p:sp>
         </mc:Choice>
-        <mc:Fallback>
+        <mc:Fallback xmlns="">
           <p:sp>
             <p:nvSpPr>
               <p:cNvPr id="34" name="ZoneTexte 33"/>
@@ -9640,8 +9770,8 @@
           </p:sp>
         </mc:Fallback>
       </mc:AlternateContent>
-      <mc:AlternateContent xmlns:mc="http://schemas.openxmlformats.org/markup-compatibility/2006">
-        <mc:Choice xmlns:a14="http://schemas.microsoft.com/office/drawing/2010/main" Requires="a14">
+      <mc:AlternateContent xmlns:mc="http://schemas.openxmlformats.org/markup-compatibility/2006" xmlns:a14="http://schemas.microsoft.com/office/drawing/2010/main">
+        <mc:Choice Requires="a14">
           <p:sp>
             <p:nvSpPr>
               <p:cNvPr id="35" name="ZoneTexte 34"/>
@@ -9664,6 +9794,7 @@
               </a:bodyPr>
               <a:lstStyle/>
               <a:p>
+                <a:pPr/>
                 <a14:m>
                   <m:oMathPara xmlns:m="http://schemas.openxmlformats.org/officeDocument/2006/math">
                     <m:oMathParaPr>
@@ -9684,7 +9815,7 @@
             </p:txBody>
           </p:sp>
         </mc:Choice>
-        <mc:Fallback>
+        <mc:Fallback xmlns="">
           <p:sp>
             <p:nvSpPr>
               <p:cNvPr id="35" name="ZoneTexte 34"/>
@@ -9723,8 +9854,8 @@
           </p:sp>
         </mc:Fallback>
       </mc:AlternateContent>
-      <mc:AlternateContent xmlns:mc="http://schemas.openxmlformats.org/markup-compatibility/2006">
-        <mc:Choice xmlns:a14="http://schemas.microsoft.com/office/drawing/2010/main" Requires="a14">
+      <mc:AlternateContent xmlns:mc="http://schemas.openxmlformats.org/markup-compatibility/2006" xmlns:a14="http://schemas.microsoft.com/office/drawing/2010/main">
+        <mc:Choice Requires="a14">
           <p:sp>
             <p:nvSpPr>
               <p:cNvPr id="36" name="ZoneTexte 35"/>
@@ -9747,6 +9878,7 @@
               </a:bodyPr>
               <a:lstStyle/>
               <a:p>
+                <a:pPr/>
                 <a14:m>
                   <m:oMathPara xmlns:m="http://schemas.openxmlformats.org/officeDocument/2006/math">
                     <m:oMathParaPr>
@@ -9767,7 +9899,7 @@
             </p:txBody>
           </p:sp>
         </mc:Choice>
-        <mc:Fallback>
+        <mc:Fallback xmlns="">
           <p:sp>
             <p:nvSpPr>
               <p:cNvPr id="36" name="ZoneTexte 35"/>
@@ -9806,8 +9938,8 @@
           </p:sp>
         </mc:Fallback>
       </mc:AlternateContent>
-      <mc:AlternateContent xmlns:mc="http://schemas.openxmlformats.org/markup-compatibility/2006">
-        <mc:Choice xmlns:a14="http://schemas.microsoft.com/office/drawing/2010/main" Requires="a14">
+      <mc:AlternateContent xmlns:mc="http://schemas.openxmlformats.org/markup-compatibility/2006" xmlns:a14="http://schemas.microsoft.com/office/drawing/2010/main">
+        <mc:Choice Requires="a14">
           <p:sp>
             <p:nvSpPr>
               <p:cNvPr id="37" name="ZoneTexte 36"/>
@@ -9830,6 +9962,7 @@
               </a:bodyPr>
               <a:lstStyle/>
               <a:p>
+                <a:pPr/>
                 <a14:m>
                   <m:oMathPara xmlns:m="http://schemas.openxmlformats.org/officeDocument/2006/math">
                     <m:oMathParaPr>
@@ -9850,7 +9983,7 @@
             </p:txBody>
           </p:sp>
         </mc:Choice>
-        <mc:Fallback>
+        <mc:Fallback xmlns="">
           <p:sp>
             <p:nvSpPr>
               <p:cNvPr id="37" name="ZoneTexte 36"/>

--- a/01_ModelisationPiecesDeformables/Fiche/images/Figures.pptx
+++ b/01_ModelisationPiecesDeformables/Fiche/images/Figures.pptx
@@ -6,8 +6,10 @@
   </p:sldMasterIdLst>
   <p:sldIdLst>
     <p:sldId id="256" r:id="rId2"/>
-    <p:sldId id="257" r:id="rId3"/>
-    <p:sldId id="258" r:id="rId4"/>
+    <p:sldId id="259" r:id="rId3"/>
+    <p:sldId id="260" r:id="rId4"/>
+    <p:sldId id="257" r:id="rId5"/>
+    <p:sldId id="258" r:id="rId6"/>
   </p:sldIdLst>
   <p:sldSz cx="12192000" cy="6858000"/>
   <p:notesSz cx="6858000" cy="9144000"/>
@@ -5424,8 +5426,8 @@
           </p:sp>
         </mc:Fallback>
       </mc:AlternateContent>
-      <mc:AlternateContent xmlns:mc="http://schemas.openxmlformats.org/markup-compatibility/2006">
-        <mc:Choice xmlns:a14="http://schemas.microsoft.com/office/drawing/2010/main" Requires="a14">
+      <mc:AlternateContent xmlns:mc="http://schemas.openxmlformats.org/markup-compatibility/2006" xmlns:a14="http://schemas.microsoft.com/office/drawing/2010/main">
+        <mc:Choice Requires="a14">
           <p:sp>
             <p:nvSpPr>
               <p:cNvPr id="65" name="ZoneTexte 64"/>
@@ -5469,7 +5471,7 @@
             </p:txBody>
           </p:sp>
         </mc:Choice>
-        <mc:Fallback>
+        <mc:Fallback xmlns="">
           <p:sp>
             <p:nvSpPr>
               <p:cNvPr id="65" name="ZoneTexte 64"/>
@@ -5573,6 +5575,2109 @@
 </file>
 
 <file path=ppt/slides/slide2.xml><?xml version="1.0" encoding="utf-8"?>
+<p:sld xmlns:a="http://schemas.openxmlformats.org/drawingml/2006/main" xmlns:r="http://schemas.openxmlformats.org/officeDocument/2006/relationships" xmlns:p="http://schemas.openxmlformats.org/presentationml/2006/main">
+  <p:cSld>
+    <p:spTree>
+      <p:nvGrpSpPr>
+        <p:cNvPr id="1" name=""/>
+        <p:cNvGrpSpPr/>
+        <p:nvPr/>
+      </p:nvGrpSpPr>
+      <p:grpSpPr>
+        <a:xfrm>
+          <a:off x="0" y="0"/>
+          <a:ext cx="0" cy="0"/>
+          <a:chOff x="0" y="0"/>
+          <a:chExt cx="0" cy="0"/>
+        </a:xfrm>
+      </p:grpSpPr>
+      <p:sp>
+        <p:nvSpPr>
+          <p:cNvPr id="36" name="Rectangle 35"/>
+          <p:cNvSpPr/>
+          <p:nvPr/>
+        </p:nvSpPr>
+        <p:spPr>
+          <a:xfrm>
+            <a:off x="1775520" y="3148480"/>
+            <a:ext cx="2880320" cy="561040"/>
+          </a:xfrm>
+          <a:prstGeom prst="rect">
+            <a:avLst/>
+          </a:prstGeom>
+          <a:solidFill>
+            <a:schemeClr val="bg1"/>
+          </a:solidFill>
+          <a:ln w="19050">
+            <a:solidFill>
+              <a:schemeClr val="accent5">
+                <a:lumMod val="50000"/>
+              </a:schemeClr>
+            </a:solidFill>
+          </a:ln>
+        </p:spPr>
+        <p:style>
+          <a:lnRef idx="1">
+            <a:schemeClr val="accent1"/>
+          </a:lnRef>
+          <a:fillRef idx="0">
+            <a:schemeClr val="accent1"/>
+          </a:fillRef>
+          <a:effectRef idx="0">
+            <a:schemeClr val="accent1"/>
+          </a:effectRef>
+          <a:fontRef idx="minor">
+            <a:schemeClr val="tx1"/>
+          </a:fontRef>
+        </p:style>
+        <p:txBody>
+          <a:bodyPr rtlCol="0" anchor="ctr"/>
+          <a:lstStyle/>
+          <a:p>
+            <a:pPr algn="ctr"/>
+            <a:endParaRPr lang="fr-FR"/>
+          </a:p>
+        </p:txBody>
+      </p:sp>
+      <p:cxnSp>
+        <p:nvCxnSpPr>
+          <p:cNvPr id="37" name="Connecteur droit 36"/>
+          <p:cNvCxnSpPr/>
+          <p:nvPr/>
+        </p:nvCxnSpPr>
+        <p:spPr>
+          <a:xfrm>
+            <a:off x="1775520" y="3148480"/>
+            <a:ext cx="2880320" cy="0"/>
+          </a:xfrm>
+          <a:prstGeom prst="line">
+            <a:avLst/>
+          </a:prstGeom>
+          <a:ln w="19050">
+            <a:solidFill>
+              <a:schemeClr val="accent5">
+                <a:lumMod val="50000"/>
+              </a:schemeClr>
+            </a:solidFill>
+          </a:ln>
+        </p:spPr>
+        <p:style>
+          <a:lnRef idx="1">
+            <a:schemeClr val="accent1"/>
+          </a:lnRef>
+          <a:fillRef idx="0">
+            <a:schemeClr val="accent1"/>
+          </a:fillRef>
+          <a:effectRef idx="0">
+            <a:schemeClr val="accent1"/>
+          </a:effectRef>
+          <a:fontRef idx="minor">
+            <a:schemeClr val="tx1"/>
+          </a:fontRef>
+        </p:style>
+      </p:cxnSp>
+      <p:cxnSp>
+        <p:nvCxnSpPr>
+          <p:cNvPr id="41" name="Connecteur droit 40"/>
+          <p:cNvCxnSpPr/>
+          <p:nvPr/>
+        </p:nvCxnSpPr>
+        <p:spPr>
+          <a:xfrm>
+            <a:off x="1775520" y="3709520"/>
+            <a:ext cx="2880320" cy="0"/>
+          </a:xfrm>
+          <a:prstGeom prst="line">
+            <a:avLst/>
+          </a:prstGeom>
+          <a:ln w="19050">
+            <a:solidFill>
+              <a:schemeClr val="accent5">
+                <a:lumMod val="50000"/>
+              </a:schemeClr>
+            </a:solidFill>
+          </a:ln>
+        </p:spPr>
+        <p:style>
+          <a:lnRef idx="1">
+            <a:schemeClr val="accent1"/>
+          </a:lnRef>
+          <a:fillRef idx="0">
+            <a:schemeClr val="accent1"/>
+          </a:fillRef>
+          <a:effectRef idx="0">
+            <a:schemeClr val="accent1"/>
+          </a:effectRef>
+          <a:fontRef idx="minor">
+            <a:schemeClr val="tx1"/>
+          </a:fontRef>
+        </p:style>
+      </p:cxnSp>
+      <p:cxnSp>
+        <p:nvCxnSpPr>
+          <p:cNvPr id="89" name="Connecteur droit 88"/>
+          <p:cNvCxnSpPr/>
+          <p:nvPr/>
+        </p:nvCxnSpPr>
+        <p:spPr>
+          <a:xfrm>
+            <a:off x="1677473" y="3432778"/>
+            <a:ext cx="3168352" cy="0"/>
+          </a:xfrm>
+          <a:prstGeom prst="line">
+            <a:avLst/>
+          </a:prstGeom>
+          <a:ln w="9525">
+            <a:solidFill>
+              <a:schemeClr val="accent5">
+                <a:lumMod val="50000"/>
+              </a:schemeClr>
+            </a:solidFill>
+            <a:prstDash val="lgDashDot"/>
+          </a:ln>
+        </p:spPr>
+        <p:style>
+          <a:lnRef idx="1">
+            <a:schemeClr val="accent1"/>
+          </a:lnRef>
+          <a:fillRef idx="0">
+            <a:schemeClr val="accent1"/>
+          </a:fillRef>
+          <a:effectRef idx="0">
+            <a:schemeClr val="accent1"/>
+          </a:effectRef>
+          <a:fontRef idx="minor">
+            <a:schemeClr val="tx1"/>
+          </a:fontRef>
+        </p:style>
+      </p:cxnSp>
+      <p:sp>
+        <p:nvSpPr>
+          <p:cNvPr id="2" name="Éclair 1"/>
+          <p:cNvSpPr/>
+          <p:nvPr/>
+        </p:nvSpPr>
+        <p:spPr>
+          <a:xfrm>
+            <a:off x="1839966" y="2669194"/>
+            <a:ext cx="386079" cy="432048"/>
+          </a:xfrm>
+          <a:prstGeom prst="lightningBolt">
+            <a:avLst/>
+          </a:prstGeom>
+          <a:solidFill>
+            <a:srgbClr val="FFC000"/>
+          </a:solidFill>
+          <a:ln>
+            <a:solidFill>
+              <a:srgbClr val="C00000"/>
+            </a:solidFill>
+          </a:ln>
+        </p:spPr>
+        <p:style>
+          <a:lnRef idx="2">
+            <a:schemeClr val="accent1">
+              <a:shade val="50000"/>
+            </a:schemeClr>
+          </a:lnRef>
+          <a:fillRef idx="1">
+            <a:schemeClr val="accent1"/>
+          </a:fillRef>
+          <a:effectRef idx="0">
+            <a:schemeClr val="accent1"/>
+          </a:effectRef>
+          <a:fontRef idx="minor">
+            <a:schemeClr val="lt1"/>
+          </a:fontRef>
+        </p:style>
+        <p:txBody>
+          <a:bodyPr rtlCol="0" anchor="ctr"/>
+          <a:lstStyle/>
+          <a:p>
+            <a:pPr algn="ctr"/>
+            <a:endParaRPr lang="fr-FR" dirty="0"/>
+          </a:p>
+        </p:txBody>
+      </p:sp>
+      <mc:AlternateContent xmlns:mc="http://schemas.openxmlformats.org/markup-compatibility/2006">
+        <mc:Choice xmlns:a14="http://schemas.microsoft.com/office/drawing/2010/main" Requires="a14">
+          <p:sp>
+            <p:nvSpPr>
+              <p:cNvPr id="3" name="ZoneTexte 2"/>
+              <p:cNvSpPr txBox="1"/>
+              <p:nvPr/>
+            </p:nvSpPr>
+            <p:spPr>
+              <a:xfrm>
+                <a:off x="1011484" y="2802967"/>
+                <a:ext cx="852990" cy="184666"/>
+              </a:xfrm>
+              <a:prstGeom prst="rect">
+                <a:avLst/>
+              </a:prstGeom>
+              <a:noFill/>
+            </p:spPr>
+            <p:txBody>
+              <a:bodyPr wrap="none" lIns="0" tIns="0" rIns="0" bIns="0" rtlCol="0">
+                <a:spAutoFit/>
+              </a:bodyPr>
+              <a:lstStyle/>
+              <a:p>
+                <a14:m>
+                  <m:oMathPara xmlns:m="http://schemas.openxmlformats.org/officeDocument/2006/math">
+                    <m:oMathParaPr>
+                      <m:jc m:val="centerGroup"/>
+                    </m:oMathParaPr>
+                    <m:oMath xmlns:m="http://schemas.openxmlformats.org/officeDocument/2006/math">
+                      <m:d>
+                        <m:dPr>
+                          <m:begChr m:val="{"/>
+                          <m:endChr m:val="}"/>
+                          <m:ctrlPr>
+                            <a:rPr lang="fr-FR" sz="1200" i="1" smtClean="0">
+                              <a:latin typeface="Cambria Math" panose="02040503050406030204" pitchFamily="18" charset="0"/>
+                            </a:rPr>
+                          </m:ctrlPr>
+                        </m:dPr>
+                        <m:e>
+                          <m:r>
+                            <a:rPr lang="fr-FR" sz="1200" i="1" smtClean="0">
+                              <a:latin typeface="Cambria Math" panose="02040503050406030204" pitchFamily="18" charset="0"/>
+                              <a:ea typeface="Cambria Math" panose="02040503050406030204" pitchFamily="18" charset="0"/>
+                            </a:rPr>
+                            <m:t>𝒯</m:t>
+                          </m:r>
+                          <m:d>
+                            <m:dPr>
+                              <m:ctrlPr>
+                                <a:rPr lang="fr-FR" sz="1200" i="1" smtClean="0">
+                                  <a:latin typeface="Cambria Math" panose="02040503050406030204" pitchFamily="18" charset="0"/>
+                                  <a:ea typeface="Cambria Math" panose="02040503050406030204" pitchFamily="18" charset="0"/>
+                                </a:rPr>
+                              </m:ctrlPr>
+                            </m:dPr>
+                            <m:e>
+                              <m:r>
+                                <m:rPr>
+                                  <m:sty m:val="p"/>
+                                </m:rPr>
+                                <a:rPr lang="fr-FR" sz="1200" b="0" i="0" smtClean="0">
+                                  <a:latin typeface="Cambria Math" panose="02040503050406030204" pitchFamily="18" charset="0"/>
+                                  <a:ea typeface="Cambria Math" panose="02040503050406030204" pitchFamily="18" charset="0"/>
+                                </a:rPr>
+                                <m:t>ext</m:t>
+                              </m:r>
+                              <m:r>
+                                <a:rPr lang="fr-FR" sz="1200" b="0" i="1" smtClean="0">
+                                  <a:latin typeface="Cambria Math" panose="02040503050406030204" pitchFamily="18" charset="0"/>
+                                  <a:ea typeface="Cambria Math" panose="02040503050406030204" pitchFamily="18" charset="0"/>
+                                </a:rPr>
+                                <m:t>→</m:t>
+                              </m:r>
+                              <m:r>
+                                <m:rPr>
+                                  <m:sty m:val="p"/>
+                                </m:rPr>
+                                <a:rPr lang="fr-FR" sz="1200" b="0" i="0" smtClean="0">
+                                  <a:latin typeface="Cambria Math" panose="02040503050406030204" pitchFamily="18" charset="0"/>
+                                  <a:ea typeface="Cambria Math" panose="02040503050406030204" pitchFamily="18" charset="0"/>
+                                </a:rPr>
+                                <m:t>I</m:t>
+                              </m:r>
+                            </m:e>
+                          </m:d>
+                        </m:e>
+                      </m:d>
+                    </m:oMath>
+                  </m:oMathPara>
+                </a14:m>
+                <a:endParaRPr lang="fr-FR" dirty="0"/>
+              </a:p>
+            </p:txBody>
+          </p:sp>
+        </mc:Choice>
+        <mc:Fallback>
+          <p:sp>
+            <p:nvSpPr>
+              <p:cNvPr id="3" name="ZoneTexte 2"/>
+              <p:cNvSpPr txBox="1">
+                <a:spLocks noRot="1" noChangeAspect="1" noMove="1" noResize="1" noEditPoints="1" noAdjustHandles="1" noChangeArrowheads="1" noChangeShapeType="1" noTextEdit="1"/>
+              </p:cNvSpPr>
+              <p:nvPr/>
+            </p:nvSpPr>
+            <p:spPr>
+              <a:xfrm>
+                <a:off x="1011484" y="2802967"/>
+                <a:ext cx="852990" cy="184666"/>
+              </a:xfrm>
+              <a:prstGeom prst="rect">
+                <a:avLst/>
+              </a:prstGeom>
+              <a:blipFill>
+                <a:blip r:embed="rId2"/>
+                <a:stretch>
+                  <a:fillRect b="-6667"/>
+                </a:stretch>
+              </a:blipFill>
+            </p:spPr>
+            <p:txBody>
+              <a:bodyPr/>
+              <a:lstStyle/>
+              <a:p>
+                <a:r>
+                  <a:rPr lang="fr-FR">
+                    <a:noFill/>
+                  </a:rPr>
+                  <a:t> </a:t>
+                </a:r>
+              </a:p>
+            </p:txBody>
+          </p:sp>
+        </mc:Fallback>
+      </mc:AlternateContent>
+      <p:sp>
+        <p:nvSpPr>
+          <p:cNvPr id="4" name="Forme libre 3"/>
+          <p:cNvSpPr/>
+          <p:nvPr/>
+        </p:nvSpPr>
+        <p:spPr>
+          <a:xfrm rot="21318374">
+            <a:off x="3096409" y="3022233"/>
+            <a:ext cx="238540" cy="834887"/>
+          </a:xfrm>
+          <a:custGeom>
+            <a:avLst/>
+            <a:gdLst>
+              <a:gd name="connsiteX0" fmla="*/ 0 w 238540"/>
+              <a:gd name="connsiteY0" fmla="*/ 0 h 834887"/>
+              <a:gd name="connsiteX1" fmla="*/ 238540 w 238540"/>
+              <a:gd name="connsiteY1" fmla="*/ 834887 h 834887"/>
+              <a:gd name="connsiteX0" fmla="*/ 0 w 238540"/>
+              <a:gd name="connsiteY0" fmla="*/ 0 h 834887"/>
+              <a:gd name="connsiteX1" fmla="*/ 238540 w 238540"/>
+              <a:gd name="connsiteY1" fmla="*/ 834887 h 834887"/>
+              <a:gd name="connsiteX0" fmla="*/ 0 w 238540"/>
+              <a:gd name="connsiteY0" fmla="*/ 0 h 834887"/>
+              <a:gd name="connsiteX1" fmla="*/ 238540 w 238540"/>
+              <a:gd name="connsiteY1" fmla="*/ 834887 h 834887"/>
+            </a:gdLst>
+            <a:ahLst/>
+            <a:cxnLst>
+              <a:cxn ang="0">
+                <a:pos x="connsiteX0" y="connsiteY0"/>
+              </a:cxn>
+              <a:cxn ang="0">
+                <a:pos x="connsiteX1" y="connsiteY1"/>
+              </a:cxn>
+            </a:cxnLst>
+            <a:rect l="l" t="t" r="r" b="b"/>
+            <a:pathLst>
+              <a:path w="238540" h="834887">
+                <a:moveTo>
+                  <a:pt x="0" y="0"/>
+                </a:moveTo>
+                <a:cubicBezTo>
+                  <a:pt x="243840" y="66260"/>
+                  <a:pt x="-45056" y="744772"/>
+                  <a:pt x="238540" y="834887"/>
+                </a:cubicBezTo>
+              </a:path>
+            </a:pathLst>
+          </a:custGeom>
+          <a:noFill/>
+          <a:ln>
+            <a:solidFill>
+              <a:srgbClr val="C00000"/>
+            </a:solidFill>
+          </a:ln>
+        </p:spPr>
+        <p:style>
+          <a:lnRef idx="2">
+            <a:schemeClr val="accent1">
+              <a:shade val="50000"/>
+            </a:schemeClr>
+          </a:lnRef>
+          <a:fillRef idx="1">
+            <a:schemeClr val="accent1"/>
+          </a:fillRef>
+          <a:effectRef idx="0">
+            <a:schemeClr val="accent1"/>
+          </a:effectRef>
+          <a:fontRef idx="minor">
+            <a:schemeClr val="lt1"/>
+          </a:fontRef>
+        </p:style>
+        <p:txBody>
+          <a:bodyPr rtlCol="0" anchor="ctr"/>
+          <a:lstStyle/>
+          <a:p>
+            <a:pPr algn="ctr"/>
+            <a:endParaRPr lang="fr-FR"/>
+          </a:p>
+        </p:txBody>
+      </p:sp>
+      <mc:AlternateContent xmlns:mc="http://schemas.openxmlformats.org/markup-compatibility/2006">
+        <mc:Choice xmlns:a14="http://schemas.microsoft.com/office/drawing/2010/main" Requires="a14">
+          <p:sp>
+            <p:nvSpPr>
+              <p:cNvPr id="68" name="ZoneTexte 67"/>
+              <p:cNvSpPr txBox="1"/>
+              <p:nvPr/>
+            </p:nvSpPr>
+            <p:spPr>
+              <a:xfrm>
+                <a:off x="4591783" y="2812223"/>
+                <a:ext cx="902683" cy="184666"/>
+              </a:xfrm>
+              <a:prstGeom prst="rect">
+                <a:avLst/>
+              </a:prstGeom>
+              <a:noFill/>
+            </p:spPr>
+            <p:txBody>
+              <a:bodyPr wrap="none" lIns="0" tIns="0" rIns="0" bIns="0" rtlCol="0">
+                <a:spAutoFit/>
+              </a:bodyPr>
+              <a:lstStyle/>
+              <a:p>
+                <a14:m>
+                  <m:oMathPara xmlns:m="http://schemas.openxmlformats.org/officeDocument/2006/math">
+                    <m:oMathParaPr>
+                      <m:jc m:val="centerGroup"/>
+                    </m:oMathParaPr>
+                    <m:oMath xmlns:m="http://schemas.openxmlformats.org/officeDocument/2006/math">
+                      <m:d>
+                        <m:dPr>
+                          <m:begChr m:val="{"/>
+                          <m:endChr m:val="}"/>
+                          <m:ctrlPr>
+                            <a:rPr lang="fr-FR" sz="1200" i="1" smtClean="0">
+                              <a:latin typeface="Cambria Math" panose="02040503050406030204" pitchFamily="18" charset="0"/>
+                            </a:rPr>
+                          </m:ctrlPr>
+                        </m:dPr>
+                        <m:e>
+                          <m:r>
+                            <a:rPr lang="fr-FR" sz="1200" i="1" smtClean="0">
+                              <a:latin typeface="Cambria Math" panose="02040503050406030204" pitchFamily="18" charset="0"/>
+                              <a:ea typeface="Cambria Math" panose="02040503050406030204" pitchFamily="18" charset="0"/>
+                            </a:rPr>
+                            <m:t>𝒯</m:t>
+                          </m:r>
+                          <m:d>
+                            <m:dPr>
+                              <m:ctrlPr>
+                                <a:rPr lang="fr-FR" sz="1200" i="1" smtClean="0">
+                                  <a:latin typeface="Cambria Math" panose="02040503050406030204" pitchFamily="18" charset="0"/>
+                                  <a:ea typeface="Cambria Math" panose="02040503050406030204" pitchFamily="18" charset="0"/>
+                                </a:rPr>
+                              </m:ctrlPr>
+                            </m:dPr>
+                            <m:e>
+                              <m:r>
+                                <m:rPr>
+                                  <m:sty m:val="p"/>
+                                </m:rPr>
+                                <a:rPr lang="fr-FR" sz="1200" b="0" i="0" smtClean="0">
+                                  <a:latin typeface="Cambria Math" panose="02040503050406030204" pitchFamily="18" charset="0"/>
+                                  <a:ea typeface="Cambria Math" panose="02040503050406030204" pitchFamily="18" charset="0"/>
+                                </a:rPr>
+                                <m:t>ext</m:t>
+                              </m:r>
+                              <m:r>
+                                <a:rPr lang="fr-FR" sz="1200" b="0" i="1" smtClean="0">
+                                  <a:latin typeface="Cambria Math" panose="02040503050406030204" pitchFamily="18" charset="0"/>
+                                  <a:ea typeface="Cambria Math" panose="02040503050406030204" pitchFamily="18" charset="0"/>
+                                </a:rPr>
+                                <m:t>→</m:t>
+                              </m:r>
+                              <m:r>
+                                <m:rPr>
+                                  <m:sty m:val="p"/>
+                                </m:rPr>
+                                <a:rPr lang="fr-FR" sz="1200" b="0" i="0" smtClean="0">
+                                  <a:latin typeface="Cambria Math" panose="02040503050406030204" pitchFamily="18" charset="0"/>
+                                  <a:ea typeface="Cambria Math" panose="02040503050406030204" pitchFamily="18" charset="0"/>
+                                </a:rPr>
+                                <m:t>II</m:t>
+                              </m:r>
+                            </m:e>
+                          </m:d>
+                        </m:e>
+                      </m:d>
+                    </m:oMath>
+                  </m:oMathPara>
+                </a14:m>
+                <a:endParaRPr lang="fr-FR" sz="1200" dirty="0"/>
+              </a:p>
+            </p:txBody>
+          </p:sp>
+        </mc:Choice>
+        <mc:Fallback>
+          <p:sp>
+            <p:nvSpPr>
+              <p:cNvPr id="68" name="ZoneTexte 67"/>
+              <p:cNvSpPr txBox="1">
+                <a:spLocks noRot="1" noChangeAspect="1" noMove="1" noResize="1" noEditPoints="1" noAdjustHandles="1" noChangeArrowheads="1" noChangeShapeType="1" noTextEdit="1"/>
+              </p:cNvSpPr>
+              <p:nvPr/>
+            </p:nvSpPr>
+            <p:spPr>
+              <a:xfrm>
+                <a:off x="4591783" y="2812223"/>
+                <a:ext cx="902683" cy="184666"/>
+              </a:xfrm>
+              <a:prstGeom prst="rect">
+                <a:avLst/>
+              </a:prstGeom>
+              <a:blipFill>
+                <a:blip r:embed="rId3"/>
+                <a:stretch>
+                  <a:fillRect b="-3226"/>
+                </a:stretch>
+              </a:blipFill>
+            </p:spPr>
+            <p:txBody>
+              <a:bodyPr/>
+              <a:lstStyle/>
+              <a:p>
+                <a:r>
+                  <a:rPr lang="fr-FR">
+                    <a:noFill/>
+                  </a:rPr>
+                  <a:t> </a:t>
+                </a:r>
+              </a:p>
+            </p:txBody>
+          </p:sp>
+        </mc:Fallback>
+      </mc:AlternateContent>
+      <p:sp>
+        <p:nvSpPr>
+          <p:cNvPr id="69" name="Éclair 68"/>
+          <p:cNvSpPr/>
+          <p:nvPr/>
+        </p:nvSpPr>
+        <p:spPr>
+          <a:xfrm flipH="1">
+            <a:off x="4269761" y="2673223"/>
+            <a:ext cx="386079" cy="432048"/>
+          </a:xfrm>
+          <a:prstGeom prst="lightningBolt">
+            <a:avLst/>
+          </a:prstGeom>
+          <a:solidFill>
+            <a:srgbClr val="FFC000"/>
+          </a:solidFill>
+          <a:ln>
+            <a:solidFill>
+              <a:srgbClr val="C00000"/>
+            </a:solidFill>
+          </a:ln>
+        </p:spPr>
+        <p:style>
+          <a:lnRef idx="2">
+            <a:schemeClr val="accent1">
+              <a:shade val="50000"/>
+            </a:schemeClr>
+          </a:lnRef>
+          <a:fillRef idx="1">
+            <a:schemeClr val="accent1"/>
+          </a:fillRef>
+          <a:effectRef idx="0">
+            <a:schemeClr val="accent1"/>
+          </a:effectRef>
+          <a:fontRef idx="minor">
+            <a:schemeClr val="lt1"/>
+          </a:fontRef>
+        </p:style>
+        <p:txBody>
+          <a:bodyPr rtlCol="0" anchor="ctr"/>
+          <a:lstStyle/>
+          <a:p>
+            <a:pPr algn="ctr"/>
+            <a:endParaRPr lang="fr-FR" dirty="0"/>
+          </a:p>
+        </p:txBody>
+      </p:sp>
+      <mc:AlternateContent xmlns:mc="http://schemas.openxmlformats.org/markup-compatibility/2006">
+        <mc:Choice xmlns:a14="http://schemas.microsoft.com/office/drawing/2010/main" Requires="a14">
+          <p:sp>
+            <p:nvSpPr>
+              <p:cNvPr id="5" name="Ellipse 4"/>
+              <p:cNvSpPr/>
+              <p:nvPr/>
+            </p:nvSpPr>
+            <p:spPr>
+              <a:xfrm>
+                <a:off x="2423592" y="3186396"/>
+                <a:ext cx="216024" cy="216024"/>
+              </a:xfrm>
+              <a:prstGeom prst="ellipse">
+                <a:avLst/>
+              </a:prstGeom>
+              <a:solidFill>
+                <a:schemeClr val="accent5">
+                  <a:lumMod val="20000"/>
+                  <a:lumOff val="80000"/>
+                </a:schemeClr>
+              </a:solidFill>
+              <a:ln w="19050">
+                <a:solidFill>
+                  <a:schemeClr val="accent5">
+                    <a:lumMod val="50000"/>
+                  </a:schemeClr>
+                </a:solidFill>
+              </a:ln>
+            </p:spPr>
+            <p:style>
+              <a:lnRef idx="2">
+                <a:schemeClr val="accent1">
+                  <a:shade val="50000"/>
+                </a:schemeClr>
+              </a:lnRef>
+              <a:fillRef idx="1">
+                <a:schemeClr val="accent1"/>
+              </a:fillRef>
+              <a:effectRef idx="0">
+                <a:schemeClr val="accent1"/>
+              </a:effectRef>
+              <a:fontRef idx="minor">
+                <a:schemeClr val="lt1"/>
+              </a:fontRef>
+            </p:style>
+            <p:txBody>
+              <a:bodyPr lIns="0" tIns="0" rIns="0" bIns="0" rtlCol="0" anchor="ctr"/>
+              <a:lstStyle/>
+              <a:p>
+                <a:pPr algn="ctr"/>
+                <a14:m>
+                  <m:oMathPara xmlns:m="http://schemas.openxmlformats.org/officeDocument/2006/math">
+                    <m:oMathParaPr>
+                      <m:jc m:val="centerGroup"/>
+                    </m:oMathParaPr>
+                    <m:oMath xmlns:m="http://schemas.openxmlformats.org/officeDocument/2006/math">
+                      <m:r>
+                        <a:rPr lang="fr-FR" sz="1050" b="1" i="0" smtClean="0">
+                          <a:solidFill>
+                            <a:schemeClr val="tx1"/>
+                          </a:solidFill>
+                          <a:latin typeface="Cambria Math" panose="02040503050406030204" pitchFamily="18" charset="0"/>
+                        </a:rPr>
+                        <m:t>𝐈</m:t>
+                      </m:r>
+                    </m:oMath>
+                  </m:oMathPara>
+                </a14:m>
+                <a:endParaRPr lang="fr-FR" b="1" dirty="0"/>
+              </a:p>
+            </p:txBody>
+          </p:sp>
+        </mc:Choice>
+        <mc:Fallback>
+          <p:sp>
+            <p:nvSpPr>
+              <p:cNvPr id="5" name="Ellipse 4"/>
+              <p:cNvSpPr>
+                <a:spLocks noRot="1" noChangeAspect="1" noMove="1" noResize="1" noEditPoints="1" noAdjustHandles="1" noChangeArrowheads="1" noChangeShapeType="1" noTextEdit="1"/>
+              </p:cNvSpPr>
+              <p:nvPr/>
+            </p:nvSpPr>
+            <p:spPr>
+              <a:xfrm>
+                <a:off x="2423592" y="3186396"/>
+                <a:ext cx="216024" cy="216024"/>
+              </a:xfrm>
+              <a:prstGeom prst="ellipse">
+                <a:avLst/>
+              </a:prstGeom>
+              <a:blipFill>
+                <a:blip r:embed="rId4"/>
+                <a:stretch>
+                  <a:fillRect/>
+                </a:stretch>
+              </a:blipFill>
+              <a:ln w="19050">
+                <a:solidFill>
+                  <a:schemeClr val="accent5">
+                    <a:lumMod val="50000"/>
+                  </a:schemeClr>
+                </a:solidFill>
+              </a:ln>
+            </p:spPr>
+            <p:txBody>
+              <a:bodyPr/>
+              <a:lstStyle/>
+              <a:p>
+                <a:r>
+                  <a:rPr lang="fr-FR">
+                    <a:noFill/>
+                  </a:rPr>
+                  <a:t> </a:t>
+                </a:r>
+              </a:p>
+            </p:txBody>
+          </p:sp>
+        </mc:Fallback>
+      </mc:AlternateContent>
+      <mc:AlternateContent xmlns:mc="http://schemas.openxmlformats.org/markup-compatibility/2006">
+        <mc:Choice xmlns:a14="http://schemas.microsoft.com/office/drawing/2010/main" Requires="a14">
+          <p:sp>
+            <p:nvSpPr>
+              <p:cNvPr id="70" name="Ellipse 69"/>
+              <p:cNvSpPr/>
+              <p:nvPr/>
+            </p:nvSpPr>
+            <p:spPr>
+              <a:xfrm>
+                <a:off x="3818733" y="3173762"/>
+                <a:ext cx="216024" cy="216024"/>
+              </a:xfrm>
+              <a:prstGeom prst="ellipse">
+                <a:avLst/>
+              </a:prstGeom>
+              <a:solidFill>
+                <a:schemeClr val="accent5">
+                  <a:lumMod val="20000"/>
+                  <a:lumOff val="80000"/>
+                </a:schemeClr>
+              </a:solidFill>
+              <a:ln w="19050">
+                <a:solidFill>
+                  <a:schemeClr val="accent5">
+                    <a:lumMod val="50000"/>
+                  </a:schemeClr>
+                </a:solidFill>
+              </a:ln>
+            </p:spPr>
+            <p:style>
+              <a:lnRef idx="2">
+                <a:schemeClr val="accent1">
+                  <a:shade val="50000"/>
+                </a:schemeClr>
+              </a:lnRef>
+              <a:fillRef idx="1">
+                <a:schemeClr val="accent1"/>
+              </a:fillRef>
+              <a:effectRef idx="0">
+                <a:schemeClr val="accent1"/>
+              </a:effectRef>
+              <a:fontRef idx="minor">
+                <a:schemeClr val="lt1"/>
+              </a:fontRef>
+            </p:style>
+            <p:txBody>
+              <a:bodyPr lIns="0" tIns="0" rIns="0" bIns="0" rtlCol="0" anchor="ctr"/>
+              <a:lstStyle/>
+              <a:p>
+                <a:pPr algn="ctr"/>
+                <a14:m>
+                  <m:oMathPara xmlns:m="http://schemas.openxmlformats.org/officeDocument/2006/math">
+                    <m:oMathParaPr>
+                      <m:jc m:val="centerGroup"/>
+                    </m:oMathParaPr>
+                    <m:oMath xmlns:m="http://schemas.openxmlformats.org/officeDocument/2006/math">
+                      <m:r>
+                        <a:rPr lang="fr-FR" sz="1050" b="1" i="0" smtClean="0">
+                          <a:solidFill>
+                            <a:schemeClr val="tx1"/>
+                          </a:solidFill>
+                          <a:latin typeface="Cambria Math" panose="02040503050406030204" pitchFamily="18" charset="0"/>
+                        </a:rPr>
+                        <m:t>𝐈𝐈</m:t>
+                      </m:r>
+                    </m:oMath>
+                  </m:oMathPara>
+                </a14:m>
+                <a:endParaRPr lang="fr-FR" b="1" dirty="0"/>
+              </a:p>
+            </p:txBody>
+          </p:sp>
+        </mc:Choice>
+        <mc:Fallback>
+          <p:sp>
+            <p:nvSpPr>
+              <p:cNvPr id="70" name="Ellipse 69"/>
+              <p:cNvSpPr>
+                <a:spLocks noRot="1" noChangeAspect="1" noMove="1" noResize="1" noEditPoints="1" noAdjustHandles="1" noChangeArrowheads="1" noChangeShapeType="1" noTextEdit="1"/>
+              </p:cNvSpPr>
+              <p:nvPr/>
+            </p:nvSpPr>
+            <p:spPr>
+              <a:xfrm>
+                <a:off x="3818733" y="3173762"/>
+                <a:ext cx="216024" cy="216024"/>
+              </a:xfrm>
+              <a:prstGeom prst="ellipse">
+                <a:avLst/>
+              </a:prstGeom>
+              <a:blipFill>
+                <a:blip r:embed="rId5"/>
+                <a:stretch>
+                  <a:fillRect/>
+                </a:stretch>
+              </a:blipFill>
+              <a:ln w="19050">
+                <a:solidFill>
+                  <a:schemeClr val="accent5">
+                    <a:lumMod val="50000"/>
+                  </a:schemeClr>
+                </a:solidFill>
+              </a:ln>
+            </p:spPr>
+            <p:txBody>
+              <a:bodyPr/>
+              <a:lstStyle/>
+              <a:p>
+                <a:r>
+                  <a:rPr lang="fr-FR">
+                    <a:noFill/>
+                  </a:rPr>
+                  <a:t> </a:t>
+                </a:r>
+              </a:p>
+            </p:txBody>
+          </p:sp>
+        </mc:Fallback>
+      </mc:AlternateContent>
+      <mc:AlternateContent xmlns:mc="http://schemas.openxmlformats.org/markup-compatibility/2006">
+        <mc:Choice xmlns:a14="http://schemas.microsoft.com/office/drawing/2010/main" Requires="a14">
+          <p:sp>
+            <p:nvSpPr>
+              <p:cNvPr id="7" name="Rectangle 6"/>
+              <p:cNvSpPr/>
+              <p:nvPr/>
+            </p:nvSpPr>
+            <p:spPr>
+              <a:xfrm>
+                <a:off x="3137235" y="3233502"/>
+                <a:ext cx="311111" cy="261610"/>
+              </a:xfrm>
+              <a:prstGeom prst="rect">
+                <a:avLst/>
+              </a:prstGeom>
+            </p:spPr>
+            <p:txBody>
+              <a:bodyPr wrap="none">
+                <a:spAutoFit/>
+              </a:bodyPr>
+              <a:lstStyle/>
+              <a:p>
+                <a14:m>
+                  <m:oMathPara xmlns:m="http://schemas.openxmlformats.org/officeDocument/2006/math">
+                    <m:oMathParaPr>
+                      <m:jc m:val="centerGroup"/>
+                    </m:oMathParaPr>
+                    <m:oMath xmlns:m="http://schemas.openxmlformats.org/officeDocument/2006/math">
+                      <m:r>
+                        <a:rPr lang="fr-FR" sz="1100" b="0" i="1" smtClean="0">
+                          <a:latin typeface="Cambria Math" panose="02040503050406030204" pitchFamily="18" charset="0"/>
+                        </a:rPr>
+                        <m:t>𝐺</m:t>
+                      </m:r>
+                    </m:oMath>
+                  </m:oMathPara>
+                </a14:m>
+                <a:endParaRPr lang="fr-FR" sz="1100" i="1" dirty="0"/>
+              </a:p>
+            </p:txBody>
+          </p:sp>
+        </mc:Choice>
+        <mc:Fallback>
+          <p:sp>
+            <p:nvSpPr>
+              <p:cNvPr id="7" name="Rectangle 6"/>
+              <p:cNvSpPr>
+                <a:spLocks noRot="1" noChangeAspect="1" noMove="1" noResize="1" noEditPoints="1" noAdjustHandles="1" noChangeArrowheads="1" noChangeShapeType="1" noTextEdit="1"/>
+              </p:cNvSpPr>
+              <p:nvPr/>
+            </p:nvSpPr>
+            <p:spPr>
+              <a:xfrm>
+                <a:off x="3137235" y="3233502"/>
+                <a:ext cx="311111" cy="261610"/>
+              </a:xfrm>
+              <a:prstGeom prst="rect">
+                <a:avLst/>
+              </a:prstGeom>
+              <a:blipFill>
+                <a:blip r:embed="rId6"/>
+                <a:stretch>
+                  <a:fillRect/>
+                </a:stretch>
+              </a:blipFill>
+            </p:spPr>
+            <p:txBody>
+              <a:bodyPr/>
+              <a:lstStyle/>
+              <a:p>
+                <a:r>
+                  <a:rPr lang="fr-FR">
+                    <a:noFill/>
+                  </a:rPr>
+                  <a:t> </a:t>
+                </a:r>
+              </a:p>
+            </p:txBody>
+          </p:sp>
+        </mc:Fallback>
+      </mc:AlternateContent>
+    </p:spTree>
+    <p:extLst>
+      <p:ext uri="{BB962C8B-B14F-4D97-AF65-F5344CB8AC3E}">
+        <p14:creationId xmlns:p14="http://schemas.microsoft.com/office/powerpoint/2010/main" val="214976006"/>
+      </p:ext>
+    </p:extLst>
+  </p:cSld>
+  <p:clrMapOvr>
+    <a:masterClrMapping/>
+  </p:clrMapOvr>
+</p:sld>
+</file>
+
+<file path=ppt/slides/slide3.xml><?xml version="1.0" encoding="utf-8"?>
+<p:sld xmlns:a="http://schemas.openxmlformats.org/drawingml/2006/main" xmlns:r="http://schemas.openxmlformats.org/officeDocument/2006/relationships" xmlns:p="http://schemas.openxmlformats.org/presentationml/2006/main">
+  <p:cSld>
+    <p:spTree>
+      <p:nvGrpSpPr>
+        <p:cNvPr id="1" name=""/>
+        <p:cNvGrpSpPr/>
+        <p:nvPr/>
+      </p:nvGrpSpPr>
+      <p:grpSpPr>
+        <a:xfrm>
+          <a:off x="0" y="0"/>
+          <a:ext cx="0" cy="0"/>
+          <a:chOff x="0" y="0"/>
+          <a:chExt cx="0" cy="0"/>
+        </a:xfrm>
+      </p:grpSpPr>
+      <p:cxnSp>
+        <p:nvCxnSpPr>
+          <p:cNvPr id="37" name="Connecteur droit 36"/>
+          <p:cNvCxnSpPr/>
+          <p:nvPr/>
+        </p:nvCxnSpPr>
+        <p:spPr>
+          <a:xfrm>
+            <a:off x="1775520" y="3148480"/>
+            <a:ext cx="1361715" cy="0"/>
+          </a:xfrm>
+          <a:prstGeom prst="line">
+            <a:avLst/>
+          </a:prstGeom>
+          <a:ln w="19050">
+            <a:solidFill>
+              <a:schemeClr val="accent5">
+                <a:lumMod val="50000"/>
+              </a:schemeClr>
+            </a:solidFill>
+          </a:ln>
+        </p:spPr>
+        <p:style>
+          <a:lnRef idx="1">
+            <a:schemeClr val="accent1"/>
+          </a:lnRef>
+          <a:fillRef idx="0">
+            <a:schemeClr val="accent1"/>
+          </a:fillRef>
+          <a:effectRef idx="0">
+            <a:schemeClr val="accent1"/>
+          </a:effectRef>
+          <a:fontRef idx="minor">
+            <a:schemeClr val="tx1"/>
+          </a:fontRef>
+        </p:style>
+      </p:cxnSp>
+      <p:cxnSp>
+        <p:nvCxnSpPr>
+          <p:cNvPr id="41" name="Connecteur droit 40"/>
+          <p:cNvCxnSpPr/>
+          <p:nvPr/>
+        </p:nvCxnSpPr>
+        <p:spPr>
+          <a:xfrm>
+            <a:off x="1775520" y="3709520"/>
+            <a:ext cx="1440159" cy="0"/>
+          </a:xfrm>
+          <a:prstGeom prst="line">
+            <a:avLst/>
+          </a:prstGeom>
+          <a:ln w="19050">
+            <a:solidFill>
+              <a:schemeClr val="accent5">
+                <a:lumMod val="50000"/>
+              </a:schemeClr>
+            </a:solidFill>
+          </a:ln>
+        </p:spPr>
+        <p:style>
+          <a:lnRef idx="1">
+            <a:schemeClr val="accent1"/>
+          </a:lnRef>
+          <a:fillRef idx="0">
+            <a:schemeClr val="accent1"/>
+          </a:fillRef>
+          <a:effectRef idx="0">
+            <a:schemeClr val="accent1"/>
+          </a:effectRef>
+          <a:fontRef idx="minor">
+            <a:schemeClr val="tx1"/>
+          </a:fontRef>
+        </p:style>
+      </p:cxnSp>
+      <p:cxnSp>
+        <p:nvCxnSpPr>
+          <p:cNvPr id="89" name="Connecteur droit 88"/>
+          <p:cNvCxnSpPr/>
+          <p:nvPr/>
+        </p:nvCxnSpPr>
+        <p:spPr>
+          <a:xfrm>
+            <a:off x="1677473" y="3432778"/>
+            <a:ext cx="1898247" cy="0"/>
+          </a:xfrm>
+          <a:prstGeom prst="line">
+            <a:avLst/>
+          </a:prstGeom>
+          <a:ln w="9525">
+            <a:solidFill>
+              <a:schemeClr val="accent5">
+                <a:lumMod val="50000"/>
+              </a:schemeClr>
+            </a:solidFill>
+            <a:prstDash val="lgDashDot"/>
+          </a:ln>
+        </p:spPr>
+        <p:style>
+          <a:lnRef idx="1">
+            <a:schemeClr val="accent1"/>
+          </a:lnRef>
+          <a:fillRef idx="0">
+            <a:schemeClr val="accent1"/>
+          </a:fillRef>
+          <a:effectRef idx="0">
+            <a:schemeClr val="accent1"/>
+          </a:effectRef>
+          <a:fontRef idx="minor">
+            <a:schemeClr val="tx1"/>
+          </a:fontRef>
+        </p:style>
+      </p:cxnSp>
+      <p:sp>
+        <p:nvSpPr>
+          <p:cNvPr id="2" name="Éclair 1"/>
+          <p:cNvSpPr/>
+          <p:nvPr/>
+        </p:nvSpPr>
+        <p:spPr>
+          <a:xfrm>
+            <a:off x="1839966" y="2669194"/>
+            <a:ext cx="386079" cy="432048"/>
+          </a:xfrm>
+          <a:prstGeom prst="lightningBolt">
+            <a:avLst/>
+          </a:prstGeom>
+          <a:solidFill>
+            <a:srgbClr val="FFC000"/>
+          </a:solidFill>
+          <a:ln>
+            <a:solidFill>
+              <a:srgbClr val="C00000"/>
+            </a:solidFill>
+          </a:ln>
+        </p:spPr>
+        <p:style>
+          <a:lnRef idx="2">
+            <a:schemeClr val="accent1">
+              <a:shade val="50000"/>
+            </a:schemeClr>
+          </a:lnRef>
+          <a:fillRef idx="1">
+            <a:schemeClr val="accent1"/>
+          </a:fillRef>
+          <a:effectRef idx="0">
+            <a:schemeClr val="accent1"/>
+          </a:effectRef>
+          <a:fontRef idx="minor">
+            <a:schemeClr val="lt1"/>
+          </a:fontRef>
+        </p:style>
+        <p:txBody>
+          <a:bodyPr rtlCol="0" anchor="ctr"/>
+          <a:lstStyle/>
+          <a:p>
+            <a:pPr algn="ctr"/>
+            <a:endParaRPr lang="fr-FR" dirty="0"/>
+          </a:p>
+        </p:txBody>
+      </p:sp>
+      <mc:AlternateContent xmlns:mc="http://schemas.openxmlformats.org/markup-compatibility/2006">
+        <mc:Choice xmlns:a14="http://schemas.microsoft.com/office/drawing/2010/main" Requires="a14">
+          <p:sp>
+            <p:nvSpPr>
+              <p:cNvPr id="3" name="ZoneTexte 2"/>
+              <p:cNvSpPr txBox="1"/>
+              <p:nvPr/>
+            </p:nvSpPr>
+            <p:spPr>
+              <a:xfrm>
+                <a:off x="1011484" y="2802967"/>
+                <a:ext cx="852990" cy="184666"/>
+              </a:xfrm>
+              <a:prstGeom prst="rect">
+                <a:avLst/>
+              </a:prstGeom>
+              <a:noFill/>
+            </p:spPr>
+            <p:txBody>
+              <a:bodyPr wrap="none" lIns="0" tIns="0" rIns="0" bIns="0" rtlCol="0">
+                <a:spAutoFit/>
+              </a:bodyPr>
+              <a:lstStyle/>
+              <a:p>
+                <a14:m>
+                  <m:oMathPara xmlns:m="http://schemas.openxmlformats.org/officeDocument/2006/math">
+                    <m:oMathParaPr>
+                      <m:jc m:val="centerGroup"/>
+                    </m:oMathParaPr>
+                    <m:oMath xmlns:m="http://schemas.openxmlformats.org/officeDocument/2006/math">
+                      <m:d>
+                        <m:dPr>
+                          <m:begChr m:val="{"/>
+                          <m:endChr m:val="}"/>
+                          <m:ctrlPr>
+                            <a:rPr lang="fr-FR" sz="1200" i="1" smtClean="0">
+                              <a:latin typeface="Cambria Math" panose="02040503050406030204" pitchFamily="18" charset="0"/>
+                            </a:rPr>
+                          </m:ctrlPr>
+                        </m:dPr>
+                        <m:e>
+                          <m:r>
+                            <a:rPr lang="fr-FR" sz="1200" i="1" smtClean="0">
+                              <a:latin typeface="Cambria Math" panose="02040503050406030204" pitchFamily="18" charset="0"/>
+                              <a:ea typeface="Cambria Math" panose="02040503050406030204" pitchFamily="18" charset="0"/>
+                            </a:rPr>
+                            <m:t>𝒯</m:t>
+                          </m:r>
+                          <m:d>
+                            <m:dPr>
+                              <m:ctrlPr>
+                                <a:rPr lang="fr-FR" sz="1200" i="1" smtClean="0">
+                                  <a:latin typeface="Cambria Math" panose="02040503050406030204" pitchFamily="18" charset="0"/>
+                                  <a:ea typeface="Cambria Math" panose="02040503050406030204" pitchFamily="18" charset="0"/>
+                                </a:rPr>
+                              </m:ctrlPr>
+                            </m:dPr>
+                            <m:e>
+                              <m:r>
+                                <m:rPr>
+                                  <m:sty m:val="p"/>
+                                </m:rPr>
+                                <a:rPr lang="fr-FR" sz="1200" b="0" i="0" smtClean="0">
+                                  <a:latin typeface="Cambria Math" panose="02040503050406030204" pitchFamily="18" charset="0"/>
+                                  <a:ea typeface="Cambria Math" panose="02040503050406030204" pitchFamily="18" charset="0"/>
+                                </a:rPr>
+                                <m:t>ext</m:t>
+                              </m:r>
+                              <m:r>
+                                <a:rPr lang="fr-FR" sz="1200" b="0" i="1" smtClean="0">
+                                  <a:latin typeface="Cambria Math" panose="02040503050406030204" pitchFamily="18" charset="0"/>
+                                  <a:ea typeface="Cambria Math" panose="02040503050406030204" pitchFamily="18" charset="0"/>
+                                </a:rPr>
+                                <m:t>→</m:t>
+                              </m:r>
+                              <m:r>
+                                <m:rPr>
+                                  <m:sty m:val="p"/>
+                                </m:rPr>
+                                <a:rPr lang="fr-FR" sz="1200" b="0" i="0" smtClean="0">
+                                  <a:latin typeface="Cambria Math" panose="02040503050406030204" pitchFamily="18" charset="0"/>
+                                  <a:ea typeface="Cambria Math" panose="02040503050406030204" pitchFamily="18" charset="0"/>
+                                </a:rPr>
+                                <m:t>I</m:t>
+                              </m:r>
+                            </m:e>
+                          </m:d>
+                        </m:e>
+                      </m:d>
+                    </m:oMath>
+                  </m:oMathPara>
+                </a14:m>
+                <a:endParaRPr lang="fr-FR" dirty="0"/>
+              </a:p>
+            </p:txBody>
+          </p:sp>
+        </mc:Choice>
+        <mc:Fallback>
+          <p:sp>
+            <p:nvSpPr>
+              <p:cNvPr id="3" name="ZoneTexte 2"/>
+              <p:cNvSpPr txBox="1">
+                <a:spLocks noRot="1" noChangeAspect="1" noMove="1" noResize="1" noEditPoints="1" noAdjustHandles="1" noChangeArrowheads="1" noChangeShapeType="1" noTextEdit="1"/>
+              </p:cNvSpPr>
+              <p:nvPr/>
+            </p:nvSpPr>
+            <p:spPr>
+              <a:xfrm>
+                <a:off x="1011484" y="2802967"/>
+                <a:ext cx="852990" cy="184666"/>
+              </a:xfrm>
+              <a:prstGeom prst="rect">
+                <a:avLst/>
+              </a:prstGeom>
+              <a:blipFill>
+                <a:blip r:embed="rId2"/>
+                <a:stretch>
+                  <a:fillRect b="-6667"/>
+                </a:stretch>
+              </a:blipFill>
+            </p:spPr>
+            <p:txBody>
+              <a:bodyPr/>
+              <a:lstStyle/>
+              <a:p>
+                <a:r>
+                  <a:rPr lang="fr-FR">
+                    <a:noFill/>
+                  </a:rPr>
+                  <a:t> </a:t>
+                </a:r>
+              </a:p>
+            </p:txBody>
+          </p:sp>
+        </mc:Fallback>
+      </mc:AlternateContent>
+      <p:sp>
+        <p:nvSpPr>
+          <p:cNvPr id="4" name="Forme libre 3"/>
+          <p:cNvSpPr/>
+          <p:nvPr/>
+        </p:nvSpPr>
+        <p:spPr>
+          <a:xfrm rot="21318374">
+            <a:off x="3066056" y="3011556"/>
+            <a:ext cx="238540" cy="834887"/>
+          </a:xfrm>
+          <a:custGeom>
+            <a:avLst/>
+            <a:gdLst>
+              <a:gd name="connsiteX0" fmla="*/ 0 w 238540"/>
+              <a:gd name="connsiteY0" fmla="*/ 0 h 834887"/>
+              <a:gd name="connsiteX1" fmla="*/ 238540 w 238540"/>
+              <a:gd name="connsiteY1" fmla="*/ 834887 h 834887"/>
+              <a:gd name="connsiteX0" fmla="*/ 0 w 238540"/>
+              <a:gd name="connsiteY0" fmla="*/ 0 h 834887"/>
+              <a:gd name="connsiteX1" fmla="*/ 238540 w 238540"/>
+              <a:gd name="connsiteY1" fmla="*/ 834887 h 834887"/>
+              <a:gd name="connsiteX0" fmla="*/ 0 w 238540"/>
+              <a:gd name="connsiteY0" fmla="*/ 0 h 834887"/>
+              <a:gd name="connsiteX1" fmla="*/ 238540 w 238540"/>
+              <a:gd name="connsiteY1" fmla="*/ 834887 h 834887"/>
+            </a:gdLst>
+            <a:ahLst/>
+            <a:cxnLst>
+              <a:cxn ang="0">
+                <a:pos x="connsiteX0" y="connsiteY0"/>
+              </a:cxn>
+              <a:cxn ang="0">
+                <a:pos x="connsiteX1" y="connsiteY1"/>
+              </a:cxn>
+            </a:cxnLst>
+            <a:rect l="l" t="t" r="r" b="b"/>
+            <a:pathLst>
+              <a:path w="238540" h="834887">
+                <a:moveTo>
+                  <a:pt x="0" y="0"/>
+                </a:moveTo>
+                <a:cubicBezTo>
+                  <a:pt x="243840" y="66260"/>
+                  <a:pt x="-45056" y="744772"/>
+                  <a:pt x="238540" y="834887"/>
+                </a:cubicBezTo>
+              </a:path>
+            </a:pathLst>
+          </a:custGeom>
+          <a:noFill/>
+          <a:ln>
+            <a:solidFill>
+              <a:srgbClr val="C00000"/>
+            </a:solidFill>
+          </a:ln>
+        </p:spPr>
+        <p:style>
+          <a:lnRef idx="2">
+            <a:schemeClr val="accent1">
+              <a:shade val="50000"/>
+            </a:schemeClr>
+          </a:lnRef>
+          <a:fillRef idx="1">
+            <a:schemeClr val="accent1"/>
+          </a:fillRef>
+          <a:effectRef idx="0">
+            <a:schemeClr val="accent1"/>
+          </a:effectRef>
+          <a:fontRef idx="minor">
+            <a:schemeClr val="lt1"/>
+          </a:fontRef>
+        </p:style>
+        <p:txBody>
+          <a:bodyPr rtlCol="0" anchor="ctr"/>
+          <a:lstStyle/>
+          <a:p>
+            <a:pPr algn="ctr"/>
+            <a:endParaRPr lang="fr-FR"/>
+          </a:p>
+        </p:txBody>
+      </p:sp>
+      <mc:AlternateContent xmlns:mc="http://schemas.openxmlformats.org/markup-compatibility/2006">
+        <mc:Choice xmlns:a14="http://schemas.microsoft.com/office/drawing/2010/main" Requires="a14">
+          <p:sp>
+            <p:nvSpPr>
+              <p:cNvPr id="5" name="Ellipse 4"/>
+              <p:cNvSpPr/>
+              <p:nvPr/>
+            </p:nvSpPr>
+            <p:spPr>
+              <a:xfrm>
+                <a:off x="2423592" y="3186396"/>
+                <a:ext cx="216024" cy="216024"/>
+              </a:xfrm>
+              <a:prstGeom prst="ellipse">
+                <a:avLst/>
+              </a:prstGeom>
+              <a:solidFill>
+                <a:schemeClr val="accent5">
+                  <a:lumMod val="20000"/>
+                  <a:lumOff val="80000"/>
+                </a:schemeClr>
+              </a:solidFill>
+              <a:ln w="19050">
+                <a:solidFill>
+                  <a:schemeClr val="accent5">
+                    <a:lumMod val="50000"/>
+                  </a:schemeClr>
+                </a:solidFill>
+              </a:ln>
+            </p:spPr>
+            <p:style>
+              <a:lnRef idx="2">
+                <a:schemeClr val="accent1">
+                  <a:shade val="50000"/>
+                </a:schemeClr>
+              </a:lnRef>
+              <a:fillRef idx="1">
+                <a:schemeClr val="accent1"/>
+              </a:fillRef>
+              <a:effectRef idx="0">
+                <a:schemeClr val="accent1"/>
+              </a:effectRef>
+              <a:fontRef idx="minor">
+                <a:schemeClr val="lt1"/>
+              </a:fontRef>
+            </p:style>
+            <p:txBody>
+              <a:bodyPr lIns="0" tIns="0" rIns="0" bIns="0" rtlCol="0" anchor="ctr"/>
+              <a:lstStyle/>
+              <a:p>
+                <a:pPr algn="ctr"/>
+                <a14:m>
+                  <m:oMathPara xmlns:m="http://schemas.openxmlformats.org/officeDocument/2006/math">
+                    <m:oMathParaPr>
+                      <m:jc m:val="centerGroup"/>
+                    </m:oMathParaPr>
+                    <m:oMath xmlns:m="http://schemas.openxmlformats.org/officeDocument/2006/math">
+                      <m:r>
+                        <a:rPr lang="fr-FR" sz="1050" b="1" i="0" smtClean="0">
+                          <a:solidFill>
+                            <a:schemeClr val="tx1"/>
+                          </a:solidFill>
+                          <a:latin typeface="Cambria Math" panose="02040503050406030204" pitchFamily="18" charset="0"/>
+                        </a:rPr>
+                        <m:t>𝐈</m:t>
+                      </m:r>
+                    </m:oMath>
+                  </m:oMathPara>
+                </a14:m>
+                <a:endParaRPr lang="fr-FR" b="1" dirty="0"/>
+              </a:p>
+            </p:txBody>
+          </p:sp>
+        </mc:Choice>
+        <mc:Fallback>
+          <p:sp>
+            <p:nvSpPr>
+              <p:cNvPr id="5" name="Ellipse 4"/>
+              <p:cNvSpPr>
+                <a:spLocks noRot="1" noChangeAspect="1" noMove="1" noResize="1" noEditPoints="1" noAdjustHandles="1" noChangeArrowheads="1" noChangeShapeType="1" noTextEdit="1"/>
+              </p:cNvSpPr>
+              <p:nvPr/>
+            </p:nvSpPr>
+            <p:spPr>
+              <a:xfrm>
+                <a:off x="2423592" y="3186396"/>
+                <a:ext cx="216024" cy="216024"/>
+              </a:xfrm>
+              <a:prstGeom prst="ellipse">
+                <a:avLst/>
+              </a:prstGeom>
+              <a:blipFill>
+                <a:blip r:embed="rId3"/>
+                <a:stretch>
+                  <a:fillRect/>
+                </a:stretch>
+              </a:blipFill>
+              <a:ln w="19050">
+                <a:solidFill>
+                  <a:schemeClr val="accent5">
+                    <a:lumMod val="50000"/>
+                  </a:schemeClr>
+                </a:solidFill>
+              </a:ln>
+            </p:spPr>
+            <p:txBody>
+              <a:bodyPr/>
+              <a:lstStyle/>
+              <a:p>
+                <a:r>
+                  <a:rPr lang="fr-FR">
+                    <a:noFill/>
+                  </a:rPr>
+                  <a:t> </a:t>
+                </a:r>
+              </a:p>
+            </p:txBody>
+          </p:sp>
+        </mc:Fallback>
+      </mc:AlternateContent>
+      <mc:AlternateContent xmlns:mc="http://schemas.openxmlformats.org/markup-compatibility/2006">
+        <mc:Choice xmlns:a14="http://schemas.microsoft.com/office/drawing/2010/main" Requires="a14">
+          <p:sp>
+            <p:nvSpPr>
+              <p:cNvPr id="7" name="Rectangle 6"/>
+              <p:cNvSpPr/>
+              <p:nvPr/>
+            </p:nvSpPr>
+            <p:spPr>
+              <a:xfrm>
+                <a:off x="3182800" y="3167390"/>
+                <a:ext cx="311111" cy="261610"/>
+              </a:xfrm>
+              <a:prstGeom prst="rect">
+                <a:avLst/>
+              </a:prstGeom>
+            </p:spPr>
+            <p:txBody>
+              <a:bodyPr wrap="none">
+                <a:spAutoFit/>
+              </a:bodyPr>
+              <a:lstStyle/>
+              <a:p>
+                <a14:m>
+                  <m:oMathPara xmlns:m="http://schemas.openxmlformats.org/officeDocument/2006/math">
+                    <m:oMathParaPr>
+                      <m:jc m:val="centerGroup"/>
+                    </m:oMathParaPr>
+                    <m:oMath xmlns:m="http://schemas.openxmlformats.org/officeDocument/2006/math">
+                      <m:r>
+                        <a:rPr lang="fr-FR" sz="1100" b="0" i="1" smtClean="0">
+                          <a:latin typeface="Cambria Math" panose="02040503050406030204" pitchFamily="18" charset="0"/>
+                        </a:rPr>
+                        <m:t>𝐺</m:t>
+                      </m:r>
+                    </m:oMath>
+                  </m:oMathPara>
+                </a14:m>
+                <a:endParaRPr lang="fr-FR" sz="1100" i="1" dirty="0"/>
+              </a:p>
+            </p:txBody>
+          </p:sp>
+        </mc:Choice>
+        <mc:Fallback>
+          <p:sp>
+            <p:nvSpPr>
+              <p:cNvPr id="7" name="Rectangle 6"/>
+              <p:cNvSpPr>
+                <a:spLocks noRot="1" noChangeAspect="1" noMove="1" noResize="1" noEditPoints="1" noAdjustHandles="1" noChangeArrowheads="1" noChangeShapeType="1" noTextEdit="1"/>
+              </p:cNvSpPr>
+              <p:nvPr/>
+            </p:nvSpPr>
+            <p:spPr>
+              <a:xfrm>
+                <a:off x="3182800" y="3167390"/>
+                <a:ext cx="311111" cy="261610"/>
+              </a:xfrm>
+              <a:prstGeom prst="rect">
+                <a:avLst/>
+              </a:prstGeom>
+              <a:blipFill>
+                <a:blip r:embed="rId4"/>
+                <a:stretch>
+                  <a:fillRect/>
+                </a:stretch>
+              </a:blipFill>
+            </p:spPr>
+            <p:txBody>
+              <a:bodyPr/>
+              <a:lstStyle/>
+              <a:p>
+                <a:r>
+                  <a:rPr lang="fr-FR">
+                    <a:noFill/>
+                  </a:rPr>
+                  <a:t> </a:t>
+                </a:r>
+              </a:p>
+            </p:txBody>
+          </p:sp>
+        </mc:Fallback>
+      </mc:AlternateContent>
+      <p:cxnSp>
+        <p:nvCxnSpPr>
+          <p:cNvPr id="14" name="Connecteur droit 13"/>
+          <p:cNvCxnSpPr/>
+          <p:nvPr/>
+        </p:nvCxnSpPr>
+        <p:spPr>
+          <a:xfrm>
+            <a:off x="1775518" y="3148480"/>
+            <a:ext cx="2" cy="561040"/>
+          </a:xfrm>
+          <a:prstGeom prst="line">
+            <a:avLst/>
+          </a:prstGeom>
+          <a:ln w="19050">
+            <a:solidFill>
+              <a:schemeClr val="accent5">
+                <a:lumMod val="50000"/>
+              </a:schemeClr>
+            </a:solidFill>
+          </a:ln>
+        </p:spPr>
+        <p:style>
+          <a:lnRef idx="1">
+            <a:schemeClr val="accent1"/>
+          </a:lnRef>
+          <a:fillRef idx="0">
+            <a:schemeClr val="accent1"/>
+          </a:fillRef>
+          <a:effectRef idx="0">
+            <a:schemeClr val="accent1"/>
+          </a:effectRef>
+          <a:fontRef idx="minor">
+            <a:schemeClr val="tx1"/>
+          </a:fontRef>
+        </p:style>
+      </p:cxnSp>
+      <p:grpSp>
+        <p:nvGrpSpPr>
+          <p:cNvPr id="20" name="Groupe 19"/>
+          <p:cNvGrpSpPr/>
+          <p:nvPr/>
+        </p:nvGrpSpPr>
+        <p:grpSpPr>
+          <a:xfrm>
+            <a:off x="2983732" y="2652517"/>
+            <a:ext cx="949354" cy="998588"/>
+            <a:chOff x="875664" y="487400"/>
+            <a:chExt cx="949353" cy="998588"/>
+          </a:xfrm>
+        </p:grpSpPr>
+        <p:cxnSp>
+          <p:nvCxnSpPr>
+            <p:cNvPr id="21" name="Connecteur droit 20"/>
+            <p:cNvCxnSpPr/>
+            <p:nvPr/>
+          </p:nvCxnSpPr>
+          <p:spPr>
+            <a:xfrm flipV="1">
+              <a:off x="1065699" y="536583"/>
+              <a:ext cx="0" cy="734599"/>
+            </a:xfrm>
+            <a:prstGeom prst="line">
+              <a:avLst/>
+            </a:prstGeom>
+            <a:ln w="12700">
+              <a:solidFill>
+                <a:schemeClr val="accent5">
+                  <a:lumMod val="50000"/>
+                </a:schemeClr>
+              </a:solidFill>
+              <a:tailEnd type="stealth" w="med" len="lg"/>
+            </a:ln>
+          </p:spPr>
+          <p:style>
+            <a:lnRef idx="1">
+              <a:schemeClr val="accent1"/>
+            </a:lnRef>
+            <a:fillRef idx="0">
+              <a:schemeClr val="accent1"/>
+            </a:fillRef>
+            <a:effectRef idx="0">
+              <a:schemeClr val="accent1"/>
+            </a:effectRef>
+            <a:fontRef idx="minor">
+              <a:schemeClr val="tx1"/>
+            </a:fontRef>
+          </p:style>
+        </p:cxnSp>
+        <p:cxnSp>
+          <p:nvCxnSpPr>
+            <p:cNvPr id="22" name="Connecteur droit 21"/>
+            <p:cNvCxnSpPr/>
+            <p:nvPr/>
+          </p:nvCxnSpPr>
+          <p:spPr>
+            <a:xfrm rot="5400000" flipV="1">
+              <a:off x="1432999" y="905821"/>
+              <a:ext cx="0" cy="734599"/>
+            </a:xfrm>
+            <a:prstGeom prst="line">
+              <a:avLst/>
+            </a:prstGeom>
+            <a:ln w="12700">
+              <a:solidFill>
+                <a:schemeClr val="accent5">
+                  <a:lumMod val="50000"/>
+                </a:schemeClr>
+              </a:solidFill>
+              <a:tailEnd type="stealth" w="med" len="lg"/>
+            </a:ln>
+          </p:spPr>
+          <p:style>
+            <a:lnRef idx="1">
+              <a:schemeClr val="accent1"/>
+            </a:lnRef>
+            <a:fillRef idx="0">
+              <a:schemeClr val="accent1"/>
+            </a:fillRef>
+            <a:effectRef idx="0">
+              <a:schemeClr val="accent1"/>
+            </a:effectRef>
+            <a:fontRef idx="minor">
+              <a:schemeClr val="tx1"/>
+            </a:fontRef>
+          </p:style>
+        </p:cxnSp>
+        <p:grpSp>
+          <p:nvGrpSpPr>
+            <p:cNvPr id="23" name="Groupe 22"/>
+            <p:cNvGrpSpPr/>
+            <p:nvPr/>
+          </p:nvGrpSpPr>
+          <p:grpSpPr>
+            <a:xfrm>
+              <a:off x="1012602" y="1220060"/>
+              <a:ext cx="108000" cy="108000"/>
+              <a:chOff x="1009427" y="1223235"/>
+              <a:chExt cx="108000" cy="108000"/>
+            </a:xfrm>
+          </p:grpSpPr>
+          <p:sp>
+            <p:nvSpPr>
+              <p:cNvPr id="26" name="Ellipse 25"/>
+              <p:cNvSpPr/>
+              <p:nvPr/>
+            </p:nvSpPr>
+            <p:spPr>
+              <a:xfrm>
+                <a:off x="1009427" y="1223235"/>
+                <a:ext cx="108000" cy="108000"/>
+              </a:xfrm>
+              <a:prstGeom prst="ellipse">
+                <a:avLst/>
+              </a:prstGeom>
+              <a:solidFill>
+                <a:schemeClr val="bg1"/>
+              </a:solidFill>
+              <a:ln w="12700">
+                <a:solidFill>
+                  <a:schemeClr val="accent5">
+                    <a:lumMod val="50000"/>
+                  </a:schemeClr>
+                </a:solidFill>
+                <a:tailEnd type="stealth" w="med" len="lg"/>
+              </a:ln>
+            </p:spPr>
+            <p:style>
+              <a:lnRef idx="1">
+                <a:schemeClr val="accent1"/>
+              </a:lnRef>
+              <a:fillRef idx="0">
+                <a:schemeClr val="accent1"/>
+              </a:fillRef>
+              <a:effectRef idx="0">
+                <a:schemeClr val="accent1"/>
+              </a:effectRef>
+              <a:fontRef idx="minor">
+                <a:schemeClr val="tx1"/>
+              </a:fontRef>
+            </p:style>
+            <p:txBody>
+              <a:bodyPr rtlCol="0" anchor="ctr"/>
+              <a:lstStyle/>
+              <a:p>
+                <a:pPr algn="ctr"/>
+                <a:endParaRPr lang="fr-FR"/>
+              </a:p>
+            </p:txBody>
+          </p:sp>
+          <p:sp>
+            <p:nvSpPr>
+              <p:cNvPr id="27" name="Ellipse 26"/>
+              <p:cNvSpPr/>
+              <p:nvPr/>
+            </p:nvSpPr>
+            <p:spPr>
+              <a:xfrm flipH="1" flipV="1">
+                <a:off x="1045427" y="1259235"/>
+                <a:ext cx="36000" cy="36000"/>
+              </a:xfrm>
+              <a:prstGeom prst="ellipse">
+                <a:avLst/>
+              </a:prstGeom>
+              <a:solidFill>
+                <a:schemeClr val="accent5">
+                  <a:lumMod val="50000"/>
+                </a:schemeClr>
+              </a:solidFill>
+              <a:ln w="12700">
+                <a:solidFill>
+                  <a:schemeClr val="accent5">
+                    <a:lumMod val="50000"/>
+                  </a:schemeClr>
+                </a:solidFill>
+                <a:tailEnd type="stealth" w="med" len="lg"/>
+              </a:ln>
+            </p:spPr>
+            <p:style>
+              <a:lnRef idx="1">
+                <a:schemeClr val="accent1"/>
+              </a:lnRef>
+              <a:fillRef idx="0">
+                <a:schemeClr val="accent1"/>
+              </a:fillRef>
+              <a:effectRef idx="0">
+                <a:schemeClr val="accent1"/>
+              </a:effectRef>
+              <a:fontRef idx="minor">
+                <a:schemeClr val="tx1"/>
+              </a:fontRef>
+            </p:style>
+            <p:txBody>
+              <a:bodyPr rtlCol="0" anchor="ctr"/>
+              <a:lstStyle/>
+              <a:p>
+                <a:pPr algn="ctr"/>
+                <a:endParaRPr lang="fr-FR"/>
+              </a:p>
+            </p:txBody>
+          </p:sp>
+        </p:grpSp>
+        <mc:AlternateContent xmlns:mc="http://schemas.openxmlformats.org/markup-compatibility/2006" xmlns:a14="http://schemas.microsoft.com/office/drawing/2010/main">
+          <mc:Choice Requires="a14">
+            <p:sp>
+              <p:nvSpPr>
+                <p:cNvPr id="24" name="ZoneTexte 23"/>
+                <p:cNvSpPr txBox="1"/>
+                <p:nvPr/>
+              </p:nvSpPr>
+              <p:spPr>
+                <a:xfrm>
+                  <a:off x="1703317" y="1037793"/>
+                  <a:ext cx="121700" cy="184666"/>
+                </a:xfrm>
+                <a:prstGeom prst="rect">
+                  <a:avLst/>
+                </a:prstGeom>
+                <a:noFill/>
+              </p:spPr>
+              <p:txBody>
+                <a:bodyPr wrap="none" lIns="0" tIns="0" rIns="0" bIns="0" rtlCol="0">
+                  <a:spAutoFit/>
+                </a:bodyPr>
+                <a:lstStyle/>
+                <a:p>
+                  <a:pPr/>
+                  <a14:m>
+                    <m:oMathPara xmlns:m="http://schemas.openxmlformats.org/officeDocument/2006/math">
+                      <m:oMathParaPr>
+                        <m:jc m:val="centerGroup"/>
+                      </m:oMathParaPr>
+                      <m:oMath xmlns:m="http://schemas.openxmlformats.org/officeDocument/2006/math">
+                        <m:acc>
+                          <m:accPr>
+                            <m:chr m:val="⃗"/>
+                            <m:ctrlPr>
+                              <a:rPr lang="fr-FR" sz="1200" i="1">
+                                <a:latin typeface="Cambria Math" panose="02040503050406030204" pitchFamily="18" charset="0"/>
+                              </a:rPr>
+                            </m:ctrlPr>
+                          </m:accPr>
+                          <m:e>
+                            <m:r>
+                              <a:rPr lang="fr-FR" sz="1200" i="1">
+                                <a:latin typeface="Cambria Math" panose="02040503050406030204" pitchFamily="18" charset="0"/>
+                              </a:rPr>
+                              <m:t>𝑥</m:t>
+                            </m:r>
+                          </m:e>
+                        </m:acc>
+                      </m:oMath>
+                    </m:oMathPara>
+                  </a14:m>
+                  <a:endParaRPr lang="fr-FR" sz="1200" dirty="0"/>
+                </a:p>
+              </p:txBody>
+            </p:sp>
+          </mc:Choice>
+          <mc:Fallback xmlns="">
+            <p:sp>
+              <p:nvSpPr>
+                <p:cNvPr id="44" name="ZoneTexte 43"/>
+                <p:cNvSpPr txBox="1">
+                  <a:spLocks noRot="1" noChangeAspect="1" noMove="1" noResize="1" noEditPoints="1" noAdjustHandles="1" noChangeArrowheads="1" noChangeShapeType="1" noTextEdit="1"/>
+                </p:cNvSpPr>
+                <p:nvPr/>
+              </p:nvSpPr>
+              <p:spPr>
+                <a:xfrm>
+                  <a:off x="1703317" y="1037793"/>
+                  <a:ext cx="121700" cy="184666"/>
+                </a:xfrm>
+                <a:prstGeom prst="rect">
+                  <a:avLst/>
+                </a:prstGeom>
+                <a:blipFill>
+                  <a:blip r:embed="rId5"/>
+                  <a:stretch>
+                    <a:fillRect l="-20000" t="-25806" r="-85000"/>
+                  </a:stretch>
+                </a:blipFill>
+              </p:spPr>
+              <p:txBody>
+                <a:bodyPr/>
+                <a:lstStyle/>
+                <a:p>
+                  <a:r>
+                    <a:rPr lang="fr-FR">
+                      <a:noFill/>
+                    </a:rPr>
+                    <a:t> </a:t>
+                  </a:r>
+                </a:p>
+              </p:txBody>
+            </p:sp>
+          </mc:Fallback>
+        </mc:AlternateContent>
+        <mc:AlternateContent xmlns:mc="http://schemas.openxmlformats.org/markup-compatibility/2006" xmlns:a14="http://schemas.microsoft.com/office/drawing/2010/main">
+          <mc:Choice Requires="a14">
+            <p:sp>
+              <p:nvSpPr>
+                <p:cNvPr id="25" name="ZoneTexte 24"/>
+                <p:cNvSpPr txBox="1"/>
+                <p:nvPr/>
+              </p:nvSpPr>
+              <p:spPr>
+                <a:xfrm>
+                  <a:off x="1121257" y="487400"/>
+                  <a:ext cx="124458" cy="184666"/>
+                </a:xfrm>
+                <a:prstGeom prst="rect">
+                  <a:avLst/>
+                </a:prstGeom>
+                <a:noFill/>
+              </p:spPr>
+              <p:txBody>
+                <a:bodyPr wrap="none" lIns="0" tIns="0" rIns="0" bIns="0" rtlCol="0">
+                  <a:spAutoFit/>
+                </a:bodyPr>
+                <a:lstStyle/>
+                <a:p>
+                  <a:pPr/>
+                  <a14:m>
+                    <m:oMathPara xmlns:m="http://schemas.openxmlformats.org/officeDocument/2006/math">
+                      <m:oMathParaPr>
+                        <m:jc m:val="centerGroup"/>
+                      </m:oMathParaPr>
+                      <m:oMath xmlns:m="http://schemas.openxmlformats.org/officeDocument/2006/math">
+                        <m:acc>
+                          <m:accPr>
+                            <m:chr m:val="⃗"/>
+                            <m:ctrlPr>
+                              <a:rPr lang="fr-FR" sz="1200" i="1">
+                                <a:latin typeface="Cambria Math" panose="02040503050406030204" pitchFamily="18" charset="0"/>
+                              </a:rPr>
+                            </m:ctrlPr>
+                          </m:accPr>
+                          <m:e>
+                            <m:r>
+                              <a:rPr lang="fr-FR" sz="1200" i="1">
+                                <a:latin typeface="Cambria Math" panose="02040503050406030204" pitchFamily="18" charset="0"/>
+                              </a:rPr>
+                              <m:t>𝑦</m:t>
+                            </m:r>
+                          </m:e>
+                        </m:acc>
+                      </m:oMath>
+                    </m:oMathPara>
+                  </a14:m>
+                  <a:endParaRPr lang="fr-FR" sz="1200" dirty="0"/>
+                </a:p>
+              </p:txBody>
+            </p:sp>
+          </mc:Choice>
+          <mc:Fallback xmlns="">
+            <p:sp>
+              <p:nvSpPr>
+                <p:cNvPr id="45" name="ZoneTexte 44"/>
+                <p:cNvSpPr txBox="1">
+                  <a:spLocks noRot="1" noChangeAspect="1" noMove="1" noResize="1" noEditPoints="1" noAdjustHandles="1" noChangeArrowheads="1" noChangeShapeType="1" noTextEdit="1"/>
+                </p:cNvSpPr>
+                <p:nvPr/>
+              </p:nvSpPr>
+              <p:spPr>
+                <a:xfrm>
+                  <a:off x="1121257" y="487400"/>
+                  <a:ext cx="124458" cy="184666"/>
+                </a:xfrm>
+                <a:prstGeom prst="rect">
+                  <a:avLst/>
+                </a:prstGeom>
+                <a:blipFill>
+                  <a:blip r:embed="rId6"/>
+                  <a:stretch>
+                    <a:fillRect l="-30000" t="-26667" r="-85000" b="-23333"/>
+                  </a:stretch>
+                </a:blipFill>
+              </p:spPr>
+              <p:txBody>
+                <a:bodyPr/>
+                <a:lstStyle/>
+                <a:p>
+                  <a:r>
+                    <a:rPr lang="fr-FR">
+                      <a:noFill/>
+                    </a:rPr>
+                    <a:t> </a:t>
+                  </a:r>
+                </a:p>
+              </p:txBody>
+            </p:sp>
+          </mc:Fallback>
+        </mc:AlternateContent>
+        <mc:AlternateContent xmlns:mc="http://schemas.openxmlformats.org/markup-compatibility/2006">
+          <mc:Choice xmlns:a14="http://schemas.microsoft.com/office/drawing/2010/main" Requires="a14">
+            <p:sp>
+              <p:nvSpPr>
+                <p:cNvPr id="28" name="ZoneTexte 27"/>
+                <p:cNvSpPr txBox="1"/>
+                <p:nvPr/>
+              </p:nvSpPr>
+              <p:spPr>
+                <a:xfrm>
+                  <a:off x="875664" y="1301322"/>
+                  <a:ext cx="111634" cy="184666"/>
+                </a:xfrm>
+                <a:prstGeom prst="rect">
+                  <a:avLst/>
+                </a:prstGeom>
+                <a:noFill/>
+              </p:spPr>
+              <p:txBody>
+                <a:bodyPr wrap="none" lIns="0" tIns="0" rIns="0" bIns="0" rtlCol="0">
+                  <a:spAutoFit/>
+                </a:bodyPr>
+                <a:lstStyle/>
+                <a:p>
+                  <a:pPr/>
+                  <a14:m>
+                    <m:oMathPara xmlns:m="http://schemas.openxmlformats.org/officeDocument/2006/math">
+                      <m:oMathParaPr>
+                        <m:jc m:val="centerGroup"/>
+                      </m:oMathParaPr>
+                      <m:oMath xmlns:m="http://schemas.openxmlformats.org/officeDocument/2006/math">
+                        <m:acc>
+                          <m:accPr>
+                            <m:chr m:val="⃗"/>
+                            <m:ctrlPr>
+                              <a:rPr lang="fr-FR" sz="1200" i="1" smtClean="0">
+                                <a:latin typeface="Cambria Math" panose="02040503050406030204" pitchFamily="18" charset="0"/>
+                              </a:rPr>
+                            </m:ctrlPr>
+                          </m:accPr>
+                          <m:e>
+                            <m:r>
+                              <a:rPr lang="fr-FR" sz="1200" b="0" i="1" smtClean="0">
+                                <a:latin typeface="Cambria Math" panose="02040503050406030204" pitchFamily="18" charset="0"/>
+                              </a:rPr>
+                              <m:t>𝑧</m:t>
+                            </m:r>
+                          </m:e>
+                        </m:acc>
+                      </m:oMath>
+                    </m:oMathPara>
+                  </a14:m>
+                  <a:endParaRPr lang="fr-FR" sz="1200" dirty="0"/>
+                </a:p>
+              </p:txBody>
+            </p:sp>
+          </mc:Choice>
+          <mc:Fallback>
+            <p:sp>
+              <p:nvSpPr>
+                <p:cNvPr id="28" name="ZoneTexte 27"/>
+                <p:cNvSpPr txBox="1">
+                  <a:spLocks noRot="1" noChangeAspect="1" noMove="1" noResize="1" noEditPoints="1" noAdjustHandles="1" noChangeArrowheads="1" noChangeShapeType="1" noTextEdit="1"/>
+                </p:cNvSpPr>
+                <p:nvPr/>
+              </p:nvSpPr>
+              <p:spPr>
+                <a:xfrm>
+                  <a:off x="875664" y="1301322"/>
+                  <a:ext cx="111634" cy="184666"/>
+                </a:xfrm>
+                <a:prstGeom prst="rect">
+                  <a:avLst/>
+                </a:prstGeom>
+                <a:blipFill>
+                  <a:blip r:embed="rId7"/>
+                  <a:stretch>
+                    <a:fillRect l="-15789" t="-30000" r="-89474"/>
+                  </a:stretch>
+                </a:blipFill>
+              </p:spPr>
+              <p:txBody>
+                <a:bodyPr/>
+                <a:lstStyle/>
+                <a:p>
+                  <a:r>
+                    <a:rPr lang="fr-FR">
+                      <a:noFill/>
+                    </a:rPr>
+                    <a:t> </a:t>
+                  </a:r>
+                </a:p>
+              </p:txBody>
+            </p:sp>
+          </mc:Fallback>
+        </mc:AlternateContent>
+      </p:grpSp>
+    </p:spTree>
+    <p:extLst>
+      <p:ext uri="{BB962C8B-B14F-4D97-AF65-F5344CB8AC3E}">
+        <p14:creationId xmlns:p14="http://schemas.microsoft.com/office/powerpoint/2010/main" val="45625492"/>
+      </p:ext>
+    </p:extLst>
+  </p:cSld>
+  <p:clrMapOvr>
+    <a:masterClrMapping/>
+  </p:clrMapOvr>
+</p:sld>
+</file>
+
+<file path=ppt/slides/slide4.xml><?xml version="1.0" encoding="utf-8"?>
 <p:sld xmlns:a="http://schemas.openxmlformats.org/drawingml/2006/main" xmlns:r="http://schemas.openxmlformats.org/officeDocument/2006/relationships" xmlns:p="http://schemas.openxmlformats.org/presentationml/2006/main">
   <p:cSld>
     <p:spTree>
@@ -7767,7 +9872,7 @@
 </p:sld>
 </file>
 
-<file path=ppt/slides/slide3.xml><?xml version="1.0" encoding="utf-8"?>
+<file path=ppt/slides/slide5.xml><?xml version="1.0" encoding="utf-8"?>
 <p:sld xmlns:a="http://schemas.openxmlformats.org/drawingml/2006/main" xmlns:r="http://schemas.openxmlformats.org/officeDocument/2006/relationships" xmlns:p="http://schemas.openxmlformats.org/presentationml/2006/main">
   <p:cSld>
     <p:spTree>
